--- a/Slides/Building an API.pptx
+++ b/Slides/Building an API.pptx
@@ -5,7 +5,7 @@
     <p:sldMasterId id="2147483980" r:id="rId4"/>
   </p:sldMasterIdLst>
   <p:notesMasterIdLst>
-    <p:notesMasterId r:id="rId44"/>
+    <p:notesMasterId r:id="rId48"/>
   </p:notesMasterIdLst>
   <p:sldIdLst>
     <p:sldId id="276" r:id="rId5"/>
@@ -46,7 +46,11 @@
     <p:sldId id="371" r:id="rId40"/>
     <p:sldId id="370" r:id="rId41"/>
     <p:sldId id="369" r:id="rId42"/>
-    <p:sldId id="335" r:id="rId43"/>
+    <p:sldId id="372" r:id="rId43"/>
+    <p:sldId id="373" r:id="rId44"/>
+    <p:sldId id="374" r:id="rId45"/>
+    <p:sldId id="375" r:id="rId46"/>
+    <p:sldId id="335" r:id="rId47"/>
   </p:sldIdLst>
   <p:sldSz cx="9144000" cy="5143500" type="screen16x9"/>
   <p:notesSz cx="6858000" cy="9144000"/>
@@ -218,6 +222,10 @@
             <p14:sldId id="371"/>
             <p14:sldId id="370"/>
             <p14:sldId id="369"/>
+            <p14:sldId id="372"/>
+            <p14:sldId id="373"/>
+            <p14:sldId id="374"/>
+            <p14:sldId id="375"/>
             <p14:sldId id="335"/>
           </p14:sldIdLst>
         </p14:section>
@@ -30156,13 +30164,8 @@
           <a:p>
             <a:r>
               <a:rPr lang="en-US" dirty="0"/>
-              <a:t>Documenting the API </a:t>
-            </a:r>
-            <a:r>
-              <a:rPr lang="en-US"/>
-              <a:t>with Swagger</a:t>
-            </a:r>
-            <a:endParaRPr lang="en-US" dirty="0"/>
+              <a:t>Documenting the API with Swagger</a:t>
+            </a:r>
           </a:p>
         </p:txBody>
       </p:sp>
@@ -30281,7 +30284,661 @@
           <a:bodyPr/>
           <a:lstStyle/>
           <a:p>
+            <a:pPr marL="285750" indent="-285750">
+              <a:buFont typeface="Arial" panose="020B0604020202020204" pitchFamily="34" charset="0"/>
+              <a:buChar char="•"/>
+            </a:pPr>
+            <a:r>
+              <a:rPr lang="en-US" dirty="0"/>
+              <a:t>Add </a:t>
+            </a:r>
+            <a:r>
+              <a:rPr lang="en-US" dirty="0" err="1"/>
+              <a:t>SwashBuckle</a:t>
+            </a:r>
+            <a:r>
+              <a:rPr lang="en-US" dirty="0"/>
+              <a:t> using </a:t>
+            </a:r>
+            <a:r>
+              <a:rPr lang="en-US" dirty="0" err="1"/>
+              <a:t>Nuget</a:t>
+            </a:r>
             <a:endParaRPr lang="en-US" dirty="0"/>
+          </a:p>
+          <a:p>
+            <a:pPr marL="554038" lvl="1" indent="-285750"/>
+            <a:r>
+              <a:rPr lang="en-US" dirty="0"/>
+              <a:t>In the terminal window run </a:t>
+            </a:r>
+          </a:p>
+          <a:p>
+            <a:pPr lvl="1" indent="0">
+              <a:buNone/>
+            </a:pPr>
+            <a:r>
+              <a:rPr lang="en-US" dirty="0">
+                <a:latin typeface="Consolas" panose="020B0609020204030204" pitchFamily="49" charset="0"/>
+              </a:rPr>
+              <a:t>    dotnet add package </a:t>
+            </a:r>
+            <a:r>
+              <a:rPr lang="en-US" dirty="0" err="1">
+                <a:latin typeface="Consolas" panose="020B0609020204030204" pitchFamily="49" charset="0"/>
+              </a:rPr>
+              <a:t>Swashbuckle.AspNetCore</a:t>
+            </a:r>
+            <a:r>
+              <a:rPr lang="en-US" dirty="0">
+                <a:latin typeface="Consolas" panose="020B0609020204030204" pitchFamily="49" charset="0"/>
+              </a:rPr>
+              <a:t> --version 5.0.0-rc2</a:t>
+            </a:r>
+          </a:p>
+          <a:p>
+            <a:pPr marL="285750" indent="-285750">
+              <a:buFont typeface="Arial" panose="020B0604020202020204" pitchFamily="34" charset="0"/>
+              <a:buChar char="•"/>
+            </a:pPr>
+            <a:r>
+              <a:rPr lang="en-US" dirty="0">
+                <a:latin typeface="+mn-lt"/>
+              </a:rPr>
+              <a:t>Add the generation of the Swagger document and Swagger UI</a:t>
+            </a:r>
+          </a:p>
+          <a:p>
+            <a:pPr marL="554038" lvl="1" indent="-285750"/>
+            <a:endParaRPr lang="en-US" dirty="0">
+              <a:latin typeface="+mn-lt"/>
+            </a:endParaRPr>
+          </a:p>
+          <a:p>
+            <a:pPr marL="554038" lvl="1" indent="-285750"/>
+            <a:endParaRPr lang="en-US" dirty="0">
+              <a:latin typeface="+mn-lt"/>
+            </a:endParaRPr>
+          </a:p>
+          <a:p>
+            <a:pPr marL="554038" lvl="1" indent="-285750"/>
+            <a:endParaRPr lang="en-US" dirty="0">
+              <a:latin typeface="+mn-lt"/>
+            </a:endParaRPr>
+          </a:p>
+          <a:p>
+            <a:pPr marL="554038" lvl="1" indent="-285750"/>
+            <a:endParaRPr lang="en-US" dirty="0">
+              <a:latin typeface="+mn-lt"/>
+            </a:endParaRPr>
+          </a:p>
+          <a:p>
+            <a:pPr marL="554038" lvl="1" indent="-285750"/>
+            <a:endParaRPr lang="en-US" dirty="0">
+              <a:latin typeface="+mn-lt"/>
+            </a:endParaRPr>
+          </a:p>
+          <a:p>
+            <a:pPr marL="820738" lvl="2" indent="-285750"/>
+            <a:r>
+              <a:rPr lang="en-US" dirty="0">
+                <a:latin typeface="+mn-lt"/>
+              </a:rPr>
+              <a:t>These </a:t>
+            </a:r>
+            <a:r>
+              <a:rPr lang="en-US" dirty="0" err="1">
+                <a:latin typeface="+mn-lt"/>
+              </a:rPr>
+              <a:t>middlewares</a:t>
+            </a:r>
+            <a:r>
+              <a:rPr lang="en-US" dirty="0">
+                <a:latin typeface="+mn-lt"/>
+              </a:rPr>
+              <a:t> need to execute BEFORE the Routing middleware</a:t>
+            </a:r>
+          </a:p>
+          <a:p>
+            <a:pPr marL="820738" lvl="2" indent="-285750"/>
+            <a:r>
+              <a:rPr lang="en-US" dirty="0">
+                <a:latin typeface="+mn-lt"/>
+              </a:rPr>
+              <a:t>The “v1.0” string in the generation translates to “/v1.0/” in the UI middleware</a:t>
+            </a:r>
+          </a:p>
+        </p:txBody>
+      </p:sp>
+      <p:sp>
+        <p:nvSpPr>
+          <p:cNvPr id="4" name="TextBox 3">
+            <a:extLst>
+              <a:ext uri="{FF2B5EF4-FFF2-40B4-BE49-F238E27FC236}">
+                <a16:creationId xmlns:a16="http://schemas.microsoft.com/office/drawing/2014/main" id="{E68503E4-65F4-43EE-BDB7-598996FACD49}"/>
+              </a:ext>
+            </a:extLst>
+          </p:cNvPr>
+          <p:cNvSpPr txBox="1"/>
+          <p:nvPr/>
+        </p:nvSpPr>
+        <p:spPr>
+          <a:xfrm>
+            <a:off x="397412" y="2645047"/>
+            <a:ext cx="8349175" cy="584775"/>
+          </a:xfrm>
+          <a:prstGeom prst="rect">
+            <a:avLst/>
+          </a:prstGeom>
+          <a:solidFill>
+            <a:srgbClr val="000000"/>
+          </a:solidFill>
+          <a:ln>
+            <a:solidFill>
+              <a:schemeClr val="accent2"/>
+            </a:solidFill>
+          </a:ln>
+        </p:spPr>
+        <p:txBody>
+          <a:bodyPr wrap="square" rtlCol="0">
+            <a:spAutoFit/>
+          </a:bodyPr>
+          <a:lstStyle/>
+          <a:p>
+            <a:r>
+              <a:rPr lang="en-US" sz="1600" dirty="0" err="1">
+                <a:solidFill>
+                  <a:srgbClr val="9CDCFE"/>
+                </a:solidFill>
+                <a:latin typeface="Consolas" panose="020B0609020204030204" pitchFamily="49" charset="0"/>
+              </a:rPr>
+              <a:t>services</a:t>
+            </a:r>
+            <a:r>
+              <a:rPr lang="en-US" sz="1600" dirty="0" err="1">
+                <a:solidFill>
+                  <a:srgbClr val="D4D4D4"/>
+                </a:solidFill>
+                <a:latin typeface="Consolas" panose="020B0609020204030204" pitchFamily="49" charset="0"/>
+              </a:rPr>
+              <a:t>.</a:t>
+            </a:r>
+            <a:r>
+              <a:rPr lang="en-US" sz="1600" dirty="0" err="1">
+                <a:solidFill>
+                  <a:srgbClr val="DCDCAA"/>
+                </a:solidFill>
+                <a:latin typeface="Consolas" panose="020B0609020204030204" pitchFamily="49" charset="0"/>
+              </a:rPr>
+              <a:t>AddSwaggerGen</a:t>
+            </a:r>
+            <a:r>
+              <a:rPr lang="en-US" sz="1600" dirty="0">
+                <a:solidFill>
+                  <a:srgbClr val="D4D4D4"/>
+                </a:solidFill>
+                <a:latin typeface="Consolas" panose="020B0609020204030204" pitchFamily="49" charset="0"/>
+              </a:rPr>
+              <a:t>(</a:t>
+            </a:r>
+            <a:r>
+              <a:rPr lang="en-US" sz="1600" dirty="0">
+                <a:solidFill>
+                  <a:srgbClr val="9CDCFE"/>
+                </a:solidFill>
+                <a:latin typeface="Consolas" panose="020B0609020204030204" pitchFamily="49" charset="0"/>
+              </a:rPr>
+              <a:t>c</a:t>
+            </a:r>
+            <a:r>
+              <a:rPr lang="en-US" sz="1600" dirty="0">
+                <a:solidFill>
+                  <a:srgbClr val="D4D4D4"/>
+                </a:solidFill>
+                <a:latin typeface="Consolas" panose="020B0609020204030204" pitchFamily="49" charset="0"/>
+              </a:rPr>
+              <a:t> =&gt; </a:t>
+            </a:r>
+            <a:r>
+              <a:rPr lang="en-US" sz="1600" dirty="0" err="1">
+                <a:solidFill>
+                  <a:srgbClr val="9CDCFE"/>
+                </a:solidFill>
+                <a:latin typeface="Consolas" panose="020B0609020204030204" pitchFamily="49" charset="0"/>
+              </a:rPr>
+              <a:t>c</a:t>
+            </a:r>
+            <a:r>
+              <a:rPr lang="en-US" sz="1600" dirty="0" err="1">
+                <a:solidFill>
+                  <a:srgbClr val="D4D4D4"/>
+                </a:solidFill>
+                <a:latin typeface="Consolas" panose="020B0609020204030204" pitchFamily="49" charset="0"/>
+              </a:rPr>
+              <a:t>.</a:t>
+            </a:r>
+            <a:r>
+              <a:rPr lang="en-US" sz="1600" dirty="0" err="1">
+                <a:solidFill>
+                  <a:srgbClr val="DCDCAA"/>
+                </a:solidFill>
+                <a:latin typeface="Consolas" panose="020B0609020204030204" pitchFamily="49" charset="0"/>
+              </a:rPr>
+              <a:t>SwaggerDoc</a:t>
+            </a:r>
+            <a:r>
+              <a:rPr lang="en-US" sz="1600" dirty="0">
+                <a:solidFill>
+                  <a:srgbClr val="D4D4D4"/>
+                </a:solidFill>
+                <a:latin typeface="Consolas" panose="020B0609020204030204" pitchFamily="49" charset="0"/>
+              </a:rPr>
+              <a:t>(</a:t>
+            </a:r>
+            <a:r>
+              <a:rPr lang="en-US" sz="1600" dirty="0">
+                <a:solidFill>
+                  <a:srgbClr val="CE9178"/>
+                </a:solidFill>
+                <a:latin typeface="Consolas" panose="020B0609020204030204" pitchFamily="49" charset="0"/>
+              </a:rPr>
+              <a:t>"v1.0"</a:t>
+            </a:r>
+            <a:r>
+              <a:rPr lang="en-US" sz="1600" dirty="0">
+                <a:solidFill>
+                  <a:srgbClr val="D4D4D4"/>
+                </a:solidFill>
+                <a:latin typeface="Consolas" panose="020B0609020204030204" pitchFamily="49" charset="0"/>
+              </a:rPr>
+              <a:t>, </a:t>
+            </a:r>
+            <a:r>
+              <a:rPr lang="en-US" sz="1600" dirty="0">
+                <a:solidFill>
+                  <a:srgbClr val="569CD6"/>
+                </a:solidFill>
+                <a:latin typeface="Consolas" panose="020B0609020204030204" pitchFamily="49" charset="0"/>
+              </a:rPr>
+              <a:t>new</a:t>
+            </a:r>
+            <a:r>
+              <a:rPr lang="en-US" sz="1600" dirty="0">
+                <a:solidFill>
+                  <a:srgbClr val="D4D4D4"/>
+                </a:solidFill>
+                <a:latin typeface="Consolas" panose="020B0609020204030204" pitchFamily="49" charset="0"/>
+              </a:rPr>
+              <a:t> </a:t>
+            </a:r>
+            <a:r>
+              <a:rPr lang="en-US" sz="1600" dirty="0" err="1">
+                <a:solidFill>
+                  <a:srgbClr val="4EC9B0"/>
+                </a:solidFill>
+                <a:latin typeface="Consolas" panose="020B0609020204030204" pitchFamily="49" charset="0"/>
+              </a:rPr>
+              <a:t>OpenApiInfo</a:t>
+            </a:r>
+            <a:r>
+              <a:rPr lang="en-US" sz="1600" dirty="0">
+                <a:solidFill>
+                  <a:srgbClr val="D4D4D4"/>
+                </a:solidFill>
+                <a:latin typeface="Consolas" panose="020B0609020204030204" pitchFamily="49" charset="0"/>
+              </a:rPr>
+              <a:t> </a:t>
+            </a:r>
+          </a:p>
+          <a:p>
+            <a:r>
+              <a:rPr lang="en-US" sz="1600" dirty="0">
+                <a:solidFill>
+                  <a:srgbClr val="D4D4D4"/>
+                </a:solidFill>
+                <a:latin typeface="Consolas" panose="020B0609020204030204" pitchFamily="49" charset="0"/>
+              </a:rPr>
+              <a:t>    { </a:t>
+            </a:r>
+            <a:r>
+              <a:rPr lang="en-US" sz="1600" dirty="0">
+                <a:solidFill>
+                  <a:srgbClr val="9CDCFE"/>
+                </a:solidFill>
+                <a:latin typeface="Consolas" panose="020B0609020204030204" pitchFamily="49" charset="0"/>
+              </a:rPr>
+              <a:t>Title</a:t>
+            </a:r>
+            <a:r>
+              <a:rPr lang="en-US" sz="1600" dirty="0">
+                <a:solidFill>
+                  <a:srgbClr val="D4D4D4"/>
+                </a:solidFill>
+                <a:latin typeface="Consolas" panose="020B0609020204030204" pitchFamily="49" charset="0"/>
+              </a:rPr>
+              <a:t> = </a:t>
+            </a:r>
+            <a:r>
+              <a:rPr lang="en-US" sz="1600" dirty="0">
+                <a:solidFill>
+                  <a:srgbClr val="CE9178"/>
+                </a:solidFill>
+                <a:latin typeface="Consolas" panose="020B0609020204030204" pitchFamily="49" charset="0"/>
+              </a:rPr>
+              <a:t>"</a:t>
+            </a:r>
+            <a:r>
+              <a:rPr lang="en-US" sz="1600" dirty="0" err="1">
+                <a:solidFill>
+                  <a:srgbClr val="CE9178"/>
+                </a:solidFill>
+                <a:latin typeface="Consolas" panose="020B0609020204030204" pitchFamily="49" charset="0"/>
+              </a:rPr>
+              <a:t>DevCruise</a:t>
+            </a:r>
+            <a:r>
+              <a:rPr lang="en-US" sz="1600" dirty="0">
+                <a:solidFill>
+                  <a:srgbClr val="CE9178"/>
+                </a:solidFill>
+                <a:latin typeface="Consolas" panose="020B0609020204030204" pitchFamily="49" charset="0"/>
+              </a:rPr>
+              <a:t> API Documentation"</a:t>
+            </a:r>
+            <a:r>
+              <a:rPr lang="en-US" sz="1600" dirty="0">
+                <a:solidFill>
+                  <a:srgbClr val="D4D4D4"/>
+                </a:solidFill>
+                <a:latin typeface="Consolas" panose="020B0609020204030204" pitchFamily="49" charset="0"/>
+              </a:rPr>
+              <a:t>, </a:t>
+            </a:r>
+            <a:r>
+              <a:rPr lang="en-US" sz="1600" dirty="0">
+                <a:solidFill>
+                  <a:srgbClr val="9CDCFE"/>
+                </a:solidFill>
+                <a:latin typeface="Consolas" panose="020B0609020204030204" pitchFamily="49" charset="0"/>
+              </a:rPr>
+              <a:t>Version</a:t>
+            </a:r>
+            <a:r>
+              <a:rPr lang="en-US" sz="1600" dirty="0">
+                <a:solidFill>
+                  <a:srgbClr val="D4D4D4"/>
+                </a:solidFill>
+                <a:latin typeface="Consolas" panose="020B0609020204030204" pitchFamily="49" charset="0"/>
+              </a:rPr>
+              <a:t> = </a:t>
+            </a:r>
+            <a:r>
+              <a:rPr lang="en-US" sz="1600" dirty="0">
+                <a:solidFill>
+                  <a:srgbClr val="CE9178"/>
+                </a:solidFill>
+                <a:latin typeface="Consolas" panose="020B0609020204030204" pitchFamily="49" charset="0"/>
+              </a:rPr>
+              <a:t>"1.0"</a:t>
+            </a:r>
+            <a:r>
+              <a:rPr lang="en-US" sz="1600" dirty="0">
+                <a:solidFill>
+                  <a:srgbClr val="D4D4D4"/>
+                </a:solidFill>
+                <a:latin typeface="Consolas" panose="020B0609020204030204" pitchFamily="49" charset="0"/>
+              </a:rPr>
+              <a:t> }));</a:t>
+            </a:r>
+          </a:p>
+        </p:txBody>
+      </p:sp>
+      <p:sp>
+        <p:nvSpPr>
+          <p:cNvPr id="5" name="TextBox 4">
+            <a:extLst>
+              <a:ext uri="{FF2B5EF4-FFF2-40B4-BE49-F238E27FC236}">
+                <a16:creationId xmlns:a16="http://schemas.microsoft.com/office/drawing/2014/main" id="{9A3F9360-875C-4DF2-956F-BA23E74D276E}"/>
+              </a:ext>
+            </a:extLst>
+          </p:cNvPr>
+          <p:cNvSpPr txBox="1"/>
+          <p:nvPr/>
+        </p:nvSpPr>
+        <p:spPr>
+          <a:xfrm>
+            <a:off x="389007" y="3340787"/>
+            <a:ext cx="8349175" cy="830997"/>
+          </a:xfrm>
+          <a:prstGeom prst="rect">
+            <a:avLst/>
+          </a:prstGeom>
+          <a:solidFill>
+            <a:srgbClr val="000000"/>
+          </a:solidFill>
+          <a:ln>
+            <a:solidFill>
+              <a:schemeClr val="accent2"/>
+            </a:solidFill>
+          </a:ln>
+        </p:spPr>
+        <p:txBody>
+          <a:bodyPr wrap="square" rtlCol="0">
+            <a:spAutoFit/>
+          </a:bodyPr>
+          <a:lstStyle/>
+          <a:p>
+            <a:r>
+              <a:rPr lang="en-US" sz="1600" dirty="0" err="1">
+                <a:solidFill>
+                  <a:srgbClr val="9CDCFE"/>
+                </a:solidFill>
+                <a:latin typeface="Consolas" panose="020B0609020204030204" pitchFamily="49" charset="0"/>
+              </a:rPr>
+              <a:t>app</a:t>
+            </a:r>
+            <a:r>
+              <a:rPr lang="en-US" sz="1600" dirty="0" err="1">
+                <a:solidFill>
+                  <a:srgbClr val="D4D4D4"/>
+                </a:solidFill>
+                <a:latin typeface="Consolas" panose="020B0609020204030204" pitchFamily="49" charset="0"/>
+              </a:rPr>
+              <a:t>.</a:t>
+            </a:r>
+            <a:r>
+              <a:rPr lang="en-US" sz="1600" dirty="0" err="1">
+                <a:solidFill>
+                  <a:srgbClr val="DCDCAA"/>
+                </a:solidFill>
+                <a:latin typeface="Consolas" panose="020B0609020204030204" pitchFamily="49" charset="0"/>
+              </a:rPr>
+              <a:t>UseSwagger</a:t>
+            </a:r>
+            <a:r>
+              <a:rPr lang="en-US" sz="1600" dirty="0">
+                <a:solidFill>
+                  <a:srgbClr val="D4D4D4"/>
+                </a:solidFill>
+                <a:latin typeface="Consolas" panose="020B0609020204030204" pitchFamily="49" charset="0"/>
+              </a:rPr>
+              <a:t>();</a:t>
+            </a:r>
+          </a:p>
+          <a:p>
+            <a:r>
+              <a:rPr lang="en-US" sz="1600" dirty="0" err="1">
+                <a:solidFill>
+                  <a:srgbClr val="9CDCFE"/>
+                </a:solidFill>
+                <a:latin typeface="Consolas" panose="020B0609020204030204" pitchFamily="49" charset="0"/>
+              </a:rPr>
+              <a:t>app</a:t>
+            </a:r>
+            <a:r>
+              <a:rPr lang="en-US" sz="1600" dirty="0" err="1">
+                <a:solidFill>
+                  <a:srgbClr val="D4D4D4"/>
+                </a:solidFill>
+                <a:latin typeface="Consolas" panose="020B0609020204030204" pitchFamily="49" charset="0"/>
+              </a:rPr>
+              <a:t>.</a:t>
+            </a:r>
+            <a:r>
+              <a:rPr lang="en-US" sz="1600" dirty="0" err="1">
+                <a:solidFill>
+                  <a:srgbClr val="DCDCAA"/>
+                </a:solidFill>
+                <a:latin typeface="Consolas" panose="020B0609020204030204" pitchFamily="49" charset="0"/>
+              </a:rPr>
+              <a:t>UseSwaggerUI</a:t>
+            </a:r>
+            <a:r>
+              <a:rPr lang="en-US" sz="1600" dirty="0">
+                <a:solidFill>
+                  <a:srgbClr val="D4D4D4"/>
+                </a:solidFill>
+                <a:latin typeface="Consolas" panose="020B0609020204030204" pitchFamily="49" charset="0"/>
+              </a:rPr>
+              <a:t>(</a:t>
+            </a:r>
+            <a:r>
+              <a:rPr lang="en-US" sz="1600" dirty="0">
+                <a:solidFill>
+                  <a:srgbClr val="9CDCFE"/>
+                </a:solidFill>
+                <a:latin typeface="Consolas" panose="020B0609020204030204" pitchFamily="49" charset="0"/>
+              </a:rPr>
+              <a:t>c</a:t>
+            </a:r>
+            <a:r>
+              <a:rPr lang="en-US" sz="1600" dirty="0">
+                <a:solidFill>
+                  <a:srgbClr val="D4D4D4"/>
+                </a:solidFill>
+                <a:latin typeface="Consolas" panose="020B0609020204030204" pitchFamily="49" charset="0"/>
+              </a:rPr>
+              <a:t> =&gt; </a:t>
+            </a:r>
+            <a:r>
+              <a:rPr lang="en-US" sz="1600" dirty="0" err="1">
+                <a:solidFill>
+                  <a:srgbClr val="9CDCFE"/>
+                </a:solidFill>
+                <a:latin typeface="Consolas" panose="020B0609020204030204" pitchFamily="49" charset="0"/>
+              </a:rPr>
+              <a:t>c</a:t>
+            </a:r>
+            <a:r>
+              <a:rPr lang="en-US" sz="1600" dirty="0" err="1">
+                <a:solidFill>
+                  <a:srgbClr val="D4D4D4"/>
+                </a:solidFill>
+                <a:latin typeface="Consolas" panose="020B0609020204030204" pitchFamily="49" charset="0"/>
+              </a:rPr>
+              <a:t>.</a:t>
+            </a:r>
+            <a:r>
+              <a:rPr lang="en-US" sz="1600" dirty="0" err="1">
+                <a:solidFill>
+                  <a:srgbClr val="DCDCAA"/>
+                </a:solidFill>
+                <a:latin typeface="Consolas" panose="020B0609020204030204" pitchFamily="49" charset="0"/>
+              </a:rPr>
+              <a:t>SwaggerEndpoint</a:t>
+            </a:r>
+            <a:r>
+              <a:rPr lang="en-US" sz="1600" dirty="0">
+                <a:solidFill>
+                  <a:srgbClr val="D4D4D4"/>
+                </a:solidFill>
+                <a:latin typeface="Consolas" panose="020B0609020204030204" pitchFamily="49" charset="0"/>
+              </a:rPr>
+              <a:t>(</a:t>
+            </a:r>
+          </a:p>
+          <a:p>
+            <a:r>
+              <a:rPr lang="en-US" sz="1600" dirty="0">
+                <a:solidFill>
+                  <a:srgbClr val="D4D4D4"/>
+                </a:solidFill>
+                <a:latin typeface="Consolas" panose="020B0609020204030204" pitchFamily="49" charset="0"/>
+              </a:rPr>
+              <a:t>    </a:t>
+            </a:r>
+            <a:r>
+              <a:rPr lang="en-US" sz="1600" dirty="0">
+                <a:solidFill>
+                  <a:srgbClr val="CE9178"/>
+                </a:solidFill>
+                <a:latin typeface="Consolas" panose="020B0609020204030204" pitchFamily="49" charset="0"/>
+              </a:rPr>
+              <a:t>"/swagger/v1.0/</a:t>
+            </a:r>
+            <a:r>
+              <a:rPr lang="en-US" sz="1600" dirty="0" err="1">
+                <a:solidFill>
+                  <a:srgbClr val="CE9178"/>
+                </a:solidFill>
+                <a:latin typeface="Consolas" panose="020B0609020204030204" pitchFamily="49" charset="0"/>
+              </a:rPr>
+              <a:t>swagger.json</a:t>
+            </a:r>
+            <a:r>
+              <a:rPr lang="en-US" sz="1600" dirty="0">
+                <a:solidFill>
+                  <a:srgbClr val="CE9178"/>
+                </a:solidFill>
+                <a:latin typeface="Consolas" panose="020B0609020204030204" pitchFamily="49" charset="0"/>
+              </a:rPr>
+              <a:t>"</a:t>
+            </a:r>
+            <a:r>
+              <a:rPr lang="en-US" sz="1600" dirty="0">
+                <a:solidFill>
+                  <a:srgbClr val="D4D4D4"/>
+                </a:solidFill>
+                <a:latin typeface="Consolas" panose="020B0609020204030204" pitchFamily="49" charset="0"/>
+              </a:rPr>
+              <a:t>, </a:t>
+            </a:r>
+            <a:r>
+              <a:rPr lang="en-US" sz="1600" dirty="0">
+                <a:solidFill>
+                  <a:srgbClr val="CE9178"/>
+                </a:solidFill>
+                <a:latin typeface="Consolas" panose="020B0609020204030204" pitchFamily="49" charset="0"/>
+              </a:rPr>
+              <a:t>"</a:t>
+            </a:r>
+            <a:r>
+              <a:rPr lang="en-US" sz="1600" dirty="0" err="1">
+                <a:solidFill>
+                  <a:srgbClr val="CE9178"/>
+                </a:solidFill>
+                <a:latin typeface="Consolas" panose="020B0609020204030204" pitchFamily="49" charset="0"/>
+              </a:rPr>
+              <a:t>DevCruise</a:t>
+            </a:r>
+            <a:r>
+              <a:rPr lang="en-US" sz="1600" dirty="0">
+                <a:solidFill>
+                  <a:srgbClr val="CE9178"/>
+                </a:solidFill>
+                <a:latin typeface="Consolas" panose="020B0609020204030204" pitchFamily="49" charset="0"/>
+              </a:rPr>
+              <a:t> API v1.0"</a:t>
+            </a:r>
+            <a:r>
+              <a:rPr lang="en-US" sz="1600" dirty="0">
+                <a:solidFill>
+                  <a:srgbClr val="D4D4D4"/>
+                </a:solidFill>
+                <a:latin typeface="Consolas" panose="020B0609020204030204" pitchFamily="49" charset="0"/>
+              </a:rPr>
+              <a:t>));</a:t>
+            </a:r>
           </a:p>
         </p:txBody>
       </p:sp>
@@ -30317,10 +30974,10 @@
       </p:grpSpPr>
       <p:sp>
         <p:nvSpPr>
-          <p:cNvPr id="5" name="Text Placeholder 4">
+          <p:cNvPr id="2" name="Title 1">
             <a:extLst>
               <a:ext uri="{FF2B5EF4-FFF2-40B4-BE49-F238E27FC236}">
-                <a16:creationId xmlns:a16="http://schemas.microsoft.com/office/drawing/2014/main" id="{F47E74F2-34C9-4557-B774-1753488CFF78}"/>
+                <a16:creationId xmlns:a16="http://schemas.microsoft.com/office/drawing/2014/main" id="{9FE699A4-D7DA-4766-AC74-C40E23699526}"/>
               </a:ext>
             </a:extLst>
           </p:cNvPr>
@@ -30328,22 +30985,425 @@
             <a:spLocks noGrp="1"/>
           </p:cNvSpPr>
           <p:nvPr>
-            <p:ph type="body" sz="quarter" idx="11"/>
+            <p:ph type="title"/>
           </p:nvPr>
+        </p:nvSpPr>
+        <p:spPr/>
+        <p:txBody>
+          <a:bodyPr/>
+          <a:lstStyle/>
+          <a:p>
+            <a:r>
+              <a:rPr lang="en-US" dirty="0"/>
+              <a:t>Try out </a:t>
+            </a:r>
+            <a:r>
+              <a:rPr lang="en-US" dirty="0" err="1"/>
+              <a:t>SwaggerUI</a:t>
+            </a:r>
+            <a:endParaRPr lang="en-US" dirty="0"/>
+          </a:p>
+        </p:txBody>
+      </p:sp>
+      <p:sp>
+        <p:nvSpPr>
+          <p:cNvPr id="3" name="Content Placeholder 2">
+            <a:extLst>
+              <a:ext uri="{FF2B5EF4-FFF2-40B4-BE49-F238E27FC236}">
+                <a16:creationId xmlns:a16="http://schemas.microsoft.com/office/drawing/2014/main" id="{DC171187-8DC6-4808-8EB2-46DB4EEFFA29}"/>
+              </a:ext>
+            </a:extLst>
+          </p:cNvPr>
+          <p:cNvSpPr>
+            <a:spLocks noGrp="1"/>
+          </p:cNvSpPr>
+          <p:nvPr>
+            <p:ph idx="1"/>
+          </p:nvPr>
+        </p:nvSpPr>
+        <p:spPr/>
+        <p:txBody>
+          <a:bodyPr/>
+          <a:lstStyle/>
+          <a:p>
+            <a:pPr marL="285750" indent="-285750">
+              <a:buFont typeface="Arial" panose="020B0604020202020204" pitchFamily="34" charset="0"/>
+              <a:buChar char="•"/>
+            </a:pPr>
+            <a:r>
+              <a:rPr lang="en-US" dirty="0"/>
+              <a:t>Debug the app</a:t>
+            </a:r>
+          </a:p>
+          <a:p>
+            <a:pPr marL="285750" indent="-285750">
+              <a:buFont typeface="Arial" panose="020B0604020202020204" pitchFamily="34" charset="0"/>
+              <a:buChar char="•"/>
+            </a:pPr>
+            <a:r>
+              <a:rPr lang="en-US" dirty="0"/>
+              <a:t>Browse to /swagger</a:t>
+            </a:r>
+          </a:p>
+          <a:p>
+            <a:pPr marL="285750" indent="-285750">
+              <a:buFont typeface="Arial" panose="020B0604020202020204" pitchFamily="34" charset="0"/>
+              <a:buChar char="•"/>
+            </a:pPr>
+            <a:r>
+              <a:rPr lang="en-US" dirty="0"/>
+              <a:t>Also try /swagger/v1.0/</a:t>
+            </a:r>
+            <a:r>
+              <a:rPr lang="en-US" dirty="0" err="1"/>
+              <a:t>swagger.json</a:t>
+            </a:r>
+            <a:endParaRPr lang="en-US" dirty="0"/>
+          </a:p>
+          <a:p>
+            <a:pPr marL="285750" indent="-285750">
+              <a:buFont typeface="Arial" panose="020B0604020202020204" pitchFamily="34" charset="0"/>
+              <a:buChar char="•"/>
+            </a:pPr>
+            <a:endParaRPr lang="en-US" dirty="0"/>
+          </a:p>
+          <a:p>
+            <a:pPr marL="285750" indent="-285750">
+              <a:buFont typeface="Arial" panose="020B0604020202020204" pitchFamily="34" charset="0"/>
+              <a:buChar char="•"/>
+            </a:pPr>
+            <a:r>
+              <a:rPr lang="en-US" dirty="0"/>
+              <a:t>If you want you can change </a:t>
+            </a:r>
+            <a:r>
+              <a:rPr lang="en-US" dirty="0" err="1"/>
+              <a:t>launch.json</a:t>
+            </a:r>
+            <a:r>
+              <a:rPr lang="en-US" dirty="0"/>
+              <a:t> to always show </a:t>
+            </a:r>
+            <a:r>
+              <a:rPr lang="en-US" dirty="0" err="1"/>
+              <a:t>SwaggerUI</a:t>
+            </a:r>
+            <a:r>
+              <a:rPr lang="en-US" dirty="0"/>
+              <a:t> for now on</a:t>
+            </a:r>
+          </a:p>
+        </p:txBody>
+      </p:sp>
+      <p:sp>
+        <p:nvSpPr>
+          <p:cNvPr id="4" name="TextBox 3">
+            <a:extLst>
+              <a:ext uri="{FF2B5EF4-FFF2-40B4-BE49-F238E27FC236}">
+                <a16:creationId xmlns:a16="http://schemas.microsoft.com/office/drawing/2014/main" id="{E26314C2-25C2-49A1-A7CF-14283FBF5096}"/>
+              </a:ext>
+            </a:extLst>
+          </p:cNvPr>
+          <p:cNvSpPr txBox="1"/>
+          <p:nvPr/>
         </p:nvSpPr>
         <p:spPr>
           <a:xfrm>
-            <a:off x="977156" y="2734240"/>
-            <a:ext cx="7662019" cy="1850149"/>
+            <a:off x="877860" y="3098409"/>
+            <a:ext cx="7371471" cy="1477328"/>
           </a:xfrm>
+          <a:prstGeom prst="rect">
+            <a:avLst/>
+          </a:prstGeom>
+          <a:solidFill>
+            <a:srgbClr val="000000"/>
+          </a:solidFill>
+          <a:ln>
+            <a:solidFill>
+              <a:schemeClr val="accent2"/>
+            </a:solidFill>
+          </a:ln>
         </p:spPr>
         <p:txBody>
-          <a:bodyPr/>
+          <a:bodyPr wrap="square" rtlCol="0">
+            <a:spAutoFit/>
+          </a:bodyPr>
           <a:lstStyle/>
           <a:p>
             <a:r>
-              <a:rPr lang="en-US" dirty="0"/>
-              <a:t>Now have fun exploring ASP.NET Core for yourself!</a:t>
+              <a:rPr lang="en-US" dirty="0">
+                <a:solidFill>
+                  <a:srgbClr val="9CDCFE"/>
+                </a:solidFill>
+                <a:latin typeface="Consolas" panose="020B0609020204030204" pitchFamily="49" charset="0"/>
+              </a:rPr>
+              <a:t>"</a:t>
+            </a:r>
+            <a:r>
+              <a:rPr lang="en-US" dirty="0" err="1">
+                <a:solidFill>
+                  <a:srgbClr val="9CDCFE"/>
+                </a:solidFill>
+                <a:latin typeface="Consolas" panose="020B0609020204030204" pitchFamily="49" charset="0"/>
+              </a:rPr>
+              <a:t>serverReadyAction</a:t>
+            </a:r>
+            <a:r>
+              <a:rPr lang="en-US" dirty="0">
+                <a:solidFill>
+                  <a:srgbClr val="9CDCFE"/>
+                </a:solidFill>
+                <a:latin typeface="Consolas" panose="020B0609020204030204" pitchFamily="49" charset="0"/>
+              </a:rPr>
+              <a:t>"</a:t>
+            </a:r>
+            <a:r>
+              <a:rPr lang="en-US" dirty="0">
+                <a:solidFill>
+                  <a:srgbClr val="D4D4D4"/>
+                </a:solidFill>
+                <a:latin typeface="Consolas" panose="020B0609020204030204" pitchFamily="49" charset="0"/>
+              </a:rPr>
+              <a:t>: {</a:t>
+            </a:r>
+          </a:p>
+          <a:p>
+            <a:r>
+              <a:rPr lang="en-US" dirty="0">
+                <a:solidFill>
+                  <a:srgbClr val="9CDCFE"/>
+                </a:solidFill>
+                <a:latin typeface="Consolas" panose="020B0609020204030204" pitchFamily="49" charset="0"/>
+              </a:rPr>
+              <a:t>    "action"</a:t>
+            </a:r>
+            <a:r>
+              <a:rPr lang="en-US" dirty="0">
+                <a:solidFill>
+                  <a:srgbClr val="D4D4D4"/>
+                </a:solidFill>
+                <a:latin typeface="Consolas" panose="020B0609020204030204" pitchFamily="49" charset="0"/>
+              </a:rPr>
+              <a:t>: </a:t>
+            </a:r>
+            <a:r>
+              <a:rPr lang="en-US" dirty="0">
+                <a:solidFill>
+                  <a:srgbClr val="CE9178"/>
+                </a:solidFill>
+                <a:latin typeface="Consolas" panose="020B0609020204030204" pitchFamily="49" charset="0"/>
+              </a:rPr>
+              <a:t>"</a:t>
+            </a:r>
+            <a:r>
+              <a:rPr lang="en-US" dirty="0" err="1">
+                <a:solidFill>
+                  <a:srgbClr val="CE9178"/>
+                </a:solidFill>
+                <a:latin typeface="Consolas" panose="020B0609020204030204" pitchFamily="49" charset="0"/>
+              </a:rPr>
+              <a:t>openExternally</a:t>
+            </a:r>
+            <a:r>
+              <a:rPr lang="en-US" dirty="0">
+                <a:solidFill>
+                  <a:srgbClr val="CE9178"/>
+                </a:solidFill>
+                <a:latin typeface="Consolas" panose="020B0609020204030204" pitchFamily="49" charset="0"/>
+              </a:rPr>
+              <a:t>"</a:t>
+            </a:r>
+            <a:r>
+              <a:rPr lang="en-US" dirty="0">
+                <a:solidFill>
+                  <a:srgbClr val="D4D4D4"/>
+                </a:solidFill>
+                <a:latin typeface="Consolas" panose="020B0609020204030204" pitchFamily="49" charset="0"/>
+              </a:rPr>
+              <a:t>,</a:t>
+            </a:r>
+          </a:p>
+          <a:p>
+            <a:r>
+              <a:rPr lang="en-US" dirty="0">
+                <a:solidFill>
+                  <a:srgbClr val="D4D4D4"/>
+                </a:solidFill>
+                <a:latin typeface="Consolas" panose="020B0609020204030204" pitchFamily="49" charset="0"/>
+              </a:rPr>
+              <a:t>    </a:t>
+            </a:r>
+            <a:r>
+              <a:rPr lang="en-US" dirty="0">
+                <a:solidFill>
+                  <a:srgbClr val="9CDCFE"/>
+                </a:solidFill>
+                <a:latin typeface="Consolas" panose="020B0609020204030204" pitchFamily="49" charset="0"/>
+              </a:rPr>
+              <a:t>"pattern"</a:t>
+            </a:r>
+            <a:r>
+              <a:rPr lang="en-US" dirty="0">
+                <a:solidFill>
+                  <a:srgbClr val="D4D4D4"/>
+                </a:solidFill>
+                <a:latin typeface="Consolas" panose="020B0609020204030204" pitchFamily="49" charset="0"/>
+              </a:rPr>
+              <a:t>: </a:t>
+            </a:r>
+            <a:r>
+              <a:rPr lang="en-US" dirty="0">
+                <a:solidFill>
+                  <a:srgbClr val="CE9178"/>
+                </a:solidFill>
+                <a:latin typeface="Consolas" panose="020B0609020204030204" pitchFamily="49" charset="0"/>
+              </a:rPr>
+              <a:t>"^</a:t>
+            </a:r>
+            <a:r>
+              <a:rPr lang="en-US" dirty="0">
+                <a:solidFill>
+                  <a:srgbClr val="D7BA7D"/>
+                </a:solidFill>
+                <a:latin typeface="Consolas" panose="020B0609020204030204" pitchFamily="49" charset="0"/>
+              </a:rPr>
+              <a:t>\\</a:t>
+            </a:r>
+            <a:r>
+              <a:rPr lang="en-US" dirty="0">
+                <a:solidFill>
+                  <a:srgbClr val="CE9178"/>
+                </a:solidFill>
+                <a:latin typeface="Consolas" panose="020B0609020204030204" pitchFamily="49" charset="0"/>
+              </a:rPr>
+              <a:t>s*Now listening on:</a:t>
+            </a:r>
+            <a:r>
+              <a:rPr lang="en-US" dirty="0">
+                <a:solidFill>
+                  <a:srgbClr val="D7BA7D"/>
+                </a:solidFill>
+                <a:latin typeface="Consolas" panose="020B0609020204030204" pitchFamily="49" charset="0"/>
+              </a:rPr>
+              <a:t>\\</a:t>
+            </a:r>
+            <a:r>
+              <a:rPr lang="en-US" dirty="0" err="1">
+                <a:solidFill>
+                  <a:srgbClr val="CE9178"/>
+                </a:solidFill>
+                <a:latin typeface="Consolas" panose="020B0609020204030204" pitchFamily="49" charset="0"/>
+              </a:rPr>
+              <a:t>s+https</a:t>
+            </a:r>
+            <a:r>
+              <a:rPr lang="en-US" dirty="0">
+                <a:solidFill>
+                  <a:srgbClr val="CE9178"/>
+                </a:solidFill>
+                <a:latin typeface="Consolas" panose="020B0609020204030204" pitchFamily="49" charset="0"/>
+              </a:rPr>
+              <a:t>?://</a:t>
+            </a:r>
+            <a:r>
+              <a:rPr lang="en-US" dirty="0">
+                <a:solidFill>
+                  <a:srgbClr val="D7BA7D"/>
+                </a:solidFill>
+                <a:latin typeface="Consolas" panose="020B0609020204030204" pitchFamily="49" charset="0"/>
+              </a:rPr>
+              <a:t>\\</a:t>
+            </a:r>
+            <a:r>
+              <a:rPr lang="en-US" dirty="0">
+                <a:solidFill>
+                  <a:srgbClr val="CE9178"/>
+                </a:solidFill>
+                <a:latin typeface="Consolas" panose="020B0609020204030204" pitchFamily="49" charset="0"/>
+              </a:rPr>
+              <a:t>S+"</a:t>
+            </a:r>
+            <a:r>
+              <a:rPr lang="en-US" dirty="0">
+                <a:solidFill>
+                  <a:srgbClr val="D4D4D4"/>
+                </a:solidFill>
+                <a:latin typeface="Consolas" panose="020B0609020204030204" pitchFamily="49" charset="0"/>
+              </a:rPr>
+              <a:t>,</a:t>
+            </a:r>
+          </a:p>
+          <a:p>
+            <a:r>
+              <a:rPr lang="en-US" dirty="0">
+                <a:solidFill>
+                  <a:srgbClr val="D4D4D4"/>
+                </a:solidFill>
+                <a:latin typeface="Consolas" panose="020B0609020204030204" pitchFamily="49" charset="0"/>
+              </a:rPr>
+              <a:t>    </a:t>
+            </a:r>
+            <a:r>
+              <a:rPr lang="en-US" dirty="0">
+                <a:solidFill>
+                  <a:srgbClr val="9CDCFE"/>
+                </a:solidFill>
+                <a:latin typeface="Consolas" panose="020B0609020204030204" pitchFamily="49" charset="0"/>
+              </a:rPr>
+              <a:t>"</a:t>
+            </a:r>
+            <a:r>
+              <a:rPr lang="en-US" dirty="0" err="1">
+                <a:solidFill>
+                  <a:srgbClr val="9CDCFE"/>
+                </a:solidFill>
+                <a:latin typeface="Consolas" panose="020B0609020204030204" pitchFamily="49" charset="0"/>
+              </a:rPr>
+              <a:t>uriFormat</a:t>
+            </a:r>
+            <a:r>
+              <a:rPr lang="en-US" dirty="0">
+                <a:solidFill>
+                  <a:srgbClr val="9CDCFE"/>
+                </a:solidFill>
+                <a:latin typeface="Consolas" panose="020B0609020204030204" pitchFamily="49" charset="0"/>
+              </a:rPr>
+              <a:t>"</a:t>
+            </a:r>
+            <a:r>
+              <a:rPr lang="en-US" dirty="0">
+                <a:solidFill>
+                  <a:srgbClr val="D4D4D4"/>
+                </a:solidFill>
+                <a:latin typeface="Consolas" panose="020B0609020204030204" pitchFamily="49" charset="0"/>
+              </a:rPr>
+              <a:t>: </a:t>
+            </a:r>
+            <a:r>
+              <a:rPr lang="en-US" dirty="0">
+                <a:solidFill>
+                  <a:srgbClr val="CE9178"/>
+                </a:solidFill>
+                <a:latin typeface="Consolas" panose="020B0609020204030204" pitchFamily="49" charset="0"/>
+              </a:rPr>
+              <a:t>"http://localhost:5000/swagger"</a:t>
+            </a:r>
+            <a:endParaRPr lang="en-US" dirty="0">
+              <a:solidFill>
+                <a:srgbClr val="D4D4D4"/>
+              </a:solidFill>
+              <a:latin typeface="Consolas" panose="020B0609020204030204" pitchFamily="49" charset="0"/>
+            </a:endParaRPr>
+          </a:p>
+          <a:p>
+            <a:r>
+              <a:rPr lang="en-US" dirty="0">
+                <a:solidFill>
+                  <a:srgbClr val="D4D4D4"/>
+                </a:solidFill>
+                <a:latin typeface="Consolas" panose="020B0609020204030204" pitchFamily="49" charset="0"/>
+              </a:rPr>
+              <a:t>},</a:t>
             </a:r>
           </a:p>
         </p:txBody>
@@ -30351,16 +31411,13 @@
     </p:spTree>
     <p:extLst>
       <p:ext uri="{BB962C8B-B14F-4D97-AF65-F5344CB8AC3E}">
-        <p14:creationId xmlns:p14="http://schemas.microsoft.com/office/powerpoint/2010/main" val="1095526622"/>
+        <p14:creationId xmlns:p14="http://schemas.microsoft.com/office/powerpoint/2010/main" val="3949112778"/>
       </p:ext>
     </p:extLst>
   </p:cSld>
   <p:clrMapOvr>
     <a:masterClrMapping/>
   </p:clrMapOvr>
-  <p:transition>
-    <p:wipe/>
-  </p:transition>
 </p:sld>
 </file>
 
@@ -30839,6 +31896,727 @@
         </p:txBody>
       </p:sp>
     </p:spTree>
+  </p:cSld>
+  <p:clrMapOvr>
+    <a:masterClrMapping/>
+  </p:clrMapOvr>
+  <p:transition>
+    <p:wipe/>
+  </p:transition>
+</p:sld>
+</file>
+
+<file path=ppt/slides/slide40.xml><?xml version="1.0" encoding="utf-8"?>
+<p:sld xmlns:a="http://schemas.openxmlformats.org/drawingml/2006/main" xmlns:r="http://schemas.openxmlformats.org/officeDocument/2006/relationships" xmlns:p="http://schemas.openxmlformats.org/presentationml/2006/main">
+  <p:cSld>
+    <p:spTree>
+      <p:nvGrpSpPr>
+        <p:cNvPr id="1" name=""/>
+        <p:cNvGrpSpPr/>
+        <p:nvPr/>
+      </p:nvGrpSpPr>
+      <p:grpSpPr>
+        <a:xfrm>
+          <a:off x="0" y="0"/>
+          <a:ext cx="0" cy="0"/>
+          <a:chOff x="0" y="0"/>
+          <a:chExt cx="0" cy="0"/>
+        </a:xfrm>
+      </p:grpSpPr>
+      <p:sp>
+        <p:nvSpPr>
+          <p:cNvPr id="2" name="Title 1">
+            <a:extLst>
+              <a:ext uri="{FF2B5EF4-FFF2-40B4-BE49-F238E27FC236}">
+                <a16:creationId xmlns:a16="http://schemas.microsoft.com/office/drawing/2014/main" id="{799406FA-D6F7-46C2-B51C-BDC1127168F6}"/>
+              </a:ext>
+            </a:extLst>
+          </p:cNvPr>
+          <p:cNvSpPr>
+            <a:spLocks noGrp="1"/>
+          </p:cNvSpPr>
+          <p:nvPr>
+            <p:ph type="title"/>
+          </p:nvPr>
+        </p:nvSpPr>
+        <p:spPr/>
+        <p:txBody>
+          <a:bodyPr/>
+          <a:lstStyle/>
+          <a:p>
+            <a:r>
+              <a:rPr lang="en-US" dirty="0"/>
+              <a:t>Our work is not finished!</a:t>
+            </a:r>
+          </a:p>
+        </p:txBody>
+      </p:sp>
+      <p:sp>
+        <p:nvSpPr>
+          <p:cNvPr id="3" name="Content Placeholder 2">
+            <a:extLst>
+              <a:ext uri="{FF2B5EF4-FFF2-40B4-BE49-F238E27FC236}">
+                <a16:creationId xmlns:a16="http://schemas.microsoft.com/office/drawing/2014/main" id="{B03A1949-8738-4E10-8EC7-F13743369AEC}"/>
+              </a:ext>
+            </a:extLst>
+          </p:cNvPr>
+          <p:cNvSpPr>
+            <a:spLocks noGrp="1"/>
+          </p:cNvSpPr>
+          <p:nvPr>
+            <p:ph idx="1"/>
+          </p:nvPr>
+        </p:nvSpPr>
+        <p:spPr/>
+        <p:txBody>
+          <a:bodyPr/>
+          <a:lstStyle/>
+          <a:p>
+            <a:pPr marL="285750" indent="-285750">
+              <a:buFont typeface="Arial" panose="020B0604020202020204" pitchFamily="34" charset="0"/>
+              <a:buChar char="•"/>
+            </a:pPr>
+            <a:r>
+              <a:rPr lang="en-US" dirty="0"/>
+              <a:t>We need to annotate the possible responses our methods can produce, e.g.:</a:t>
+            </a:r>
+          </a:p>
+          <a:p>
+            <a:pPr marL="285750" indent="-285750">
+              <a:buFont typeface="Arial" panose="020B0604020202020204" pitchFamily="34" charset="0"/>
+              <a:buChar char="•"/>
+            </a:pPr>
+            <a:endParaRPr lang="en-US" dirty="0"/>
+          </a:p>
+          <a:p>
+            <a:pPr marL="285750" indent="-285750">
+              <a:buFont typeface="Arial" panose="020B0604020202020204" pitchFamily="34" charset="0"/>
+              <a:buChar char="•"/>
+            </a:pPr>
+            <a:endParaRPr lang="en-US" dirty="0"/>
+          </a:p>
+          <a:p>
+            <a:pPr marL="820738" lvl="2" indent="-285750"/>
+            <a:r>
+              <a:rPr lang="en-US" dirty="0"/>
+              <a:t>The </a:t>
+            </a:r>
+            <a:r>
+              <a:rPr lang="en-US" dirty="0" err="1"/>
+              <a:t>typeof</a:t>
+            </a:r>
+            <a:r>
+              <a:rPr lang="en-US" dirty="0"/>
+              <a:t>() function allows us to pass a class type as a Type parameter</a:t>
+            </a:r>
+          </a:p>
+          <a:p>
+            <a:pPr marL="820738" lvl="2" indent="-285750"/>
+            <a:r>
+              <a:rPr lang="en-US" dirty="0" err="1"/>
+              <a:t>StatusCodes</a:t>
+            </a:r>
+            <a:r>
+              <a:rPr lang="en-US" dirty="0"/>
+              <a:t> is a class in the namespace </a:t>
+            </a:r>
+            <a:r>
+              <a:rPr lang="en-US" dirty="0" err="1"/>
+              <a:t>Microsoft.AspNetCore.Http</a:t>
+            </a:r>
+            <a:endParaRPr lang="en-US" dirty="0"/>
+          </a:p>
+          <a:p>
+            <a:pPr marL="820738" lvl="2" indent="-285750"/>
+            <a:r>
+              <a:rPr lang="en-US" dirty="0"/>
+              <a:t>If our method can return more than one possible response, we add one attribute per type, e.g. Status200OK and Status404NotFound</a:t>
+            </a:r>
+          </a:p>
+          <a:p>
+            <a:pPr marL="285750" indent="-285750">
+              <a:buFont typeface="Arial" panose="020B0604020202020204" pitchFamily="34" charset="0"/>
+              <a:buChar char="•"/>
+            </a:pPr>
+            <a:r>
+              <a:rPr lang="en-US" dirty="0"/>
+              <a:t>All methods should be annotated correctly to produce an accurate Swagger document</a:t>
+            </a:r>
+          </a:p>
+          <a:p>
+            <a:pPr marL="285750" indent="-285750">
+              <a:buFont typeface="Arial" panose="020B0604020202020204" pitchFamily="34" charset="0"/>
+              <a:buChar char="•"/>
+            </a:pPr>
+            <a:r>
+              <a:rPr lang="en-US" dirty="0"/>
+              <a:t>Note that all models used are now also shown in the Schemas section of Swagger UI</a:t>
+            </a:r>
+          </a:p>
+        </p:txBody>
+      </p:sp>
+      <p:sp>
+        <p:nvSpPr>
+          <p:cNvPr id="4" name="TextBox 3">
+            <a:extLst>
+              <a:ext uri="{FF2B5EF4-FFF2-40B4-BE49-F238E27FC236}">
+                <a16:creationId xmlns:a16="http://schemas.microsoft.com/office/drawing/2014/main" id="{5A707C92-7811-4D29-A791-F284F214D0AC}"/>
+              </a:ext>
+            </a:extLst>
+          </p:cNvPr>
+          <p:cNvSpPr txBox="1"/>
+          <p:nvPr/>
+        </p:nvSpPr>
+        <p:spPr>
+          <a:xfrm>
+            <a:off x="546881" y="1571353"/>
+            <a:ext cx="8050237" cy="646331"/>
+          </a:xfrm>
+          <a:prstGeom prst="rect">
+            <a:avLst/>
+          </a:prstGeom>
+          <a:solidFill>
+            <a:srgbClr val="000000"/>
+          </a:solidFill>
+          <a:ln>
+            <a:solidFill>
+              <a:schemeClr val="accent2"/>
+            </a:solidFill>
+          </a:ln>
+        </p:spPr>
+        <p:txBody>
+          <a:bodyPr wrap="square" rtlCol="0">
+            <a:spAutoFit/>
+          </a:bodyPr>
+          <a:lstStyle/>
+          <a:p>
+            <a:r>
+              <a:rPr lang="en-US" dirty="0">
+                <a:solidFill>
+                  <a:srgbClr val="D4D4D4"/>
+                </a:solidFill>
+                <a:latin typeface="Consolas" panose="020B0609020204030204" pitchFamily="49" charset="0"/>
+              </a:rPr>
+              <a:t>[</a:t>
+            </a:r>
+            <a:r>
+              <a:rPr lang="en-US" dirty="0" err="1">
+                <a:solidFill>
+                  <a:srgbClr val="4EC9B0"/>
+                </a:solidFill>
+                <a:latin typeface="Consolas" panose="020B0609020204030204" pitchFamily="49" charset="0"/>
+              </a:rPr>
+              <a:t>ProducesResponseType</a:t>
+            </a:r>
+            <a:r>
+              <a:rPr lang="en-US" dirty="0">
+                <a:solidFill>
+                  <a:srgbClr val="D4D4D4"/>
+                </a:solidFill>
+                <a:latin typeface="Consolas" panose="020B0609020204030204" pitchFamily="49" charset="0"/>
+              </a:rPr>
+              <a:t>(</a:t>
+            </a:r>
+            <a:r>
+              <a:rPr lang="en-US" dirty="0" err="1">
+                <a:solidFill>
+                  <a:srgbClr val="569CD6"/>
+                </a:solidFill>
+                <a:latin typeface="Consolas" panose="020B0609020204030204" pitchFamily="49" charset="0"/>
+              </a:rPr>
+              <a:t>typeof</a:t>
+            </a:r>
+            <a:r>
+              <a:rPr lang="en-US" dirty="0">
+                <a:solidFill>
+                  <a:srgbClr val="D4D4D4"/>
+                </a:solidFill>
+                <a:latin typeface="Consolas" panose="020B0609020204030204" pitchFamily="49" charset="0"/>
+              </a:rPr>
+              <a:t>(</a:t>
+            </a:r>
+            <a:r>
+              <a:rPr lang="en-US" dirty="0">
+                <a:solidFill>
+                  <a:srgbClr val="569CD6"/>
+                </a:solidFill>
+                <a:latin typeface="Consolas" panose="020B0609020204030204" pitchFamily="49" charset="0"/>
+              </a:rPr>
+              <a:t>string</a:t>
+            </a:r>
+            <a:r>
+              <a:rPr lang="en-US" dirty="0">
+                <a:solidFill>
+                  <a:srgbClr val="D4D4D4"/>
+                </a:solidFill>
+                <a:latin typeface="Consolas" panose="020B0609020204030204" pitchFamily="49" charset="0"/>
+              </a:rPr>
+              <a:t>[]), </a:t>
+            </a:r>
+          </a:p>
+          <a:p>
+            <a:r>
+              <a:rPr lang="en-US" dirty="0">
+                <a:solidFill>
+                  <a:srgbClr val="D4D4D4"/>
+                </a:solidFill>
+                <a:latin typeface="Consolas" panose="020B0609020204030204" pitchFamily="49" charset="0"/>
+              </a:rPr>
+              <a:t>    </a:t>
+            </a:r>
+            <a:r>
+              <a:rPr lang="en-US" dirty="0">
+                <a:solidFill>
+                  <a:srgbClr val="9CDCFE"/>
+                </a:solidFill>
+                <a:latin typeface="Consolas" panose="020B0609020204030204" pitchFamily="49" charset="0"/>
+              </a:rPr>
+              <a:t>StatusCodes</a:t>
+            </a:r>
+            <a:r>
+              <a:rPr lang="en-US" dirty="0">
+                <a:solidFill>
+                  <a:srgbClr val="D4D4D4"/>
+                </a:solidFill>
+                <a:latin typeface="Consolas" panose="020B0609020204030204" pitchFamily="49" charset="0"/>
+              </a:rPr>
+              <a:t>.</a:t>
+            </a:r>
+            <a:r>
+              <a:rPr lang="en-US" dirty="0">
+                <a:solidFill>
+                  <a:srgbClr val="9CDCFE"/>
+                </a:solidFill>
+                <a:latin typeface="Consolas" panose="020B0609020204030204" pitchFamily="49" charset="0"/>
+              </a:rPr>
+              <a:t>Status200OK</a:t>
+            </a:r>
+            <a:r>
+              <a:rPr lang="en-US" dirty="0">
+                <a:solidFill>
+                  <a:srgbClr val="D4D4D4"/>
+                </a:solidFill>
+                <a:latin typeface="Consolas" panose="020B0609020204030204" pitchFamily="49" charset="0"/>
+              </a:rPr>
+              <a:t>)]</a:t>
+            </a:r>
+          </a:p>
+        </p:txBody>
+      </p:sp>
+    </p:spTree>
+    <p:extLst>
+      <p:ext uri="{BB962C8B-B14F-4D97-AF65-F5344CB8AC3E}">
+        <p14:creationId xmlns:p14="http://schemas.microsoft.com/office/powerpoint/2010/main" val="2803938398"/>
+      </p:ext>
+    </p:extLst>
+  </p:cSld>
+  <p:clrMapOvr>
+    <a:masterClrMapping/>
+  </p:clrMapOvr>
+</p:sld>
+</file>
+
+<file path=ppt/slides/slide41.xml><?xml version="1.0" encoding="utf-8"?>
+<p:sld xmlns:a="http://schemas.openxmlformats.org/drawingml/2006/main" xmlns:r="http://schemas.openxmlformats.org/officeDocument/2006/relationships" xmlns:p="http://schemas.openxmlformats.org/presentationml/2006/main">
+  <p:cSld>
+    <p:spTree>
+      <p:nvGrpSpPr>
+        <p:cNvPr id="1" name=""/>
+        <p:cNvGrpSpPr/>
+        <p:nvPr/>
+      </p:nvGrpSpPr>
+      <p:grpSpPr>
+        <a:xfrm>
+          <a:off x="0" y="0"/>
+          <a:ext cx="0" cy="0"/>
+          <a:chOff x="0" y="0"/>
+          <a:chExt cx="0" cy="0"/>
+        </a:xfrm>
+      </p:grpSpPr>
+      <p:sp>
+        <p:nvSpPr>
+          <p:cNvPr id="2" name="Title 1">
+            <a:extLst>
+              <a:ext uri="{FF2B5EF4-FFF2-40B4-BE49-F238E27FC236}">
+                <a16:creationId xmlns:a16="http://schemas.microsoft.com/office/drawing/2014/main" id="{0D176906-4D00-4A17-9CD8-94248505DCE1}"/>
+              </a:ext>
+            </a:extLst>
+          </p:cNvPr>
+          <p:cNvSpPr>
+            <a:spLocks noGrp="1"/>
+          </p:cNvSpPr>
+          <p:nvPr>
+            <p:ph type="title"/>
+          </p:nvPr>
+        </p:nvSpPr>
+        <p:spPr/>
+        <p:txBody>
+          <a:bodyPr/>
+          <a:lstStyle/>
+          <a:p>
+            <a:r>
+              <a:rPr lang="en-US" dirty="0"/>
+              <a:t>Other annotations</a:t>
+            </a:r>
+          </a:p>
+        </p:txBody>
+      </p:sp>
+      <p:sp>
+        <p:nvSpPr>
+          <p:cNvPr id="3" name="Content Placeholder 2">
+            <a:extLst>
+              <a:ext uri="{FF2B5EF4-FFF2-40B4-BE49-F238E27FC236}">
+                <a16:creationId xmlns:a16="http://schemas.microsoft.com/office/drawing/2014/main" id="{E8089628-EBEB-4B88-8324-E193C60A0BF3}"/>
+              </a:ext>
+            </a:extLst>
+          </p:cNvPr>
+          <p:cNvSpPr>
+            <a:spLocks noGrp="1"/>
+          </p:cNvSpPr>
+          <p:nvPr>
+            <p:ph idx="1"/>
+          </p:nvPr>
+        </p:nvSpPr>
+        <p:spPr/>
+        <p:txBody>
+          <a:bodyPr/>
+          <a:lstStyle/>
+          <a:p>
+            <a:pPr marL="285750" indent="-285750">
+              <a:buFont typeface="Arial" panose="020B0604020202020204" pitchFamily="34" charset="0"/>
+              <a:buChar char="•"/>
+            </a:pPr>
+            <a:r>
+              <a:rPr lang="en-US" dirty="0"/>
+              <a:t>A lot of other annotations can be done to enhance the experience of the end-user of the documentation</a:t>
+            </a:r>
+          </a:p>
+          <a:p>
+            <a:pPr marL="554038" lvl="1" indent="-285750"/>
+            <a:r>
+              <a:rPr lang="en-US" dirty="0"/>
+              <a:t>Tags can be added to sort calls (by controller is the default)</a:t>
+            </a:r>
+          </a:p>
+          <a:p>
+            <a:pPr marL="554038" lvl="1" indent="-285750"/>
+            <a:r>
+              <a:rPr lang="en-US" dirty="0"/>
+              <a:t>Security requirements, e.g. scopes</a:t>
+            </a:r>
+          </a:p>
+          <a:p>
+            <a:pPr marL="554038" lvl="1" indent="-285750"/>
+            <a:r>
+              <a:rPr lang="en-US" dirty="0"/>
+              <a:t>Descriptions on parameters</a:t>
+            </a:r>
+          </a:p>
+          <a:p>
+            <a:pPr marL="554038" lvl="1" indent="-285750"/>
+            <a:r>
+              <a:rPr lang="en-US" dirty="0"/>
+              <a:t>Descriptions on the model</a:t>
+            </a:r>
+          </a:p>
+          <a:p>
+            <a:pPr marL="554038" lvl="1" indent="-285750"/>
+            <a:r>
+              <a:rPr lang="en-US" dirty="0"/>
+              <a:t>Include existing XML documentation in the Swagger document</a:t>
+            </a:r>
+          </a:p>
+          <a:p>
+            <a:pPr marL="554038" lvl="1" indent="-285750"/>
+            <a:r>
+              <a:rPr lang="en-US" dirty="0"/>
+              <a:t>…</a:t>
+            </a:r>
+          </a:p>
+          <a:p>
+            <a:pPr marL="285750" indent="-285750">
+              <a:buFont typeface="Arial" panose="020B0604020202020204" pitchFamily="34" charset="0"/>
+              <a:buChar char="•"/>
+            </a:pPr>
+            <a:r>
+              <a:rPr lang="en-US" dirty="0"/>
+              <a:t>The necessary attributes live in the </a:t>
+            </a:r>
+            <a:r>
+              <a:rPr lang="en-US" dirty="0" err="1"/>
+              <a:t>Swashbuckle.AspNetCore.Annotations</a:t>
+            </a:r>
+            <a:r>
+              <a:rPr lang="en-US" dirty="0"/>
+              <a:t> </a:t>
+            </a:r>
+            <a:r>
+              <a:rPr lang="en-US" dirty="0" err="1"/>
+              <a:t>Nuget</a:t>
+            </a:r>
+            <a:r>
+              <a:rPr lang="en-US" dirty="0"/>
+              <a:t>-package</a:t>
+            </a:r>
+          </a:p>
+          <a:p>
+            <a:pPr marL="285750" indent="-285750"/>
+            <a:endParaRPr lang="en-US" dirty="0"/>
+          </a:p>
+          <a:p>
+            <a:pPr marL="554038" lvl="1" indent="-285750"/>
+            <a:endParaRPr lang="en-US" dirty="0"/>
+          </a:p>
+          <a:p>
+            <a:pPr marL="285750" indent="-285750">
+              <a:buFont typeface="Arial" panose="020B0604020202020204" pitchFamily="34" charset="0"/>
+              <a:buChar char="•"/>
+            </a:pPr>
+            <a:endParaRPr lang="en-US" dirty="0"/>
+          </a:p>
+        </p:txBody>
+      </p:sp>
+    </p:spTree>
+    <p:extLst>
+      <p:ext uri="{BB962C8B-B14F-4D97-AF65-F5344CB8AC3E}">
+        <p14:creationId xmlns:p14="http://schemas.microsoft.com/office/powerpoint/2010/main" val="2845490100"/>
+      </p:ext>
+    </p:extLst>
+  </p:cSld>
+  <p:clrMapOvr>
+    <a:masterClrMapping/>
+  </p:clrMapOvr>
+</p:sld>
+</file>
+
+<file path=ppt/slides/slide42.xml><?xml version="1.0" encoding="utf-8"?>
+<p:sld xmlns:a="http://schemas.openxmlformats.org/drawingml/2006/main" xmlns:r="http://schemas.openxmlformats.org/officeDocument/2006/relationships" xmlns:p="http://schemas.openxmlformats.org/presentationml/2006/main">
+  <p:cSld>
+    <p:spTree>
+      <p:nvGrpSpPr>
+        <p:cNvPr id="1" name=""/>
+        <p:cNvGrpSpPr/>
+        <p:nvPr/>
+      </p:nvGrpSpPr>
+      <p:grpSpPr>
+        <a:xfrm>
+          <a:off x="0" y="0"/>
+          <a:ext cx="0" cy="0"/>
+          <a:chOff x="0" y="0"/>
+          <a:chExt cx="0" cy="0"/>
+        </a:xfrm>
+      </p:grpSpPr>
+      <p:sp>
+        <p:nvSpPr>
+          <p:cNvPr id="4" name="Text Placeholder 3">
+            <a:extLst>
+              <a:ext uri="{FF2B5EF4-FFF2-40B4-BE49-F238E27FC236}">
+                <a16:creationId xmlns:a16="http://schemas.microsoft.com/office/drawing/2014/main" id="{5BDCFDD3-F714-493A-B8E8-A578F6C567B0}"/>
+              </a:ext>
+            </a:extLst>
+          </p:cNvPr>
+          <p:cNvSpPr>
+            <a:spLocks noGrp="1"/>
+          </p:cNvSpPr>
+          <p:nvPr>
+            <p:ph type="body" sz="quarter" idx="10"/>
+          </p:nvPr>
+        </p:nvSpPr>
+        <p:spPr/>
+        <p:txBody>
+          <a:bodyPr/>
+          <a:lstStyle/>
+          <a:p>
+            <a:endParaRPr lang="en-US"/>
+          </a:p>
+        </p:txBody>
+      </p:sp>
+      <p:sp>
+        <p:nvSpPr>
+          <p:cNvPr id="5" name="Text Placeholder 4">
+            <a:extLst>
+              <a:ext uri="{FF2B5EF4-FFF2-40B4-BE49-F238E27FC236}">
+                <a16:creationId xmlns:a16="http://schemas.microsoft.com/office/drawing/2014/main" id="{03E7C81D-118C-40A4-8765-3BC3CAF2C92A}"/>
+              </a:ext>
+            </a:extLst>
+          </p:cNvPr>
+          <p:cNvSpPr>
+            <a:spLocks noGrp="1"/>
+          </p:cNvSpPr>
+          <p:nvPr>
+            <p:ph type="body" sz="quarter" idx="11"/>
+          </p:nvPr>
+        </p:nvSpPr>
+        <p:spPr/>
+        <p:txBody>
+          <a:bodyPr/>
+          <a:lstStyle/>
+          <a:p>
+            <a:endParaRPr lang="en-US"/>
+          </a:p>
+        </p:txBody>
+      </p:sp>
+      <p:sp>
+        <p:nvSpPr>
+          <p:cNvPr id="6" name="Text Placeholder 5">
+            <a:extLst>
+              <a:ext uri="{FF2B5EF4-FFF2-40B4-BE49-F238E27FC236}">
+                <a16:creationId xmlns:a16="http://schemas.microsoft.com/office/drawing/2014/main" id="{4894C565-AB7B-4B2A-BF92-9D776DF86C04}"/>
+              </a:ext>
+            </a:extLst>
+          </p:cNvPr>
+          <p:cNvSpPr>
+            <a:spLocks noGrp="1"/>
+          </p:cNvSpPr>
+          <p:nvPr>
+            <p:ph type="body" sz="quarter" idx="13"/>
+          </p:nvPr>
+        </p:nvSpPr>
+        <p:spPr/>
+        <p:txBody>
+          <a:bodyPr/>
+          <a:lstStyle/>
+          <a:p>
+            <a:r>
+              <a:rPr lang="en-US" dirty="0"/>
+              <a:t>Step 9</a:t>
+            </a:r>
+          </a:p>
+        </p:txBody>
+      </p:sp>
+      <p:sp>
+        <p:nvSpPr>
+          <p:cNvPr id="8" name="Content Placeholder 7">
+            <a:extLst>
+              <a:ext uri="{FF2B5EF4-FFF2-40B4-BE49-F238E27FC236}">
+                <a16:creationId xmlns:a16="http://schemas.microsoft.com/office/drawing/2014/main" id="{DFA968F7-2F1B-409D-887F-9DA4189D4B02}"/>
+              </a:ext>
+            </a:extLst>
+          </p:cNvPr>
+          <p:cNvSpPr>
+            <a:spLocks noGrp="1"/>
+          </p:cNvSpPr>
+          <p:nvPr>
+            <p:ph sz="quarter" idx="15"/>
+          </p:nvPr>
+        </p:nvSpPr>
+        <p:spPr/>
+        <p:txBody>
+          <a:bodyPr/>
+          <a:lstStyle/>
+          <a:p>
+            <a:r>
+              <a:rPr lang="en-US" dirty="0"/>
+              <a:t>Complete the CRUD methods</a:t>
+            </a:r>
+          </a:p>
+        </p:txBody>
+      </p:sp>
+      <p:pic>
+        <p:nvPicPr>
+          <p:cNvPr id="9" name="Picture Placeholder 2" descr="A picture containing clipart, text&#10;&#10;Description automatically generated">
+            <a:extLst>
+              <a:ext uri="{FF2B5EF4-FFF2-40B4-BE49-F238E27FC236}">
+                <a16:creationId xmlns:a16="http://schemas.microsoft.com/office/drawing/2014/main" id="{60D356AA-2942-4243-9396-05F452661FB5}"/>
+              </a:ext>
+            </a:extLst>
+          </p:cNvPr>
+          <p:cNvPicPr>
+            <a:picLocks noGrp="1" noChangeAspect="1"/>
+          </p:cNvPicPr>
+          <p:nvPr>
+            <p:ph type="pic" sz="quarter" idx="14"/>
+          </p:nvPr>
+        </p:nvPicPr>
+        <p:blipFill>
+          <a:blip r:embed="rId2" cstate="email">
+            <a:extLst>
+              <a:ext uri="{28A0092B-C50C-407E-A947-70E740481C1C}">
+                <a14:useLocalDpi xmlns:a14="http://schemas.microsoft.com/office/drawing/2010/main" val="0"/>
+              </a:ext>
+            </a:extLst>
+          </a:blip>
+          <a:srcRect l="2869" r="2869"/>
+          <a:stretch>
+            <a:fillRect/>
+          </a:stretch>
+        </p:blipFill>
+        <p:spPr>
+          <a:xfrm>
+            <a:off x="220663" y="131763"/>
+            <a:ext cx="547687" cy="590550"/>
+          </a:xfrm>
+        </p:spPr>
+      </p:pic>
+    </p:spTree>
+    <p:extLst>
+      <p:ext uri="{BB962C8B-B14F-4D97-AF65-F5344CB8AC3E}">
+        <p14:creationId xmlns:p14="http://schemas.microsoft.com/office/powerpoint/2010/main" val="3725033069"/>
+      </p:ext>
+    </p:extLst>
+  </p:cSld>
+  <p:clrMapOvr>
+    <a:masterClrMapping/>
+  </p:clrMapOvr>
+</p:sld>
+</file>
+
+<file path=ppt/slides/slide43.xml><?xml version="1.0" encoding="utf-8"?>
+<p:sld xmlns:a="http://schemas.openxmlformats.org/drawingml/2006/main" xmlns:r="http://schemas.openxmlformats.org/officeDocument/2006/relationships" xmlns:p="http://schemas.openxmlformats.org/presentationml/2006/main">
+  <p:cSld>
+    <p:spTree>
+      <p:nvGrpSpPr>
+        <p:cNvPr id="1" name=""/>
+        <p:cNvGrpSpPr/>
+        <p:nvPr/>
+      </p:nvGrpSpPr>
+      <p:grpSpPr>
+        <a:xfrm>
+          <a:off x="0" y="0"/>
+          <a:ext cx="0" cy="0"/>
+          <a:chOff x="0" y="0"/>
+          <a:chExt cx="0" cy="0"/>
+        </a:xfrm>
+      </p:grpSpPr>
+      <p:sp>
+        <p:nvSpPr>
+          <p:cNvPr id="5" name="Text Placeholder 4">
+            <a:extLst>
+              <a:ext uri="{FF2B5EF4-FFF2-40B4-BE49-F238E27FC236}">
+                <a16:creationId xmlns:a16="http://schemas.microsoft.com/office/drawing/2014/main" id="{F47E74F2-34C9-4557-B774-1753488CFF78}"/>
+              </a:ext>
+            </a:extLst>
+          </p:cNvPr>
+          <p:cNvSpPr>
+            <a:spLocks noGrp="1"/>
+          </p:cNvSpPr>
+          <p:nvPr>
+            <p:ph type="body" sz="quarter" idx="11"/>
+          </p:nvPr>
+        </p:nvSpPr>
+        <p:spPr>
+          <a:xfrm>
+            <a:off x="977156" y="2734240"/>
+            <a:ext cx="7662019" cy="1850149"/>
+          </a:xfrm>
+        </p:spPr>
+        <p:txBody>
+          <a:bodyPr/>
+          <a:lstStyle/>
+          <a:p>
+            <a:r>
+              <a:rPr lang="en-US" dirty="0"/>
+              <a:t>Now have fun exploring ASP.NET Core for yourself!</a:t>
+            </a:r>
+          </a:p>
+        </p:txBody>
+      </p:sp>
+    </p:spTree>
+    <p:extLst>
+      <p:ext uri="{BB962C8B-B14F-4D97-AF65-F5344CB8AC3E}">
+        <p14:creationId xmlns:p14="http://schemas.microsoft.com/office/powerpoint/2010/main" val="1095526622"/>
+      </p:ext>
+    </p:extLst>
   </p:cSld>
   <p:clrMapOvr>
     <a:masterClrMapping/>

--- a/Slides/Building an API.pptx
+++ b/Slides/Building an API.pptx
@@ -5,7 +5,7 @@
     <p:sldMasterId id="2147483980" r:id="rId4"/>
   </p:sldMasterIdLst>
   <p:notesMasterIdLst>
-    <p:notesMasterId r:id="rId67"/>
+    <p:notesMasterId r:id="rId77"/>
   </p:notesMasterIdLst>
   <p:sldIdLst>
     <p:sldId id="276" r:id="rId5"/>
@@ -69,7 +69,17 @@
     <p:sldId id="392" r:id="rId63"/>
     <p:sldId id="393" r:id="rId64"/>
     <p:sldId id="394" r:id="rId65"/>
-    <p:sldId id="335" r:id="rId66"/>
+    <p:sldId id="395" r:id="rId66"/>
+    <p:sldId id="396" r:id="rId67"/>
+    <p:sldId id="397" r:id="rId68"/>
+    <p:sldId id="398" r:id="rId69"/>
+    <p:sldId id="399" r:id="rId70"/>
+    <p:sldId id="400" r:id="rId71"/>
+    <p:sldId id="401" r:id="rId72"/>
+    <p:sldId id="402" r:id="rId73"/>
+    <p:sldId id="404" r:id="rId74"/>
+    <p:sldId id="403" r:id="rId75"/>
+    <p:sldId id="335" r:id="rId76"/>
   </p:sldIdLst>
   <p:sldSz cx="9144000" cy="5143500" type="screen16x9"/>
   <p:notesSz cx="6858000" cy="9144000"/>
@@ -264,6 +274,16 @@
             <p14:sldId id="392"/>
             <p14:sldId id="393"/>
             <p14:sldId id="394"/>
+            <p14:sldId id="395"/>
+            <p14:sldId id="396"/>
+            <p14:sldId id="397"/>
+            <p14:sldId id="398"/>
+            <p14:sldId id="399"/>
+            <p14:sldId id="400"/>
+            <p14:sldId id="401"/>
+            <p14:sldId id="402"/>
+            <p14:sldId id="404"/>
+            <p14:sldId id="403"/>
             <p14:sldId id="335"/>
           </p14:sldIdLst>
         </p14:section>
@@ -3378,6 +3398,91 @@
 </p:notes>
 </file>
 
+<file path=ppt/notesSlides/notesSlide5.xml><?xml version="1.0" encoding="utf-8"?>
+<p:notes xmlns:a="http://schemas.openxmlformats.org/drawingml/2006/main" xmlns:r="http://schemas.openxmlformats.org/officeDocument/2006/relationships" xmlns:p="http://schemas.openxmlformats.org/presentationml/2006/main">
+  <p:cSld>
+    <p:spTree>
+      <p:nvGrpSpPr>
+        <p:cNvPr id="1" name=""/>
+        <p:cNvGrpSpPr/>
+        <p:nvPr/>
+      </p:nvGrpSpPr>
+      <p:grpSpPr>
+        <a:xfrm>
+          <a:off x="0" y="0"/>
+          <a:ext cx="0" cy="0"/>
+          <a:chOff x="0" y="0"/>
+          <a:chExt cx="0" cy="0"/>
+        </a:xfrm>
+      </p:grpSpPr>
+      <p:sp>
+        <p:nvSpPr>
+          <p:cNvPr id="2" name="Slide Image Placeholder 1"/>
+          <p:cNvSpPr>
+            <a:spLocks noGrp="1" noRot="1" noChangeAspect="1"/>
+          </p:cNvSpPr>
+          <p:nvPr>
+            <p:ph type="sldImg"/>
+          </p:nvPr>
+        </p:nvSpPr>
+        <p:spPr/>
+      </p:sp>
+      <p:sp>
+        <p:nvSpPr>
+          <p:cNvPr id="3" name="Notes Placeholder 2"/>
+          <p:cNvSpPr>
+            <a:spLocks noGrp="1"/>
+          </p:cNvSpPr>
+          <p:nvPr>
+            <p:ph type="body" idx="1"/>
+          </p:nvPr>
+        </p:nvSpPr>
+        <p:spPr/>
+        <p:txBody>
+          <a:bodyPr/>
+          <a:lstStyle/>
+          <a:p>
+            <a:endParaRPr lang="en-US" dirty="0"/>
+          </a:p>
+        </p:txBody>
+      </p:sp>
+      <p:sp>
+        <p:nvSpPr>
+          <p:cNvPr id="4" name="Slide Number Placeholder 3"/>
+          <p:cNvSpPr>
+            <a:spLocks noGrp="1"/>
+          </p:cNvSpPr>
+          <p:nvPr>
+            <p:ph type="sldNum" sz="quarter" idx="5"/>
+          </p:nvPr>
+        </p:nvSpPr>
+        <p:spPr/>
+        <p:txBody>
+          <a:bodyPr/>
+          <a:lstStyle/>
+          <a:p>
+            <a:fld id="{AA759650-762C-9343-8990-0901C80FC791}" type="slidenum">
+              <a:rPr lang="en-US" smtClean="0"/>
+              <a:pPr/>
+              <a:t>71</a:t>
+            </a:fld>
+            <a:endParaRPr lang="en-US"/>
+          </a:p>
+        </p:txBody>
+      </p:sp>
+    </p:spTree>
+    <p:extLst>
+      <p:ext uri="{BB962C8B-B14F-4D97-AF65-F5344CB8AC3E}">
+        <p14:creationId xmlns:p14="http://schemas.microsoft.com/office/powerpoint/2010/main" val="3552228953"/>
+      </p:ext>
+    </p:extLst>
+  </p:cSld>
+  <p:clrMapOvr>
+    <a:masterClrMapping/>
+  </p:clrMapOvr>
+</p:notes>
+</file>
+
 <file path=ppt/slideLayouts/slideLayout1.xml><?xml version="1.0" encoding="utf-8"?>
 <p:sldLayout xmlns:a="http://schemas.openxmlformats.org/drawingml/2006/main" xmlns:r="http://schemas.openxmlformats.org/officeDocument/2006/relationships" xmlns:p="http://schemas.openxmlformats.org/presentationml/2006/main" showMasterSp="0" preserve="1" userDrawn="1">
   <p:cSld name="DD_cover_page.01">
@@ -17542,6 +17647,9 @@
   <p:clrMapOvr>
     <a:masterClrMapping/>
   </p:clrMapOvr>
+  <p:transition>
+    <p:wipe/>
+  </p:transition>
 </p:sld>
 </file>
 
@@ -17714,6 +17822,9 @@
   <p:clrMapOvr>
     <a:masterClrMapping/>
   </p:clrMapOvr>
+  <p:transition>
+    <p:wipe/>
+  </p:transition>
 </p:sld>
 </file>
 
@@ -18602,6 +18713,9 @@
   <p:clrMapOvr>
     <a:masterClrMapping/>
   </p:clrMapOvr>
+  <p:transition>
+    <p:wipe/>
+  </p:transition>
 </p:sld>
 </file>
 
@@ -19466,6 +19580,9 @@
   <p:clrMapOvr>
     <a:masterClrMapping/>
   </p:clrMapOvr>
+  <p:transition>
+    <p:wipe/>
+  </p:transition>
 </p:sld>
 </file>
 
@@ -19764,6 +19881,9 @@
   <p:clrMapOvr>
     <a:masterClrMapping/>
   </p:clrMapOvr>
+  <p:transition>
+    <p:wipe/>
+  </p:transition>
 </p:sld>
 </file>
 
@@ -19930,6 +20050,9 @@
   <p:clrMapOvr>
     <a:masterClrMapping/>
   </p:clrMapOvr>
+  <p:transition>
+    <p:wipe/>
+  </p:transition>
 </p:sld>
 </file>
 
@@ -20097,6 +20220,9 @@
   <p:clrMapOvr>
     <a:masterClrMapping/>
   </p:clrMapOvr>
+  <p:transition>
+    <p:wipe/>
+  </p:transition>
 </p:sld>
 </file>
 
@@ -20264,6 +20390,9 @@
   <p:clrMapOvr>
     <a:masterClrMapping/>
   </p:clrMapOvr>
+  <p:transition>
+    <p:wipe/>
+  </p:transition>
 </p:sld>
 </file>
 
@@ -20444,6 +20573,9 @@
   <p:clrMapOvr>
     <a:masterClrMapping/>
   </p:clrMapOvr>
+  <p:transition>
+    <p:wipe/>
+  </p:transition>
 </p:sld>
 </file>
 
@@ -20642,6 +20774,9 @@
   <p:clrMapOvr>
     <a:masterClrMapping/>
   </p:clrMapOvr>
+  <p:transition>
+    <p:wipe/>
+  </p:transition>
 </p:sld>
 </file>
 
@@ -20999,6 +21134,9 @@
   <p:clrMapOvr>
     <a:masterClrMapping/>
   </p:clrMapOvr>
+  <p:transition>
+    <p:wipe/>
+  </p:transition>
 </p:sld>
 </file>
 
@@ -21188,6 +21326,9 @@
   <p:clrMapOvr>
     <a:masterClrMapping/>
   </p:clrMapOvr>
+  <p:transition>
+    <p:wipe/>
+  </p:transition>
 </p:sld>
 </file>
 
@@ -21355,6 +21496,9 @@
   <p:clrMapOvr>
     <a:masterClrMapping/>
   </p:clrMapOvr>
+  <p:transition>
+    <p:wipe/>
+  </p:transition>
 </p:sld>
 </file>
 
@@ -21702,6 +21846,9 @@
   <p:clrMapOvr>
     <a:masterClrMapping/>
   </p:clrMapOvr>
+  <p:transition>
+    <p:wipe/>
+  </p:transition>
 </p:sld>
 </file>
 
@@ -22568,6 +22715,9 @@
   <p:clrMapOvr>
     <a:masterClrMapping/>
   </p:clrMapOvr>
+  <p:transition>
+    <p:wipe/>
+  </p:transition>
 </p:sld>
 </file>
 
@@ -22720,6 +22870,9 @@
   <p:clrMapOvr>
     <a:masterClrMapping/>
   </p:clrMapOvr>
+  <p:transition>
+    <p:wipe/>
+  </p:transition>
 </p:sld>
 </file>
 
@@ -22892,6 +23045,9 @@
   <p:clrMapOvr>
     <a:masterClrMapping/>
   </p:clrMapOvr>
+  <p:transition>
+    <p:wipe/>
+  </p:transition>
 </p:sld>
 </file>
 
@@ -23573,6 +23729,9 @@
   <p:clrMapOvr>
     <a:masterClrMapping/>
   </p:clrMapOvr>
+  <p:transition>
+    <p:wipe/>
+  </p:transition>
 </p:sld>
 </file>
 
@@ -24149,6 +24308,9 @@
   <p:clrMapOvr>
     <a:masterClrMapping/>
   </p:clrMapOvr>
+  <p:transition>
+    <p:wipe/>
+  </p:transition>
 </p:sld>
 </file>
 
@@ -24763,6 +24925,9 @@
   <p:clrMapOvr>
     <a:masterClrMapping/>
   </p:clrMapOvr>
+  <p:transition>
+    <p:wipe/>
+  </p:transition>
 </p:sld>
 </file>
 
@@ -26811,6 +26976,9 @@
   <p:clrMapOvr>
     <a:masterClrMapping/>
   </p:clrMapOvr>
+  <p:transition>
+    <p:wipe/>
+  </p:transition>
 </p:sld>
 </file>
 
@@ -27871,6 +28039,9 @@
   <p:clrMapOvr>
     <a:masterClrMapping/>
   </p:clrMapOvr>
+  <p:transition>
+    <p:wipe/>
+  </p:transition>
 </p:sld>
 </file>
 
@@ -28465,6 +28636,9 @@
   <p:clrMapOvr>
     <a:masterClrMapping/>
   </p:clrMapOvr>
+  <p:transition>
+    <p:wipe/>
+  </p:transition>
 </p:sld>
 </file>
 
@@ -29566,6 +29740,9 @@
   <p:clrMapOvr>
     <a:masterClrMapping/>
   </p:clrMapOvr>
+  <p:transition>
+    <p:wipe/>
+  </p:transition>
 </p:sld>
 </file>
 
@@ -30229,6 +30406,9 @@
   <p:clrMapOvr>
     <a:masterClrMapping/>
   </p:clrMapOvr>
+  <p:transition>
+    <p:wipe/>
+  </p:transition>
 </p:sld>
 </file>
 
@@ -30401,6 +30581,9 @@
   <p:clrMapOvr>
     <a:masterClrMapping/>
   </p:clrMapOvr>
+  <p:transition>
+    <p:wipe/>
+  </p:transition>
 </p:sld>
 </file>
 
@@ -31138,6 +31321,9 @@
   <p:clrMapOvr>
     <a:masterClrMapping/>
   </p:clrMapOvr>
+  <p:transition>
+    <p:wipe/>
+  </p:transition>
 </p:sld>
 </file>
 
@@ -31604,6 +31790,9 @@
   <p:clrMapOvr>
     <a:masterClrMapping/>
   </p:clrMapOvr>
+  <p:transition>
+    <p:wipe/>
+  </p:transition>
 </p:sld>
 </file>
 
@@ -32399,6 +32588,9 @@
   <p:clrMapOvr>
     <a:masterClrMapping/>
   </p:clrMapOvr>
+  <p:transition>
+    <p:wipe/>
+  </p:transition>
 </p:sld>
 </file>
 
@@ -32572,6 +32764,9 @@
   <p:clrMapOvr>
     <a:masterClrMapping/>
   </p:clrMapOvr>
+  <p:transition>
+    <p:wipe/>
+  </p:transition>
 </p:sld>
 </file>
 
@@ -32744,6 +32939,9 @@
   <p:clrMapOvr>
     <a:masterClrMapping/>
   </p:clrMapOvr>
+  <p:transition>
+    <p:wipe/>
+  </p:transition>
 </p:sld>
 </file>
 
@@ -33542,6 +33740,9 @@
   <p:clrMapOvr>
     <a:masterClrMapping/>
   </p:clrMapOvr>
+  <p:transition>
+    <p:wipe/>
+  </p:transition>
 </p:sld>
 </file>
 
@@ -33983,6 +34184,9 @@
   <p:clrMapOvr>
     <a:masterClrMapping/>
   </p:clrMapOvr>
+  <p:transition>
+    <p:wipe/>
+  </p:transition>
 </p:sld>
 </file>
 
@@ -34242,6 +34446,9 @@
   <p:clrMapOvr>
     <a:masterClrMapping/>
   </p:clrMapOvr>
+  <p:transition>
+    <p:wipe/>
+  </p:transition>
 </p:sld>
 </file>
 
@@ -34332,6 +34539,9 @@
   <p:clrMapOvr>
     <a:masterClrMapping/>
   </p:clrMapOvr>
+  <p:transition>
+    <p:wipe/>
+  </p:transition>
 </p:sld>
 </file>
 
@@ -34509,6 +34719,9 @@
   <p:clrMapOvr>
     <a:masterClrMapping/>
   </p:clrMapOvr>
+  <p:transition>
+    <p:wipe/>
+  </p:transition>
 </p:sld>
 </file>
 
@@ -34648,6 +34861,9 @@
   <p:clrMapOvr>
     <a:masterClrMapping/>
   </p:clrMapOvr>
+  <p:transition>
+    <p:wipe/>
+  </p:transition>
 </p:sld>
 </file>
 
@@ -35998,6 +36214,9 @@
   <p:clrMapOvr>
     <a:masterClrMapping/>
   </p:clrMapOvr>
+  <p:transition>
+    <p:wipe/>
+  </p:transition>
 </p:sld>
 </file>
 
@@ -36519,6 +36738,9 @@
   <p:clrMapOvr>
     <a:masterClrMapping/>
   </p:clrMapOvr>
+  <p:transition>
+    <p:wipe/>
+  </p:transition>
 </p:sld>
 </file>
 
@@ -37212,6 +37434,9 @@
   <p:clrMapOvr>
     <a:masterClrMapping/>
   </p:clrMapOvr>
+  <p:transition>
+    <p:wipe/>
+  </p:transition>
 </p:sld>
 </file>
 
@@ -38246,6 +38471,9 @@
   <p:clrMapOvr>
     <a:masterClrMapping/>
   </p:clrMapOvr>
+  <p:transition>
+    <p:wipe/>
+  </p:transition>
 </p:sld>
 </file>
 
@@ -38901,6 +39129,9 @@
   <p:clrMapOvr>
     <a:masterClrMapping/>
   </p:clrMapOvr>
+  <p:transition>
+    <p:wipe/>
+  </p:transition>
 </p:sld>
 </file>
 
@@ -39073,6 +39304,9 @@
   <p:clrMapOvr>
     <a:masterClrMapping/>
   </p:clrMapOvr>
+  <p:transition>
+    <p:wipe/>
+  </p:transition>
 </p:sld>
 </file>
 
@@ -39319,6 +39553,9 @@
   <p:clrMapOvr>
     <a:masterClrMapping/>
   </p:clrMapOvr>
+  <p:transition>
+    <p:wipe/>
+  </p:transition>
 </p:sld>
 </file>
 
@@ -40971,6 +41208,9 @@
   <p:clrMapOvr>
     <a:masterClrMapping/>
   </p:clrMapOvr>
+  <p:transition>
+    <p:wipe/>
+  </p:transition>
 </p:sld>
 </file>
 
@@ -41134,6 +41374,9 @@
   <p:clrMapOvr>
     <a:masterClrMapping/>
   </p:clrMapOvr>
+  <p:transition>
+    <p:wipe/>
+  </p:transition>
 </p:sld>
 </file>
 
@@ -42568,6 +42811,9 @@
   <p:clrMapOvr>
     <a:masterClrMapping/>
   </p:clrMapOvr>
+  <p:transition>
+    <p:wipe/>
+  </p:transition>
 </p:sld>
 </file>
 
@@ -43503,6 +43749,9 @@
   <p:clrMapOvr>
     <a:masterClrMapping/>
   </p:clrMapOvr>
+  <p:transition>
+    <p:wipe/>
+  </p:transition>
 </p:sld>
 </file>
 
@@ -44846,6 +45095,9 @@
   <p:clrMapOvr>
     <a:masterClrMapping/>
   </p:clrMapOvr>
+  <p:transition>
+    <p:wipe/>
+  </p:transition>
 </p:sld>
 </file>
 
@@ -45013,6 +45265,9 @@
   <p:clrMapOvr>
     <a:masterClrMapping/>
   </p:clrMapOvr>
+  <p:transition>
+    <p:wipe/>
+  </p:transition>
 </p:sld>
 </file>
 
@@ -45299,6 +45554,9 @@
   <p:clrMapOvr>
     <a:masterClrMapping/>
   </p:clrMapOvr>
+  <p:transition>
+    <p:wipe/>
+  </p:transition>
 </p:sld>
 </file>
 
@@ -45471,6 +45729,9 @@
   <p:clrMapOvr>
     <a:masterClrMapping/>
   </p:clrMapOvr>
+  <p:transition>
+    <p:wipe/>
+  </p:transition>
 </p:sld>
 </file>
 
@@ -45493,10 +45754,10 @@
       </p:grpSpPr>
       <p:sp>
         <p:nvSpPr>
-          <p:cNvPr id="5" name="Text Placeholder 4">
+          <p:cNvPr id="7" name="Title 6">
             <a:extLst>
               <a:ext uri="{FF2B5EF4-FFF2-40B4-BE49-F238E27FC236}">
-                <a16:creationId xmlns:a16="http://schemas.microsoft.com/office/drawing/2014/main" id="{F47E74F2-34C9-4557-B774-1753488CFF78}"/>
+                <a16:creationId xmlns:a16="http://schemas.microsoft.com/office/drawing/2014/main" id="{F1314225-F72F-47D5-AB2D-E8719F6AE88E}"/>
               </a:ext>
             </a:extLst>
           </p:cNvPr>
@@ -45504,22 +45765,506 @@
             <a:spLocks noGrp="1"/>
           </p:cNvSpPr>
           <p:nvPr>
-            <p:ph type="body" sz="quarter" idx="11"/>
+            <p:ph type="title"/>
           </p:nvPr>
+        </p:nvSpPr>
+        <p:spPr/>
+        <p:txBody>
+          <a:bodyPr/>
+          <a:lstStyle/>
+          <a:p>
+            <a:r>
+              <a:rPr lang="en-US" dirty="0"/>
+              <a:t>Adding JWT Bearer Token Authentication</a:t>
+            </a:r>
+          </a:p>
+        </p:txBody>
+      </p:sp>
+      <p:sp>
+        <p:nvSpPr>
+          <p:cNvPr id="8" name="Content Placeholder 7">
+            <a:extLst>
+              <a:ext uri="{FF2B5EF4-FFF2-40B4-BE49-F238E27FC236}">
+                <a16:creationId xmlns:a16="http://schemas.microsoft.com/office/drawing/2014/main" id="{F5CA5DC9-404A-497D-83B0-0B9E49F67EAB}"/>
+              </a:ext>
+            </a:extLst>
+          </p:cNvPr>
+          <p:cNvSpPr>
+            <a:spLocks noGrp="1"/>
+          </p:cNvSpPr>
+          <p:nvPr>
+            <p:ph idx="1"/>
+          </p:nvPr>
+        </p:nvSpPr>
+        <p:spPr/>
+        <p:txBody>
+          <a:bodyPr/>
+          <a:lstStyle/>
+          <a:p>
+            <a:pPr marL="285750" indent="-285750">
+              <a:buFont typeface="Arial" panose="020B0604020202020204" pitchFamily="34" charset="0"/>
+              <a:buChar char="•"/>
+            </a:pPr>
+            <a:r>
+              <a:rPr lang="en-US" dirty="0"/>
+              <a:t>Add the </a:t>
+            </a:r>
+            <a:r>
+              <a:rPr lang="en-US" dirty="0" err="1"/>
+              <a:t>Microsoft.AspNetCore.Authentication.JwtBearer</a:t>
+            </a:r>
+            <a:r>
+              <a:rPr lang="en-US" dirty="0"/>
+              <a:t> </a:t>
+            </a:r>
+            <a:r>
+              <a:rPr lang="en-US" dirty="0" err="1"/>
+              <a:t>Nuget</a:t>
+            </a:r>
+            <a:r>
+              <a:rPr lang="en-US" dirty="0"/>
+              <a:t> package</a:t>
+            </a:r>
+          </a:p>
+          <a:p>
+            <a:pPr marL="285750" indent="-285750">
+              <a:buFont typeface="Arial" panose="020B0604020202020204" pitchFamily="34" charset="0"/>
+              <a:buChar char="•"/>
+            </a:pPr>
+            <a:r>
+              <a:rPr lang="en-US" dirty="0"/>
+              <a:t>Add the authentication to dependency injection (Azure AD in this case)</a:t>
+            </a:r>
+          </a:p>
+          <a:p>
+            <a:pPr marL="285750" indent="-285750">
+              <a:buFont typeface="Arial" panose="020B0604020202020204" pitchFamily="34" charset="0"/>
+              <a:buChar char="•"/>
+            </a:pPr>
+            <a:endParaRPr lang="en-US" dirty="0"/>
+          </a:p>
+          <a:p>
+            <a:pPr marL="285750" indent="-285750">
+              <a:buFont typeface="Arial" panose="020B0604020202020204" pitchFamily="34" charset="0"/>
+              <a:buChar char="•"/>
+            </a:pPr>
+            <a:endParaRPr lang="en-US" dirty="0"/>
+          </a:p>
+          <a:p>
+            <a:pPr marL="285750" indent="-285750">
+              <a:buFont typeface="Arial" panose="020B0604020202020204" pitchFamily="34" charset="0"/>
+              <a:buChar char="•"/>
+            </a:pPr>
+            <a:endParaRPr lang="en-US" dirty="0"/>
+          </a:p>
+          <a:p>
+            <a:pPr marL="285750" indent="-285750">
+              <a:buFont typeface="Arial" panose="020B0604020202020204" pitchFamily="34" charset="0"/>
+              <a:buChar char="•"/>
+            </a:pPr>
+            <a:endParaRPr lang="en-US" dirty="0"/>
+          </a:p>
+          <a:p>
+            <a:pPr marL="285750" indent="-285750">
+              <a:buFont typeface="Arial" panose="020B0604020202020204" pitchFamily="34" charset="0"/>
+              <a:buChar char="•"/>
+            </a:pPr>
+            <a:r>
+              <a:rPr lang="en-US" dirty="0"/>
+              <a:t>Add the authentication middleware to the pipeline</a:t>
+            </a:r>
+          </a:p>
+          <a:p>
+            <a:endParaRPr lang="en-US" dirty="0"/>
+          </a:p>
+          <a:p>
+            <a:pPr marL="820738" lvl="2" indent="-285750"/>
+            <a:r>
+              <a:rPr lang="en-US" dirty="0"/>
+              <a:t>The order is very important here: add after Routing and before Endpoints</a:t>
+            </a:r>
+          </a:p>
+        </p:txBody>
+      </p:sp>
+      <p:sp>
+        <p:nvSpPr>
+          <p:cNvPr id="9" name="TextBox 8">
+            <a:extLst>
+              <a:ext uri="{FF2B5EF4-FFF2-40B4-BE49-F238E27FC236}">
+                <a16:creationId xmlns:a16="http://schemas.microsoft.com/office/drawing/2014/main" id="{01EF059B-EC5A-4501-95CB-059AAEA50402}"/>
+              </a:ext>
+            </a:extLst>
+          </p:cNvPr>
+          <p:cNvSpPr txBox="1"/>
+          <p:nvPr/>
         </p:nvSpPr>
         <p:spPr>
           <a:xfrm>
-            <a:off x="977156" y="2734240"/>
-            <a:ext cx="7662019" cy="1850149"/>
+            <a:off x="240909" y="1902655"/>
+            <a:ext cx="8662182" cy="1384995"/>
           </a:xfrm>
+          <a:prstGeom prst="rect">
+            <a:avLst/>
+          </a:prstGeom>
+          <a:solidFill>
+            <a:srgbClr val="000000"/>
+          </a:solidFill>
+          <a:ln>
+            <a:solidFill>
+              <a:schemeClr val="accent2"/>
+            </a:solidFill>
+          </a:ln>
         </p:spPr>
         <p:txBody>
-          <a:bodyPr/>
+          <a:bodyPr wrap="square" rtlCol="0">
+            <a:spAutoFit/>
+          </a:bodyPr>
           <a:lstStyle/>
           <a:p>
             <a:r>
-              <a:rPr lang="en-US" dirty="0"/>
-              <a:t>Now have fun exploring ASP.NET Core for yourself!</a:t>
+              <a:rPr lang="en-US" sz="1400" dirty="0" err="1">
+                <a:solidFill>
+                  <a:srgbClr val="9CDCFE"/>
+                </a:solidFill>
+                <a:latin typeface="Consolas" panose="020B0609020204030204" pitchFamily="49" charset="0"/>
+              </a:rPr>
+              <a:t>services</a:t>
+            </a:r>
+            <a:r>
+              <a:rPr lang="en-US" sz="1400" dirty="0" err="1">
+                <a:solidFill>
+                  <a:srgbClr val="D4D4D4"/>
+                </a:solidFill>
+                <a:latin typeface="Consolas" panose="020B0609020204030204" pitchFamily="49" charset="0"/>
+              </a:rPr>
+              <a:t>.</a:t>
+            </a:r>
+            <a:r>
+              <a:rPr lang="en-US" sz="1400" dirty="0" err="1">
+                <a:solidFill>
+                  <a:srgbClr val="DCDCAA"/>
+                </a:solidFill>
+                <a:latin typeface="Consolas" panose="020B0609020204030204" pitchFamily="49" charset="0"/>
+              </a:rPr>
+              <a:t>AddAuthentication</a:t>
+            </a:r>
+            <a:r>
+              <a:rPr lang="en-US" sz="1400" dirty="0">
+                <a:solidFill>
+                  <a:srgbClr val="D4D4D4"/>
+                </a:solidFill>
+                <a:latin typeface="Consolas" panose="020B0609020204030204" pitchFamily="49" charset="0"/>
+              </a:rPr>
+              <a:t>(</a:t>
+            </a:r>
+            <a:r>
+              <a:rPr lang="en-US" sz="1400" dirty="0" err="1">
+                <a:solidFill>
+                  <a:srgbClr val="9CDCFE"/>
+                </a:solidFill>
+                <a:latin typeface="Consolas" panose="020B0609020204030204" pitchFamily="49" charset="0"/>
+              </a:rPr>
+              <a:t>JwtBearerDefaults</a:t>
+            </a:r>
+            <a:r>
+              <a:rPr lang="en-US" sz="1400" dirty="0" err="1">
+                <a:solidFill>
+                  <a:srgbClr val="D4D4D4"/>
+                </a:solidFill>
+                <a:latin typeface="Consolas" panose="020B0609020204030204" pitchFamily="49" charset="0"/>
+              </a:rPr>
+              <a:t>.</a:t>
+            </a:r>
+            <a:r>
+              <a:rPr lang="en-US" sz="1400" dirty="0" err="1">
+                <a:solidFill>
+                  <a:srgbClr val="9CDCFE"/>
+                </a:solidFill>
+                <a:latin typeface="Consolas" panose="020B0609020204030204" pitchFamily="49" charset="0"/>
+              </a:rPr>
+              <a:t>AuthenticationScheme</a:t>
+            </a:r>
+            <a:r>
+              <a:rPr lang="en-US" sz="1400" dirty="0">
+                <a:solidFill>
+                  <a:srgbClr val="D4D4D4"/>
+                </a:solidFill>
+                <a:latin typeface="Consolas" panose="020B0609020204030204" pitchFamily="49" charset="0"/>
+              </a:rPr>
+              <a:t>).</a:t>
+            </a:r>
+            <a:r>
+              <a:rPr lang="en-US" sz="1400" dirty="0" err="1">
+                <a:solidFill>
+                  <a:srgbClr val="DCDCAA"/>
+                </a:solidFill>
+                <a:latin typeface="Consolas" panose="020B0609020204030204" pitchFamily="49" charset="0"/>
+              </a:rPr>
+              <a:t>AddJwtBearer</a:t>
+            </a:r>
+            <a:r>
+              <a:rPr lang="en-US" sz="1400" dirty="0">
+                <a:solidFill>
+                  <a:srgbClr val="D4D4D4"/>
+                </a:solidFill>
+                <a:latin typeface="Consolas" panose="020B0609020204030204" pitchFamily="49" charset="0"/>
+              </a:rPr>
+              <a:t>(</a:t>
+            </a:r>
+            <a:r>
+              <a:rPr lang="en-US" sz="1400" dirty="0">
+                <a:solidFill>
+                  <a:srgbClr val="9CDCFE"/>
+                </a:solidFill>
+                <a:latin typeface="Consolas" panose="020B0609020204030204" pitchFamily="49" charset="0"/>
+              </a:rPr>
+              <a:t>o</a:t>
+            </a:r>
+            <a:r>
+              <a:rPr lang="en-US" sz="1400" dirty="0">
+                <a:solidFill>
+                  <a:srgbClr val="D4D4D4"/>
+                </a:solidFill>
+                <a:latin typeface="Consolas" panose="020B0609020204030204" pitchFamily="49" charset="0"/>
+              </a:rPr>
+              <a:t> =&gt;</a:t>
+            </a:r>
+          </a:p>
+          <a:p>
+            <a:r>
+              <a:rPr lang="en-US" sz="1400" dirty="0">
+                <a:solidFill>
+                  <a:srgbClr val="D4D4D4"/>
+                </a:solidFill>
+                <a:latin typeface="Consolas" panose="020B0609020204030204" pitchFamily="49" charset="0"/>
+              </a:rPr>
+              <a:t>{</a:t>
+            </a:r>
+          </a:p>
+          <a:p>
+            <a:r>
+              <a:rPr lang="en-US" sz="1400" dirty="0">
+                <a:solidFill>
+                  <a:srgbClr val="9CDCFE"/>
+                </a:solidFill>
+                <a:latin typeface="Consolas" panose="020B0609020204030204" pitchFamily="49" charset="0"/>
+              </a:rPr>
+              <a:t>    </a:t>
+            </a:r>
+            <a:r>
+              <a:rPr lang="en-US" sz="1400" dirty="0" err="1">
+                <a:solidFill>
+                  <a:srgbClr val="9CDCFE"/>
+                </a:solidFill>
+                <a:latin typeface="Consolas" panose="020B0609020204030204" pitchFamily="49" charset="0"/>
+              </a:rPr>
+              <a:t>o</a:t>
+            </a:r>
+            <a:r>
+              <a:rPr lang="en-US" sz="1400" dirty="0" err="1">
+                <a:solidFill>
+                  <a:srgbClr val="D4D4D4"/>
+                </a:solidFill>
+                <a:latin typeface="Consolas" panose="020B0609020204030204" pitchFamily="49" charset="0"/>
+              </a:rPr>
+              <a:t>.</a:t>
+            </a:r>
+            <a:r>
+              <a:rPr lang="en-US" sz="1400" dirty="0" err="1">
+                <a:solidFill>
+                  <a:srgbClr val="9CDCFE"/>
+                </a:solidFill>
+                <a:latin typeface="Consolas" panose="020B0609020204030204" pitchFamily="49" charset="0"/>
+              </a:rPr>
+              <a:t>Authority</a:t>
+            </a:r>
+            <a:r>
+              <a:rPr lang="en-US" sz="1400" dirty="0">
+                <a:solidFill>
+                  <a:srgbClr val="D4D4D4"/>
+                </a:solidFill>
+                <a:latin typeface="Consolas" panose="020B0609020204030204" pitchFamily="49" charset="0"/>
+              </a:rPr>
+              <a:t> = </a:t>
+            </a:r>
+          </a:p>
+          <a:p>
+            <a:r>
+              <a:rPr lang="en-US" sz="1400" dirty="0">
+                <a:solidFill>
+                  <a:srgbClr val="D4D4D4"/>
+                </a:solidFill>
+                <a:latin typeface="Consolas" panose="020B0609020204030204" pitchFamily="49" charset="0"/>
+              </a:rPr>
+              <a:t>        </a:t>
+            </a:r>
+            <a:r>
+              <a:rPr lang="en-US" sz="1400" dirty="0">
+                <a:solidFill>
+                  <a:srgbClr val="CE9178"/>
+                </a:solidFill>
+                <a:latin typeface="Consolas" panose="020B0609020204030204" pitchFamily="49" charset="0"/>
+              </a:rPr>
+              <a:t>"https://login.microsoftonline.com/0b53d2c1-bc55-4ab3-a161-927d289257f2/v2.0"</a:t>
+            </a:r>
+            <a:r>
+              <a:rPr lang="en-US" sz="1400" dirty="0">
+                <a:solidFill>
+                  <a:srgbClr val="D4D4D4"/>
+                </a:solidFill>
+                <a:latin typeface="Consolas" panose="020B0609020204030204" pitchFamily="49" charset="0"/>
+              </a:rPr>
+              <a:t>;</a:t>
+            </a:r>
+          </a:p>
+          <a:p>
+            <a:r>
+              <a:rPr lang="en-US" sz="1400" dirty="0">
+                <a:solidFill>
+                  <a:srgbClr val="D4D4D4"/>
+                </a:solidFill>
+                <a:latin typeface="Consolas" panose="020B0609020204030204" pitchFamily="49" charset="0"/>
+              </a:rPr>
+              <a:t>    </a:t>
+            </a:r>
+            <a:r>
+              <a:rPr lang="en-US" sz="1400" dirty="0" err="1">
+                <a:solidFill>
+                  <a:srgbClr val="9CDCFE"/>
+                </a:solidFill>
+                <a:latin typeface="Consolas" panose="020B0609020204030204" pitchFamily="49" charset="0"/>
+              </a:rPr>
+              <a:t>o</a:t>
+            </a:r>
+            <a:r>
+              <a:rPr lang="en-US" sz="1400" dirty="0" err="1">
+                <a:solidFill>
+                  <a:srgbClr val="D4D4D4"/>
+                </a:solidFill>
+                <a:latin typeface="Consolas" panose="020B0609020204030204" pitchFamily="49" charset="0"/>
+              </a:rPr>
+              <a:t>.</a:t>
+            </a:r>
+            <a:r>
+              <a:rPr lang="en-US" sz="1400" dirty="0" err="1">
+                <a:solidFill>
+                  <a:srgbClr val="9CDCFE"/>
+                </a:solidFill>
+                <a:latin typeface="Consolas" panose="020B0609020204030204" pitchFamily="49" charset="0"/>
+              </a:rPr>
+              <a:t>Audience</a:t>
+            </a:r>
+            <a:r>
+              <a:rPr lang="en-US" sz="1400" dirty="0">
+                <a:solidFill>
+                  <a:srgbClr val="D4D4D4"/>
+                </a:solidFill>
+                <a:latin typeface="Consolas" panose="020B0609020204030204" pitchFamily="49" charset="0"/>
+              </a:rPr>
+              <a:t> = </a:t>
+            </a:r>
+            <a:r>
+              <a:rPr lang="en-US" sz="1400" dirty="0">
+                <a:solidFill>
+                  <a:srgbClr val="CE9178"/>
+                </a:solidFill>
+                <a:latin typeface="Consolas" panose="020B0609020204030204" pitchFamily="49" charset="0"/>
+              </a:rPr>
+              <a:t>"4be39034-c55a-4ab3-bd3a-38fa0664bb53"</a:t>
+            </a:r>
+            <a:r>
+              <a:rPr lang="en-US" sz="1400" dirty="0">
+                <a:solidFill>
+                  <a:srgbClr val="D4D4D4"/>
+                </a:solidFill>
+                <a:latin typeface="Consolas" panose="020B0609020204030204" pitchFamily="49" charset="0"/>
+              </a:rPr>
+              <a:t>;</a:t>
+            </a:r>
+          </a:p>
+          <a:p>
+            <a:r>
+              <a:rPr lang="en-US" sz="1400" dirty="0">
+                <a:solidFill>
+                  <a:srgbClr val="D4D4D4"/>
+                </a:solidFill>
+                <a:latin typeface="Consolas" panose="020B0609020204030204" pitchFamily="49" charset="0"/>
+              </a:rPr>
+              <a:t>});</a:t>
+            </a:r>
+          </a:p>
+        </p:txBody>
+      </p:sp>
+      <p:sp>
+        <p:nvSpPr>
+          <p:cNvPr id="10" name="TextBox 9">
+            <a:extLst>
+              <a:ext uri="{FF2B5EF4-FFF2-40B4-BE49-F238E27FC236}">
+                <a16:creationId xmlns:a16="http://schemas.microsoft.com/office/drawing/2014/main" id="{9FB0B785-3D49-46A7-A9EA-031D4F096C78}"/>
+              </a:ext>
+            </a:extLst>
+          </p:cNvPr>
+          <p:cNvSpPr txBox="1"/>
+          <p:nvPr/>
+        </p:nvSpPr>
+        <p:spPr>
+          <a:xfrm>
+            <a:off x="240907" y="3692767"/>
+            <a:ext cx="8662183" cy="307777"/>
+          </a:xfrm>
+          <a:prstGeom prst="rect">
+            <a:avLst/>
+          </a:prstGeom>
+          <a:solidFill>
+            <a:srgbClr val="000000"/>
+          </a:solidFill>
+          <a:ln>
+            <a:solidFill>
+              <a:schemeClr val="accent2"/>
+            </a:solidFill>
+          </a:ln>
+        </p:spPr>
+        <p:txBody>
+          <a:bodyPr wrap="square" rtlCol="0">
+            <a:spAutoFit/>
+          </a:bodyPr>
+          <a:lstStyle/>
+          <a:p>
+            <a:r>
+              <a:rPr lang="en-US" sz="1400" dirty="0" err="1">
+                <a:solidFill>
+                  <a:srgbClr val="9CDCFE"/>
+                </a:solidFill>
+                <a:latin typeface="Consolas" panose="020B0609020204030204" pitchFamily="49" charset="0"/>
+              </a:rPr>
+              <a:t>app</a:t>
+            </a:r>
+            <a:r>
+              <a:rPr lang="en-US" sz="1400" dirty="0" err="1">
+                <a:solidFill>
+                  <a:srgbClr val="D4D4D4"/>
+                </a:solidFill>
+                <a:latin typeface="Consolas" panose="020B0609020204030204" pitchFamily="49" charset="0"/>
+              </a:rPr>
+              <a:t>.</a:t>
+            </a:r>
+            <a:r>
+              <a:rPr lang="en-US" sz="1400" dirty="0" err="1">
+                <a:solidFill>
+                  <a:srgbClr val="DCDCAA"/>
+                </a:solidFill>
+                <a:latin typeface="Consolas" panose="020B0609020204030204" pitchFamily="49" charset="0"/>
+              </a:rPr>
+              <a:t>UseAuthentication</a:t>
+            </a:r>
+            <a:r>
+              <a:rPr lang="en-US" sz="1400" dirty="0">
+                <a:solidFill>
+                  <a:srgbClr val="D4D4D4"/>
+                </a:solidFill>
+                <a:latin typeface="Consolas" panose="020B0609020204030204" pitchFamily="49" charset="0"/>
+              </a:rPr>
+              <a:t>();</a:t>
             </a:r>
           </a:p>
         </p:txBody>
@@ -45527,7 +46272,4526 @@
     </p:spTree>
     <p:extLst>
       <p:ext uri="{BB962C8B-B14F-4D97-AF65-F5344CB8AC3E}">
-        <p14:creationId xmlns:p14="http://schemas.microsoft.com/office/powerpoint/2010/main" val="1095526622"/>
+        <p14:creationId xmlns:p14="http://schemas.microsoft.com/office/powerpoint/2010/main" val="3386359970"/>
+      </p:ext>
+    </p:extLst>
+  </p:cSld>
+  <p:clrMapOvr>
+    <a:masterClrMapping/>
+  </p:clrMapOvr>
+  <p:transition>
+    <p:wipe/>
+  </p:transition>
+</p:sld>
+</file>
+
+<file path=ppt/slides/slide63.xml><?xml version="1.0" encoding="utf-8"?>
+<p:sld xmlns:a="http://schemas.openxmlformats.org/drawingml/2006/main" xmlns:r="http://schemas.openxmlformats.org/officeDocument/2006/relationships" xmlns:p="http://schemas.openxmlformats.org/presentationml/2006/main">
+  <p:cSld>
+    <p:spTree>
+      <p:nvGrpSpPr>
+        <p:cNvPr id="1" name=""/>
+        <p:cNvGrpSpPr/>
+        <p:nvPr/>
+      </p:nvGrpSpPr>
+      <p:grpSpPr>
+        <a:xfrm>
+          <a:off x="0" y="0"/>
+          <a:ext cx="0" cy="0"/>
+          <a:chOff x="0" y="0"/>
+          <a:chExt cx="0" cy="0"/>
+        </a:xfrm>
+      </p:grpSpPr>
+      <p:sp>
+        <p:nvSpPr>
+          <p:cNvPr id="2" name="Title 1">
+            <a:extLst>
+              <a:ext uri="{FF2B5EF4-FFF2-40B4-BE49-F238E27FC236}">
+                <a16:creationId xmlns:a16="http://schemas.microsoft.com/office/drawing/2014/main" id="{6E5981B5-2FB8-4C29-ACC8-1BDF0215CEB7}"/>
+              </a:ext>
+            </a:extLst>
+          </p:cNvPr>
+          <p:cNvSpPr>
+            <a:spLocks noGrp="1"/>
+          </p:cNvSpPr>
+          <p:nvPr>
+            <p:ph type="title"/>
+          </p:nvPr>
+        </p:nvSpPr>
+        <p:spPr/>
+        <p:txBody>
+          <a:bodyPr/>
+          <a:lstStyle/>
+          <a:p>
+            <a:r>
+              <a:rPr lang="en-US" dirty="0"/>
+              <a:t>But wait, everything still works and I didn’t authenticate!</a:t>
+            </a:r>
+          </a:p>
+        </p:txBody>
+      </p:sp>
+      <p:sp>
+        <p:nvSpPr>
+          <p:cNvPr id="3" name="Content Placeholder 2">
+            <a:extLst>
+              <a:ext uri="{FF2B5EF4-FFF2-40B4-BE49-F238E27FC236}">
+                <a16:creationId xmlns:a16="http://schemas.microsoft.com/office/drawing/2014/main" id="{AE99FB80-ED58-4D6D-A79C-7F6EDE00CEB0}"/>
+              </a:ext>
+            </a:extLst>
+          </p:cNvPr>
+          <p:cNvSpPr>
+            <a:spLocks noGrp="1"/>
+          </p:cNvSpPr>
+          <p:nvPr>
+            <p:ph idx="1"/>
+          </p:nvPr>
+        </p:nvSpPr>
+        <p:spPr/>
+        <p:txBody>
+          <a:bodyPr/>
+          <a:lstStyle/>
+          <a:p>
+            <a:pPr marL="285750" indent="-285750">
+              <a:buFont typeface="Arial" panose="020B0604020202020204" pitchFamily="34" charset="0"/>
+              <a:buChar char="•"/>
+            </a:pPr>
+            <a:r>
+              <a:rPr lang="en-US" dirty="0"/>
+              <a:t>True, we have stated that we would accept authentication by AAD if offered, but we have not set up security barriers to our API yet.</a:t>
+            </a:r>
+          </a:p>
+          <a:p>
+            <a:pPr marL="285750" indent="-285750">
+              <a:buFont typeface="Arial" panose="020B0604020202020204" pitchFamily="34" charset="0"/>
+              <a:buChar char="•"/>
+            </a:pPr>
+            <a:endParaRPr lang="en-US" dirty="0"/>
+          </a:p>
+          <a:p>
+            <a:pPr marL="285750" indent="-285750">
+              <a:buFont typeface="Arial" panose="020B0604020202020204" pitchFamily="34" charset="0"/>
+              <a:buChar char="•"/>
+            </a:pPr>
+            <a:r>
+              <a:rPr lang="en-US" dirty="0"/>
+              <a:t>For this we use the second part: Authorization</a:t>
+            </a:r>
+          </a:p>
+          <a:p>
+            <a:pPr marL="820738" lvl="2" indent="-285750"/>
+            <a:r>
+              <a:rPr lang="en-US" dirty="0"/>
+              <a:t>With Authorization we will declare policies that will block unauthorized users</a:t>
+            </a:r>
+          </a:p>
+        </p:txBody>
+      </p:sp>
+    </p:spTree>
+    <p:extLst>
+      <p:ext uri="{BB962C8B-B14F-4D97-AF65-F5344CB8AC3E}">
+        <p14:creationId xmlns:p14="http://schemas.microsoft.com/office/powerpoint/2010/main" val="335243877"/>
+      </p:ext>
+    </p:extLst>
+  </p:cSld>
+  <p:clrMapOvr>
+    <a:masterClrMapping/>
+  </p:clrMapOvr>
+  <p:transition>
+    <p:wipe/>
+  </p:transition>
+</p:sld>
+</file>
+
+<file path=ppt/slides/slide64.xml><?xml version="1.0" encoding="utf-8"?>
+<p:sld xmlns:a="http://schemas.openxmlformats.org/drawingml/2006/main" xmlns:r="http://schemas.openxmlformats.org/officeDocument/2006/relationships" xmlns:p="http://schemas.openxmlformats.org/presentationml/2006/main">
+  <p:cSld>
+    <p:spTree>
+      <p:nvGrpSpPr>
+        <p:cNvPr id="1" name=""/>
+        <p:cNvGrpSpPr/>
+        <p:nvPr/>
+      </p:nvGrpSpPr>
+      <p:grpSpPr>
+        <a:xfrm>
+          <a:off x="0" y="0"/>
+          <a:ext cx="0" cy="0"/>
+          <a:chOff x="0" y="0"/>
+          <a:chExt cx="0" cy="0"/>
+        </a:xfrm>
+      </p:grpSpPr>
+      <p:sp>
+        <p:nvSpPr>
+          <p:cNvPr id="2" name="Title 1">
+            <a:extLst>
+              <a:ext uri="{FF2B5EF4-FFF2-40B4-BE49-F238E27FC236}">
+                <a16:creationId xmlns:a16="http://schemas.microsoft.com/office/drawing/2014/main" id="{33C4091D-C337-4B7D-8D13-386E36BEA41A}"/>
+              </a:ext>
+            </a:extLst>
+          </p:cNvPr>
+          <p:cNvSpPr>
+            <a:spLocks noGrp="1"/>
+          </p:cNvSpPr>
+          <p:nvPr>
+            <p:ph type="title"/>
+          </p:nvPr>
+        </p:nvSpPr>
+        <p:spPr/>
+        <p:txBody>
+          <a:bodyPr/>
+          <a:lstStyle/>
+          <a:p>
+            <a:r>
+              <a:rPr lang="en-US" dirty="0"/>
+              <a:t>Add Authorization policies</a:t>
+            </a:r>
+          </a:p>
+        </p:txBody>
+      </p:sp>
+      <p:sp>
+        <p:nvSpPr>
+          <p:cNvPr id="3" name="Content Placeholder 2">
+            <a:extLst>
+              <a:ext uri="{FF2B5EF4-FFF2-40B4-BE49-F238E27FC236}">
+                <a16:creationId xmlns:a16="http://schemas.microsoft.com/office/drawing/2014/main" id="{79A046D1-46DC-45D2-939C-D271C5A16CC5}"/>
+              </a:ext>
+            </a:extLst>
+          </p:cNvPr>
+          <p:cNvSpPr>
+            <a:spLocks noGrp="1"/>
+          </p:cNvSpPr>
+          <p:nvPr>
+            <p:ph idx="1"/>
+          </p:nvPr>
+        </p:nvSpPr>
+        <p:spPr/>
+        <p:txBody>
+          <a:bodyPr/>
+          <a:lstStyle/>
+          <a:p>
+            <a:pPr marL="285750" indent="-285750">
+              <a:buFont typeface="Arial" panose="020B0604020202020204" pitchFamily="34" charset="0"/>
+              <a:buChar char="•"/>
+            </a:pPr>
+            <a:r>
+              <a:rPr lang="en-US" dirty="0"/>
+              <a:t>First we add a new folder called Security and a class called Scopes</a:t>
+            </a:r>
+          </a:p>
+          <a:p>
+            <a:pPr marL="285750" indent="-285750">
+              <a:buFont typeface="Arial" panose="020B0604020202020204" pitchFamily="34" charset="0"/>
+              <a:buChar char="•"/>
+            </a:pPr>
+            <a:endParaRPr lang="en-US" dirty="0"/>
+          </a:p>
+        </p:txBody>
+      </p:sp>
+      <p:sp>
+        <p:nvSpPr>
+          <p:cNvPr id="4" name="TextBox 3">
+            <a:extLst>
+              <a:ext uri="{FF2B5EF4-FFF2-40B4-BE49-F238E27FC236}">
+                <a16:creationId xmlns:a16="http://schemas.microsoft.com/office/drawing/2014/main" id="{45684B49-5E07-47E0-B03A-4B22A4639BA5}"/>
+              </a:ext>
+            </a:extLst>
+          </p:cNvPr>
+          <p:cNvSpPr txBox="1"/>
+          <p:nvPr/>
+        </p:nvSpPr>
+        <p:spPr>
+          <a:xfrm>
+            <a:off x="342739" y="1501726"/>
+            <a:ext cx="8441714" cy="3416320"/>
+          </a:xfrm>
+          <a:prstGeom prst="rect">
+            <a:avLst/>
+          </a:prstGeom>
+          <a:solidFill>
+            <a:srgbClr val="000000"/>
+          </a:solidFill>
+          <a:ln>
+            <a:solidFill>
+              <a:schemeClr val="accent2"/>
+            </a:solidFill>
+          </a:ln>
+        </p:spPr>
+        <p:txBody>
+          <a:bodyPr wrap="square" rtlCol="0">
+            <a:spAutoFit/>
+          </a:bodyPr>
+          <a:lstStyle/>
+          <a:p>
+            <a:r>
+              <a:rPr lang="en-US" sz="1200" dirty="0">
+                <a:solidFill>
+                  <a:srgbClr val="569CD6"/>
+                </a:solidFill>
+                <a:latin typeface="Consolas" panose="020B0609020204030204" pitchFamily="49" charset="0"/>
+              </a:rPr>
+              <a:t>namespace</a:t>
+            </a:r>
+            <a:r>
+              <a:rPr lang="en-US" sz="1200" dirty="0">
+                <a:solidFill>
+                  <a:srgbClr val="D4D4D4"/>
+                </a:solidFill>
+                <a:latin typeface="Consolas" panose="020B0609020204030204" pitchFamily="49" charset="0"/>
+              </a:rPr>
+              <a:t> </a:t>
+            </a:r>
+            <a:r>
+              <a:rPr lang="en-US" sz="1200" dirty="0" err="1">
+                <a:solidFill>
+                  <a:srgbClr val="4EC9B0"/>
+                </a:solidFill>
+                <a:latin typeface="Consolas" panose="020B0609020204030204" pitchFamily="49" charset="0"/>
+              </a:rPr>
+              <a:t>DevCruise</a:t>
+            </a:r>
+            <a:r>
+              <a:rPr lang="en-US" sz="1200" dirty="0" err="1">
+                <a:solidFill>
+                  <a:srgbClr val="D4D4D4"/>
+                </a:solidFill>
+                <a:latin typeface="Consolas" panose="020B0609020204030204" pitchFamily="49" charset="0"/>
+              </a:rPr>
+              <a:t>.</a:t>
+            </a:r>
+            <a:r>
+              <a:rPr lang="en-US" sz="1200" dirty="0" err="1">
+                <a:solidFill>
+                  <a:srgbClr val="4EC9B0"/>
+                </a:solidFill>
+                <a:latin typeface="Consolas" panose="020B0609020204030204" pitchFamily="49" charset="0"/>
+              </a:rPr>
+              <a:t>Security</a:t>
+            </a:r>
+            <a:endParaRPr lang="en-US" sz="1200" dirty="0">
+              <a:solidFill>
+                <a:srgbClr val="D4D4D4"/>
+              </a:solidFill>
+              <a:latin typeface="Consolas" panose="020B0609020204030204" pitchFamily="49" charset="0"/>
+            </a:endParaRPr>
+          </a:p>
+          <a:p>
+            <a:r>
+              <a:rPr lang="en-US" sz="1200" dirty="0">
+                <a:solidFill>
+                  <a:srgbClr val="D4D4D4"/>
+                </a:solidFill>
+                <a:latin typeface="Consolas" panose="020B0609020204030204" pitchFamily="49" charset="0"/>
+              </a:rPr>
+              <a:t>{</a:t>
+            </a:r>
+          </a:p>
+          <a:p>
+            <a:r>
+              <a:rPr lang="en-US" sz="1200" dirty="0">
+                <a:solidFill>
+                  <a:srgbClr val="D4D4D4"/>
+                </a:solidFill>
+                <a:latin typeface="Consolas" panose="020B0609020204030204" pitchFamily="49" charset="0"/>
+              </a:rPr>
+              <a:t>    </a:t>
+            </a:r>
+            <a:r>
+              <a:rPr lang="en-US" sz="1200" dirty="0">
+                <a:solidFill>
+                  <a:srgbClr val="569CD6"/>
+                </a:solidFill>
+                <a:latin typeface="Consolas" panose="020B0609020204030204" pitchFamily="49" charset="0"/>
+              </a:rPr>
+              <a:t>public</a:t>
+            </a:r>
+            <a:r>
+              <a:rPr lang="en-US" sz="1200" dirty="0">
+                <a:solidFill>
+                  <a:srgbClr val="D4D4D4"/>
+                </a:solidFill>
+                <a:latin typeface="Consolas" panose="020B0609020204030204" pitchFamily="49" charset="0"/>
+              </a:rPr>
+              <a:t> </a:t>
+            </a:r>
+            <a:r>
+              <a:rPr lang="en-US" sz="1200" dirty="0">
+                <a:solidFill>
+                  <a:srgbClr val="569CD6"/>
+                </a:solidFill>
+                <a:latin typeface="Consolas" panose="020B0609020204030204" pitchFamily="49" charset="0"/>
+              </a:rPr>
+              <a:t>static</a:t>
+            </a:r>
+            <a:r>
+              <a:rPr lang="en-US" sz="1200" dirty="0">
+                <a:solidFill>
+                  <a:srgbClr val="D4D4D4"/>
+                </a:solidFill>
+                <a:latin typeface="Consolas" panose="020B0609020204030204" pitchFamily="49" charset="0"/>
+              </a:rPr>
+              <a:t> </a:t>
+            </a:r>
+            <a:r>
+              <a:rPr lang="en-US" sz="1200" dirty="0">
+                <a:solidFill>
+                  <a:srgbClr val="569CD6"/>
+                </a:solidFill>
+                <a:latin typeface="Consolas" panose="020B0609020204030204" pitchFamily="49" charset="0"/>
+              </a:rPr>
+              <a:t>class</a:t>
+            </a:r>
+            <a:r>
+              <a:rPr lang="en-US" sz="1200" dirty="0">
+                <a:solidFill>
+                  <a:srgbClr val="D4D4D4"/>
+                </a:solidFill>
+                <a:latin typeface="Consolas" panose="020B0609020204030204" pitchFamily="49" charset="0"/>
+              </a:rPr>
+              <a:t> </a:t>
+            </a:r>
+            <a:r>
+              <a:rPr lang="en-US" sz="1200" dirty="0">
+                <a:solidFill>
+                  <a:srgbClr val="4EC9B0"/>
+                </a:solidFill>
+                <a:latin typeface="Consolas" panose="020B0609020204030204" pitchFamily="49" charset="0"/>
+              </a:rPr>
+              <a:t>Scopes</a:t>
+            </a:r>
+            <a:endParaRPr lang="en-US" sz="1200" dirty="0">
+              <a:solidFill>
+                <a:srgbClr val="D4D4D4"/>
+              </a:solidFill>
+              <a:latin typeface="Consolas" panose="020B0609020204030204" pitchFamily="49" charset="0"/>
+            </a:endParaRPr>
+          </a:p>
+          <a:p>
+            <a:r>
+              <a:rPr lang="en-US" sz="1200" dirty="0">
+                <a:solidFill>
+                  <a:srgbClr val="D4D4D4"/>
+                </a:solidFill>
+                <a:latin typeface="Consolas" panose="020B0609020204030204" pitchFamily="49" charset="0"/>
+              </a:rPr>
+              <a:t>    {</a:t>
+            </a:r>
+          </a:p>
+          <a:p>
+            <a:r>
+              <a:rPr lang="en-US" sz="1200" dirty="0">
+                <a:solidFill>
+                  <a:srgbClr val="D4D4D4"/>
+                </a:solidFill>
+                <a:latin typeface="Consolas" panose="020B0609020204030204" pitchFamily="49" charset="0"/>
+              </a:rPr>
+              <a:t>        </a:t>
+            </a:r>
+            <a:r>
+              <a:rPr lang="en-US" sz="1200" dirty="0">
+                <a:solidFill>
+                  <a:srgbClr val="569CD6"/>
+                </a:solidFill>
+                <a:latin typeface="Consolas" panose="020B0609020204030204" pitchFamily="49" charset="0"/>
+              </a:rPr>
+              <a:t>public</a:t>
+            </a:r>
+            <a:r>
+              <a:rPr lang="en-US" sz="1200" dirty="0">
+                <a:solidFill>
+                  <a:srgbClr val="D4D4D4"/>
+                </a:solidFill>
+                <a:latin typeface="Consolas" panose="020B0609020204030204" pitchFamily="49" charset="0"/>
+              </a:rPr>
+              <a:t> </a:t>
+            </a:r>
+            <a:r>
+              <a:rPr lang="en-US" sz="1200" dirty="0">
+                <a:solidFill>
+                  <a:srgbClr val="569CD6"/>
+                </a:solidFill>
+                <a:latin typeface="Consolas" panose="020B0609020204030204" pitchFamily="49" charset="0"/>
+              </a:rPr>
+              <a:t>const</a:t>
+            </a:r>
+            <a:r>
+              <a:rPr lang="en-US" sz="1200" dirty="0">
+                <a:solidFill>
+                  <a:srgbClr val="D4D4D4"/>
+                </a:solidFill>
+                <a:latin typeface="Consolas" panose="020B0609020204030204" pitchFamily="49" charset="0"/>
+              </a:rPr>
+              <a:t> </a:t>
+            </a:r>
+            <a:r>
+              <a:rPr lang="en-US" sz="1200" dirty="0">
+                <a:solidFill>
+                  <a:srgbClr val="569CD6"/>
+                </a:solidFill>
+                <a:latin typeface="Consolas" panose="020B0609020204030204" pitchFamily="49" charset="0"/>
+              </a:rPr>
+              <a:t>string</a:t>
+            </a:r>
+            <a:r>
+              <a:rPr lang="en-US" sz="1200" dirty="0">
+                <a:solidFill>
+                  <a:srgbClr val="D4D4D4"/>
+                </a:solidFill>
+                <a:latin typeface="Consolas" panose="020B0609020204030204" pitchFamily="49" charset="0"/>
+              </a:rPr>
+              <a:t> </a:t>
+            </a:r>
+            <a:r>
+              <a:rPr lang="en-US" sz="1200" dirty="0" err="1">
+                <a:solidFill>
+                  <a:srgbClr val="9CDCFE"/>
+                </a:solidFill>
+                <a:latin typeface="Consolas" panose="020B0609020204030204" pitchFamily="49" charset="0"/>
+              </a:rPr>
+              <a:t>ReadAccess</a:t>
+            </a:r>
+            <a:r>
+              <a:rPr lang="en-US" sz="1200" dirty="0">
+                <a:solidFill>
+                  <a:srgbClr val="D4D4D4"/>
+                </a:solidFill>
+                <a:latin typeface="Consolas" panose="020B0609020204030204" pitchFamily="49" charset="0"/>
+              </a:rPr>
+              <a:t> = </a:t>
+            </a:r>
+            <a:r>
+              <a:rPr lang="en-US" sz="1200" dirty="0">
+                <a:solidFill>
+                  <a:srgbClr val="CE9178"/>
+                </a:solidFill>
+                <a:latin typeface="Consolas" panose="020B0609020204030204" pitchFamily="49" charset="0"/>
+              </a:rPr>
+              <a:t>"</a:t>
+            </a:r>
+            <a:r>
+              <a:rPr lang="en-US" sz="1200" dirty="0" err="1">
+                <a:solidFill>
+                  <a:srgbClr val="CE9178"/>
+                </a:solidFill>
+                <a:latin typeface="Consolas" panose="020B0609020204030204" pitchFamily="49" charset="0"/>
+              </a:rPr>
+              <a:t>readAccess</a:t>
+            </a:r>
+            <a:r>
+              <a:rPr lang="en-US" sz="1200" dirty="0">
+                <a:solidFill>
+                  <a:srgbClr val="CE9178"/>
+                </a:solidFill>
+                <a:latin typeface="Consolas" panose="020B0609020204030204" pitchFamily="49" charset="0"/>
+              </a:rPr>
+              <a:t>"</a:t>
+            </a:r>
+            <a:r>
+              <a:rPr lang="en-US" sz="1200" dirty="0">
+                <a:solidFill>
+                  <a:srgbClr val="D4D4D4"/>
+                </a:solidFill>
+                <a:latin typeface="Consolas" panose="020B0609020204030204" pitchFamily="49" charset="0"/>
+              </a:rPr>
+              <a:t>;</a:t>
+            </a:r>
+          </a:p>
+          <a:p>
+            <a:r>
+              <a:rPr lang="en-US" sz="1200" dirty="0">
+                <a:solidFill>
+                  <a:srgbClr val="D4D4D4"/>
+                </a:solidFill>
+                <a:latin typeface="Consolas" panose="020B0609020204030204" pitchFamily="49" charset="0"/>
+              </a:rPr>
+              <a:t>        </a:t>
+            </a:r>
+            <a:r>
+              <a:rPr lang="en-US" sz="1200" dirty="0">
+                <a:solidFill>
+                  <a:srgbClr val="569CD6"/>
+                </a:solidFill>
+                <a:latin typeface="Consolas" panose="020B0609020204030204" pitchFamily="49" charset="0"/>
+              </a:rPr>
+              <a:t>public</a:t>
+            </a:r>
+            <a:r>
+              <a:rPr lang="en-US" sz="1200" dirty="0">
+                <a:solidFill>
+                  <a:srgbClr val="D4D4D4"/>
+                </a:solidFill>
+                <a:latin typeface="Consolas" panose="020B0609020204030204" pitchFamily="49" charset="0"/>
+              </a:rPr>
+              <a:t> </a:t>
+            </a:r>
+            <a:r>
+              <a:rPr lang="en-US" sz="1200" dirty="0">
+                <a:solidFill>
+                  <a:srgbClr val="569CD6"/>
+                </a:solidFill>
+                <a:latin typeface="Consolas" panose="020B0609020204030204" pitchFamily="49" charset="0"/>
+              </a:rPr>
+              <a:t>const</a:t>
+            </a:r>
+            <a:r>
+              <a:rPr lang="en-US" sz="1200" dirty="0">
+                <a:solidFill>
+                  <a:srgbClr val="D4D4D4"/>
+                </a:solidFill>
+                <a:latin typeface="Consolas" panose="020B0609020204030204" pitchFamily="49" charset="0"/>
+              </a:rPr>
+              <a:t> </a:t>
+            </a:r>
+            <a:r>
+              <a:rPr lang="en-US" sz="1200" dirty="0">
+                <a:solidFill>
+                  <a:srgbClr val="569CD6"/>
+                </a:solidFill>
+                <a:latin typeface="Consolas" panose="020B0609020204030204" pitchFamily="49" charset="0"/>
+              </a:rPr>
+              <a:t>string</a:t>
+            </a:r>
+            <a:r>
+              <a:rPr lang="en-US" sz="1200" dirty="0">
+                <a:solidFill>
+                  <a:srgbClr val="D4D4D4"/>
+                </a:solidFill>
+                <a:latin typeface="Consolas" panose="020B0609020204030204" pitchFamily="49" charset="0"/>
+              </a:rPr>
+              <a:t> </a:t>
+            </a:r>
+            <a:r>
+              <a:rPr lang="en-US" sz="1200" dirty="0" err="1">
+                <a:solidFill>
+                  <a:srgbClr val="9CDCFE"/>
+                </a:solidFill>
+                <a:latin typeface="Consolas" panose="020B0609020204030204" pitchFamily="49" charset="0"/>
+              </a:rPr>
+              <a:t>WriteAccess</a:t>
+            </a:r>
+            <a:r>
+              <a:rPr lang="en-US" sz="1200" dirty="0">
+                <a:solidFill>
+                  <a:srgbClr val="D4D4D4"/>
+                </a:solidFill>
+                <a:latin typeface="Consolas" panose="020B0609020204030204" pitchFamily="49" charset="0"/>
+              </a:rPr>
+              <a:t> = </a:t>
+            </a:r>
+            <a:r>
+              <a:rPr lang="en-US" sz="1200" dirty="0">
+                <a:solidFill>
+                  <a:srgbClr val="CE9178"/>
+                </a:solidFill>
+                <a:latin typeface="Consolas" panose="020B0609020204030204" pitchFamily="49" charset="0"/>
+              </a:rPr>
+              <a:t>"</a:t>
+            </a:r>
+            <a:r>
+              <a:rPr lang="en-US" sz="1200" dirty="0" err="1">
+                <a:solidFill>
+                  <a:srgbClr val="CE9178"/>
+                </a:solidFill>
+                <a:latin typeface="Consolas" panose="020B0609020204030204" pitchFamily="49" charset="0"/>
+              </a:rPr>
+              <a:t>writeAccess</a:t>
+            </a:r>
+            <a:r>
+              <a:rPr lang="en-US" sz="1200" dirty="0">
+                <a:solidFill>
+                  <a:srgbClr val="CE9178"/>
+                </a:solidFill>
+                <a:latin typeface="Consolas" panose="020B0609020204030204" pitchFamily="49" charset="0"/>
+              </a:rPr>
+              <a:t>"</a:t>
+            </a:r>
+            <a:r>
+              <a:rPr lang="en-US" sz="1200" dirty="0">
+                <a:solidFill>
+                  <a:srgbClr val="D4D4D4"/>
+                </a:solidFill>
+                <a:latin typeface="Consolas" panose="020B0609020204030204" pitchFamily="49" charset="0"/>
+              </a:rPr>
+              <a:t>;</a:t>
+            </a:r>
+          </a:p>
+          <a:p>
+            <a:br>
+              <a:rPr lang="en-US" sz="1200" dirty="0">
+                <a:solidFill>
+                  <a:srgbClr val="D4D4D4"/>
+                </a:solidFill>
+                <a:latin typeface="Consolas" panose="020B0609020204030204" pitchFamily="49" charset="0"/>
+              </a:rPr>
+            </a:br>
+            <a:r>
+              <a:rPr lang="en-US" sz="1200" dirty="0">
+                <a:solidFill>
+                  <a:srgbClr val="D4D4D4"/>
+                </a:solidFill>
+                <a:latin typeface="Consolas" panose="020B0609020204030204" pitchFamily="49" charset="0"/>
+              </a:rPr>
+              <a:t>        </a:t>
+            </a:r>
+            <a:r>
+              <a:rPr lang="en-US" sz="1200" dirty="0">
+                <a:solidFill>
+                  <a:srgbClr val="569CD6"/>
+                </a:solidFill>
+                <a:latin typeface="Consolas" panose="020B0609020204030204" pitchFamily="49" charset="0"/>
+              </a:rPr>
+              <a:t>public</a:t>
+            </a:r>
+            <a:r>
+              <a:rPr lang="en-US" sz="1200" dirty="0">
+                <a:solidFill>
+                  <a:srgbClr val="D4D4D4"/>
+                </a:solidFill>
+                <a:latin typeface="Consolas" panose="020B0609020204030204" pitchFamily="49" charset="0"/>
+              </a:rPr>
+              <a:t> </a:t>
+            </a:r>
+            <a:r>
+              <a:rPr lang="en-US" sz="1200" dirty="0">
+                <a:solidFill>
+                  <a:srgbClr val="569CD6"/>
+                </a:solidFill>
+                <a:latin typeface="Consolas" panose="020B0609020204030204" pitchFamily="49" charset="0"/>
+              </a:rPr>
+              <a:t>const</a:t>
+            </a:r>
+            <a:r>
+              <a:rPr lang="en-US" sz="1200" dirty="0">
+                <a:solidFill>
+                  <a:srgbClr val="D4D4D4"/>
+                </a:solidFill>
+                <a:latin typeface="Consolas" panose="020B0609020204030204" pitchFamily="49" charset="0"/>
+              </a:rPr>
+              <a:t> </a:t>
+            </a:r>
+            <a:r>
+              <a:rPr lang="en-US" sz="1200" dirty="0">
+                <a:solidFill>
+                  <a:srgbClr val="569CD6"/>
+                </a:solidFill>
+                <a:latin typeface="Consolas" panose="020B0609020204030204" pitchFamily="49" charset="0"/>
+              </a:rPr>
+              <a:t>string</a:t>
+            </a:r>
+            <a:r>
+              <a:rPr lang="en-US" sz="1200" dirty="0">
+                <a:solidFill>
+                  <a:srgbClr val="D4D4D4"/>
+                </a:solidFill>
+                <a:latin typeface="Consolas" panose="020B0609020204030204" pitchFamily="49" charset="0"/>
+              </a:rPr>
+              <a:t> </a:t>
+            </a:r>
+            <a:r>
+              <a:rPr lang="en-US" sz="1200" dirty="0" err="1">
+                <a:solidFill>
+                  <a:srgbClr val="9CDCFE"/>
+                </a:solidFill>
+                <a:latin typeface="Consolas" panose="020B0609020204030204" pitchFamily="49" charset="0"/>
+              </a:rPr>
+              <a:t>AadScopePrefix</a:t>
+            </a:r>
+            <a:r>
+              <a:rPr lang="en-US" sz="1200" dirty="0">
+                <a:solidFill>
+                  <a:srgbClr val="D4D4D4"/>
+                </a:solidFill>
+                <a:latin typeface="Consolas" panose="020B0609020204030204" pitchFamily="49" charset="0"/>
+              </a:rPr>
+              <a:t> = </a:t>
+            </a:r>
+            <a:r>
+              <a:rPr lang="en-US" sz="1200" dirty="0">
+                <a:solidFill>
+                  <a:srgbClr val="CE9178"/>
+                </a:solidFill>
+                <a:latin typeface="Consolas" panose="020B0609020204030204" pitchFamily="49" charset="0"/>
+              </a:rPr>
+              <a:t>"</a:t>
+            </a:r>
+            <a:r>
+              <a:rPr lang="en-US" sz="1200" dirty="0" err="1">
+                <a:solidFill>
+                  <a:srgbClr val="CE9178"/>
+                </a:solidFill>
+                <a:latin typeface="Consolas" panose="020B0609020204030204" pitchFamily="49" charset="0"/>
+              </a:rPr>
+              <a:t>api</a:t>
+            </a:r>
+            <a:r>
+              <a:rPr lang="en-US" sz="1200" dirty="0">
+                <a:solidFill>
+                  <a:srgbClr val="CE9178"/>
+                </a:solidFill>
+                <a:latin typeface="Consolas" panose="020B0609020204030204" pitchFamily="49" charset="0"/>
+              </a:rPr>
+              <a:t>://</a:t>
+            </a:r>
+            <a:r>
+              <a:rPr lang="en-US" sz="1200" dirty="0" err="1">
+                <a:solidFill>
+                  <a:srgbClr val="CE9178"/>
+                </a:solidFill>
+                <a:latin typeface="Consolas" panose="020B0609020204030204" pitchFamily="49" charset="0"/>
+              </a:rPr>
+              <a:t>devCruiseApi</a:t>
+            </a:r>
+            <a:r>
+              <a:rPr lang="en-US" sz="1200" dirty="0">
+                <a:solidFill>
+                  <a:srgbClr val="CE9178"/>
+                </a:solidFill>
+                <a:latin typeface="Consolas" panose="020B0609020204030204" pitchFamily="49" charset="0"/>
+              </a:rPr>
+              <a:t>/"</a:t>
+            </a:r>
+            <a:r>
+              <a:rPr lang="en-US" sz="1200" dirty="0">
+                <a:solidFill>
+                  <a:srgbClr val="D4D4D4"/>
+                </a:solidFill>
+                <a:latin typeface="Consolas" panose="020B0609020204030204" pitchFamily="49" charset="0"/>
+              </a:rPr>
+              <a:t>;</a:t>
+            </a:r>
+          </a:p>
+          <a:p>
+            <a:r>
+              <a:rPr lang="en-US" sz="1200" dirty="0">
+                <a:solidFill>
+                  <a:srgbClr val="D4D4D4"/>
+                </a:solidFill>
+                <a:latin typeface="Consolas" panose="020B0609020204030204" pitchFamily="49" charset="0"/>
+              </a:rPr>
+              <a:t>        </a:t>
+            </a:r>
+            <a:r>
+              <a:rPr lang="en-US" sz="1200" dirty="0">
+                <a:solidFill>
+                  <a:srgbClr val="569CD6"/>
+                </a:solidFill>
+                <a:latin typeface="Consolas" panose="020B0609020204030204" pitchFamily="49" charset="0"/>
+              </a:rPr>
+              <a:t>public</a:t>
+            </a:r>
+            <a:r>
+              <a:rPr lang="en-US" sz="1200" dirty="0">
+                <a:solidFill>
+                  <a:srgbClr val="D4D4D4"/>
+                </a:solidFill>
+                <a:latin typeface="Consolas" panose="020B0609020204030204" pitchFamily="49" charset="0"/>
+              </a:rPr>
+              <a:t> </a:t>
+            </a:r>
+            <a:r>
+              <a:rPr lang="en-US" sz="1200" dirty="0">
+                <a:solidFill>
+                  <a:srgbClr val="569CD6"/>
+                </a:solidFill>
+                <a:latin typeface="Consolas" panose="020B0609020204030204" pitchFamily="49" charset="0"/>
+              </a:rPr>
+              <a:t>const</a:t>
+            </a:r>
+            <a:r>
+              <a:rPr lang="en-US" sz="1200" dirty="0">
+                <a:solidFill>
+                  <a:srgbClr val="D4D4D4"/>
+                </a:solidFill>
+                <a:latin typeface="Consolas" panose="020B0609020204030204" pitchFamily="49" charset="0"/>
+              </a:rPr>
+              <a:t> </a:t>
+            </a:r>
+            <a:r>
+              <a:rPr lang="en-US" sz="1200" dirty="0">
+                <a:solidFill>
+                  <a:srgbClr val="569CD6"/>
+                </a:solidFill>
+                <a:latin typeface="Consolas" panose="020B0609020204030204" pitchFamily="49" charset="0"/>
+              </a:rPr>
+              <a:t>string</a:t>
+            </a:r>
+            <a:r>
+              <a:rPr lang="en-US" sz="1200" dirty="0">
+                <a:solidFill>
+                  <a:srgbClr val="D4D4D4"/>
+                </a:solidFill>
+                <a:latin typeface="Consolas" panose="020B0609020204030204" pitchFamily="49" charset="0"/>
+              </a:rPr>
+              <a:t> </a:t>
+            </a:r>
+            <a:r>
+              <a:rPr lang="en-US" sz="1200" dirty="0" err="1">
+                <a:solidFill>
+                  <a:srgbClr val="9CDCFE"/>
+                </a:solidFill>
+                <a:latin typeface="Consolas" panose="020B0609020204030204" pitchFamily="49" charset="0"/>
+              </a:rPr>
+              <a:t>AadReadAccess</a:t>
+            </a:r>
+            <a:r>
+              <a:rPr lang="en-US" sz="1200" dirty="0">
+                <a:solidFill>
+                  <a:srgbClr val="D4D4D4"/>
+                </a:solidFill>
+                <a:latin typeface="Consolas" panose="020B0609020204030204" pitchFamily="49" charset="0"/>
+              </a:rPr>
+              <a:t> = </a:t>
+            </a:r>
+            <a:r>
+              <a:rPr lang="en-US" sz="1200" dirty="0" err="1">
+                <a:solidFill>
+                  <a:srgbClr val="9CDCFE"/>
+                </a:solidFill>
+                <a:latin typeface="Consolas" panose="020B0609020204030204" pitchFamily="49" charset="0"/>
+              </a:rPr>
+              <a:t>AadScopePrefix</a:t>
+            </a:r>
+            <a:r>
+              <a:rPr lang="en-US" sz="1200" dirty="0">
+                <a:solidFill>
+                  <a:srgbClr val="D4D4D4"/>
+                </a:solidFill>
+                <a:latin typeface="Consolas" panose="020B0609020204030204" pitchFamily="49" charset="0"/>
+              </a:rPr>
+              <a:t> + </a:t>
+            </a:r>
+            <a:r>
+              <a:rPr lang="en-US" sz="1200" dirty="0" err="1">
+                <a:solidFill>
+                  <a:srgbClr val="9CDCFE"/>
+                </a:solidFill>
+                <a:latin typeface="Consolas" panose="020B0609020204030204" pitchFamily="49" charset="0"/>
+              </a:rPr>
+              <a:t>ReadAccess</a:t>
+            </a:r>
+            <a:r>
+              <a:rPr lang="en-US" sz="1200" dirty="0">
+                <a:solidFill>
+                  <a:srgbClr val="D4D4D4"/>
+                </a:solidFill>
+                <a:latin typeface="Consolas" panose="020B0609020204030204" pitchFamily="49" charset="0"/>
+              </a:rPr>
+              <a:t>;</a:t>
+            </a:r>
+          </a:p>
+          <a:p>
+            <a:r>
+              <a:rPr lang="en-US" sz="1200" dirty="0">
+                <a:solidFill>
+                  <a:srgbClr val="D4D4D4"/>
+                </a:solidFill>
+                <a:latin typeface="Consolas" panose="020B0609020204030204" pitchFamily="49" charset="0"/>
+              </a:rPr>
+              <a:t>        </a:t>
+            </a:r>
+            <a:r>
+              <a:rPr lang="en-US" sz="1200" dirty="0">
+                <a:solidFill>
+                  <a:srgbClr val="569CD6"/>
+                </a:solidFill>
+                <a:latin typeface="Consolas" panose="020B0609020204030204" pitchFamily="49" charset="0"/>
+              </a:rPr>
+              <a:t>public</a:t>
+            </a:r>
+            <a:r>
+              <a:rPr lang="en-US" sz="1200" dirty="0">
+                <a:solidFill>
+                  <a:srgbClr val="D4D4D4"/>
+                </a:solidFill>
+                <a:latin typeface="Consolas" panose="020B0609020204030204" pitchFamily="49" charset="0"/>
+              </a:rPr>
+              <a:t> </a:t>
+            </a:r>
+            <a:r>
+              <a:rPr lang="en-US" sz="1200" dirty="0">
+                <a:solidFill>
+                  <a:srgbClr val="569CD6"/>
+                </a:solidFill>
+                <a:latin typeface="Consolas" panose="020B0609020204030204" pitchFamily="49" charset="0"/>
+              </a:rPr>
+              <a:t>const</a:t>
+            </a:r>
+            <a:r>
+              <a:rPr lang="en-US" sz="1200" dirty="0">
+                <a:solidFill>
+                  <a:srgbClr val="D4D4D4"/>
+                </a:solidFill>
+                <a:latin typeface="Consolas" panose="020B0609020204030204" pitchFamily="49" charset="0"/>
+              </a:rPr>
+              <a:t> </a:t>
+            </a:r>
+            <a:r>
+              <a:rPr lang="en-US" sz="1200" dirty="0">
+                <a:solidFill>
+                  <a:srgbClr val="569CD6"/>
+                </a:solidFill>
+                <a:latin typeface="Consolas" panose="020B0609020204030204" pitchFamily="49" charset="0"/>
+              </a:rPr>
+              <a:t>string</a:t>
+            </a:r>
+            <a:r>
+              <a:rPr lang="en-US" sz="1200" dirty="0">
+                <a:solidFill>
+                  <a:srgbClr val="D4D4D4"/>
+                </a:solidFill>
+                <a:latin typeface="Consolas" panose="020B0609020204030204" pitchFamily="49" charset="0"/>
+              </a:rPr>
+              <a:t> </a:t>
+            </a:r>
+            <a:r>
+              <a:rPr lang="en-US" sz="1200" dirty="0" err="1">
+                <a:solidFill>
+                  <a:srgbClr val="9CDCFE"/>
+                </a:solidFill>
+                <a:latin typeface="Consolas" panose="020B0609020204030204" pitchFamily="49" charset="0"/>
+              </a:rPr>
+              <a:t>AadWriteAccess</a:t>
+            </a:r>
+            <a:r>
+              <a:rPr lang="en-US" sz="1200" dirty="0">
+                <a:solidFill>
+                  <a:srgbClr val="D4D4D4"/>
+                </a:solidFill>
+                <a:latin typeface="Consolas" panose="020B0609020204030204" pitchFamily="49" charset="0"/>
+              </a:rPr>
+              <a:t> = </a:t>
+            </a:r>
+            <a:r>
+              <a:rPr lang="en-US" sz="1200" dirty="0" err="1">
+                <a:solidFill>
+                  <a:srgbClr val="9CDCFE"/>
+                </a:solidFill>
+                <a:latin typeface="Consolas" panose="020B0609020204030204" pitchFamily="49" charset="0"/>
+              </a:rPr>
+              <a:t>AadScopePrefix</a:t>
+            </a:r>
+            <a:r>
+              <a:rPr lang="en-US" sz="1200" dirty="0">
+                <a:solidFill>
+                  <a:srgbClr val="D4D4D4"/>
+                </a:solidFill>
+                <a:latin typeface="Consolas" panose="020B0609020204030204" pitchFamily="49" charset="0"/>
+              </a:rPr>
+              <a:t> + </a:t>
+            </a:r>
+            <a:r>
+              <a:rPr lang="en-US" sz="1200" dirty="0" err="1">
+                <a:solidFill>
+                  <a:srgbClr val="9CDCFE"/>
+                </a:solidFill>
+                <a:latin typeface="Consolas" panose="020B0609020204030204" pitchFamily="49" charset="0"/>
+              </a:rPr>
+              <a:t>WriteAccess</a:t>
+            </a:r>
+            <a:r>
+              <a:rPr lang="en-US" sz="1200" dirty="0">
+                <a:solidFill>
+                  <a:srgbClr val="D4D4D4"/>
+                </a:solidFill>
+                <a:latin typeface="Consolas" panose="020B0609020204030204" pitchFamily="49" charset="0"/>
+              </a:rPr>
+              <a:t>;</a:t>
+            </a:r>
+          </a:p>
+          <a:p>
+            <a:br>
+              <a:rPr lang="en-US" sz="1200" dirty="0">
+                <a:solidFill>
+                  <a:srgbClr val="D4D4D4"/>
+                </a:solidFill>
+                <a:latin typeface="Consolas" panose="020B0609020204030204" pitchFamily="49" charset="0"/>
+              </a:rPr>
+            </a:br>
+            <a:r>
+              <a:rPr lang="en-US" sz="1200" dirty="0">
+                <a:solidFill>
+                  <a:srgbClr val="D4D4D4"/>
+                </a:solidFill>
+                <a:latin typeface="Consolas" panose="020B0609020204030204" pitchFamily="49" charset="0"/>
+              </a:rPr>
+              <a:t>        </a:t>
+            </a:r>
+            <a:r>
+              <a:rPr lang="en-US" sz="1200" dirty="0">
+                <a:solidFill>
+                  <a:srgbClr val="569CD6"/>
+                </a:solidFill>
+                <a:latin typeface="Consolas" panose="020B0609020204030204" pitchFamily="49" charset="0"/>
+              </a:rPr>
+              <a:t>public</a:t>
+            </a:r>
+            <a:r>
+              <a:rPr lang="en-US" sz="1200" dirty="0">
+                <a:solidFill>
+                  <a:srgbClr val="D4D4D4"/>
+                </a:solidFill>
+                <a:latin typeface="Consolas" panose="020B0609020204030204" pitchFamily="49" charset="0"/>
+              </a:rPr>
+              <a:t> </a:t>
+            </a:r>
+            <a:r>
+              <a:rPr lang="en-US" sz="1200" dirty="0">
+                <a:solidFill>
+                  <a:srgbClr val="569CD6"/>
+                </a:solidFill>
+                <a:latin typeface="Consolas" panose="020B0609020204030204" pitchFamily="49" charset="0"/>
+              </a:rPr>
+              <a:t>const</a:t>
+            </a:r>
+            <a:r>
+              <a:rPr lang="en-US" sz="1200" dirty="0">
+                <a:solidFill>
+                  <a:srgbClr val="D4D4D4"/>
+                </a:solidFill>
+                <a:latin typeface="Consolas" panose="020B0609020204030204" pitchFamily="49" charset="0"/>
+              </a:rPr>
+              <a:t> </a:t>
+            </a:r>
+            <a:r>
+              <a:rPr lang="en-US" sz="1200" dirty="0">
+                <a:solidFill>
+                  <a:srgbClr val="569CD6"/>
+                </a:solidFill>
+                <a:latin typeface="Consolas" panose="020B0609020204030204" pitchFamily="49" charset="0"/>
+              </a:rPr>
+              <a:t>string</a:t>
+            </a:r>
+            <a:r>
+              <a:rPr lang="en-US" sz="1200" dirty="0">
+                <a:solidFill>
+                  <a:srgbClr val="D4D4D4"/>
+                </a:solidFill>
+                <a:latin typeface="Consolas" panose="020B0609020204030204" pitchFamily="49" charset="0"/>
+              </a:rPr>
+              <a:t> </a:t>
+            </a:r>
+            <a:r>
+              <a:rPr lang="en-US" sz="1200" dirty="0" err="1">
+                <a:solidFill>
+                  <a:srgbClr val="9CDCFE"/>
+                </a:solidFill>
+                <a:latin typeface="Consolas" panose="020B0609020204030204" pitchFamily="49" charset="0"/>
+              </a:rPr>
+              <a:t>ScopeClaimType</a:t>
+            </a:r>
+            <a:r>
+              <a:rPr lang="en-US" sz="1200" dirty="0">
+                <a:solidFill>
+                  <a:srgbClr val="D4D4D4"/>
+                </a:solidFill>
+                <a:latin typeface="Consolas" panose="020B0609020204030204" pitchFamily="49" charset="0"/>
+              </a:rPr>
+              <a:t> = </a:t>
+            </a:r>
+            <a:r>
+              <a:rPr lang="en-US" sz="1200" dirty="0">
+                <a:solidFill>
+                  <a:srgbClr val="CE9178"/>
+                </a:solidFill>
+                <a:latin typeface="Consolas" panose="020B0609020204030204" pitchFamily="49" charset="0"/>
+              </a:rPr>
+              <a:t>"http://schemas.microsoft.com/identity/claims/scope"</a:t>
+            </a:r>
+            <a:r>
+              <a:rPr lang="en-US" sz="1200" dirty="0">
+                <a:solidFill>
+                  <a:srgbClr val="D4D4D4"/>
+                </a:solidFill>
+                <a:latin typeface="Consolas" panose="020B0609020204030204" pitchFamily="49" charset="0"/>
+              </a:rPr>
+              <a:t>;</a:t>
+            </a:r>
+          </a:p>
+          <a:p>
+            <a:br>
+              <a:rPr lang="en-US" sz="1200" dirty="0">
+                <a:solidFill>
+                  <a:srgbClr val="D4D4D4"/>
+                </a:solidFill>
+                <a:latin typeface="Consolas" panose="020B0609020204030204" pitchFamily="49" charset="0"/>
+              </a:rPr>
+            </a:br>
+            <a:r>
+              <a:rPr lang="en-US" sz="1200" dirty="0">
+                <a:solidFill>
+                  <a:srgbClr val="D4D4D4"/>
+                </a:solidFill>
+                <a:latin typeface="Consolas" panose="020B0609020204030204" pitchFamily="49" charset="0"/>
+              </a:rPr>
+              <a:t>        </a:t>
+            </a:r>
+            <a:r>
+              <a:rPr lang="en-US" sz="1200" dirty="0">
+                <a:solidFill>
+                  <a:srgbClr val="569CD6"/>
+                </a:solidFill>
+                <a:latin typeface="Consolas" panose="020B0609020204030204" pitchFamily="49" charset="0"/>
+              </a:rPr>
+              <a:t>public</a:t>
+            </a:r>
+            <a:r>
+              <a:rPr lang="en-US" sz="1200" dirty="0">
+                <a:solidFill>
+                  <a:srgbClr val="D4D4D4"/>
+                </a:solidFill>
+                <a:latin typeface="Consolas" panose="020B0609020204030204" pitchFamily="49" charset="0"/>
+              </a:rPr>
+              <a:t> </a:t>
+            </a:r>
+            <a:r>
+              <a:rPr lang="en-US" sz="1200" dirty="0">
+                <a:solidFill>
+                  <a:srgbClr val="569CD6"/>
+                </a:solidFill>
+                <a:latin typeface="Consolas" panose="020B0609020204030204" pitchFamily="49" charset="0"/>
+              </a:rPr>
+              <a:t>static</a:t>
+            </a:r>
+            <a:r>
+              <a:rPr lang="en-US" sz="1200" dirty="0">
+                <a:solidFill>
+                  <a:srgbClr val="D4D4D4"/>
+                </a:solidFill>
+                <a:latin typeface="Consolas" panose="020B0609020204030204" pitchFamily="49" charset="0"/>
+              </a:rPr>
+              <a:t> </a:t>
+            </a:r>
+            <a:r>
+              <a:rPr lang="en-US" sz="1200" dirty="0">
+                <a:solidFill>
+                  <a:srgbClr val="569CD6"/>
+                </a:solidFill>
+                <a:latin typeface="Consolas" panose="020B0609020204030204" pitchFamily="49" charset="0"/>
+              </a:rPr>
+              <a:t>bool</a:t>
+            </a:r>
+            <a:r>
+              <a:rPr lang="en-US" sz="1200" dirty="0">
+                <a:solidFill>
+                  <a:srgbClr val="D4D4D4"/>
+                </a:solidFill>
+                <a:latin typeface="Consolas" panose="020B0609020204030204" pitchFamily="49" charset="0"/>
+              </a:rPr>
+              <a:t> </a:t>
+            </a:r>
+            <a:r>
+              <a:rPr lang="en-US" sz="1200" dirty="0" err="1">
+                <a:solidFill>
+                  <a:srgbClr val="DCDCAA"/>
+                </a:solidFill>
+                <a:latin typeface="Consolas" panose="020B0609020204030204" pitchFamily="49" charset="0"/>
+              </a:rPr>
+              <a:t>HasScope</a:t>
+            </a:r>
+            <a:r>
+              <a:rPr lang="en-US" sz="1200" dirty="0">
+                <a:solidFill>
+                  <a:srgbClr val="D4D4D4"/>
+                </a:solidFill>
+                <a:latin typeface="Consolas" panose="020B0609020204030204" pitchFamily="49" charset="0"/>
+              </a:rPr>
+              <a:t>(</a:t>
+            </a:r>
+            <a:r>
+              <a:rPr lang="en-US" sz="1200" dirty="0">
+                <a:solidFill>
+                  <a:srgbClr val="569CD6"/>
+                </a:solidFill>
+                <a:latin typeface="Consolas" panose="020B0609020204030204" pitchFamily="49" charset="0"/>
+              </a:rPr>
+              <a:t>this</a:t>
+            </a:r>
+            <a:r>
+              <a:rPr lang="en-US" sz="1200" dirty="0">
+                <a:solidFill>
+                  <a:srgbClr val="D4D4D4"/>
+                </a:solidFill>
+                <a:latin typeface="Consolas" panose="020B0609020204030204" pitchFamily="49" charset="0"/>
+              </a:rPr>
+              <a:t> </a:t>
+            </a:r>
+            <a:r>
+              <a:rPr lang="en-US" sz="1200" dirty="0" err="1">
+                <a:solidFill>
+                  <a:srgbClr val="4EC9B0"/>
+                </a:solidFill>
+                <a:latin typeface="Consolas" panose="020B0609020204030204" pitchFamily="49" charset="0"/>
+              </a:rPr>
+              <a:t>ClaimsPrincipal</a:t>
+            </a:r>
+            <a:r>
+              <a:rPr lang="en-US" sz="1200" dirty="0">
+                <a:solidFill>
+                  <a:srgbClr val="D4D4D4"/>
+                </a:solidFill>
+                <a:latin typeface="Consolas" panose="020B0609020204030204" pitchFamily="49" charset="0"/>
+              </a:rPr>
+              <a:t> </a:t>
+            </a:r>
+            <a:r>
+              <a:rPr lang="en-US" sz="1200" dirty="0">
+                <a:solidFill>
+                  <a:srgbClr val="9CDCFE"/>
+                </a:solidFill>
+                <a:latin typeface="Consolas" panose="020B0609020204030204" pitchFamily="49" charset="0"/>
+              </a:rPr>
+              <a:t>user</a:t>
+            </a:r>
+            <a:r>
+              <a:rPr lang="en-US" sz="1200" dirty="0">
+                <a:solidFill>
+                  <a:srgbClr val="D4D4D4"/>
+                </a:solidFill>
+                <a:latin typeface="Consolas" panose="020B0609020204030204" pitchFamily="49" charset="0"/>
+              </a:rPr>
+              <a:t>, </a:t>
+            </a:r>
+            <a:r>
+              <a:rPr lang="en-US" sz="1200" dirty="0">
+                <a:solidFill>
+                  <a:srgbClr val="569CD6"/>
+                </a:solidFill>
+                <a:latin typeface="Consolas" panose="020B0609020204030204" pitchFamily="49" charset="0"/>
+              </a:rPr>
+              <a:t>string</a:t>
+            </a:r>
+            <a:r>
+              <a:rPr lang="en-US" sz="1200" dirty="0">
+                <a:solidFill>
+                  <a:srgbClr val="D4D4D4"/>
+                </a:solidFill>
+                <a:latin typeface="Consolas" panose="020B0609020204030204" pitchFamily="49" charset="0"/>
+              </a:rPr>
+              <a:t> </a:t>
+            </a:r>
+            <a:r>
+              <a:rPr lang="en-US" sz="1200" dirty="0" err="1">
+                <a:solidFill>
+                  <a:srgbClr val="9CDCFE"/>
+                </a:solidFill>
+                <a:latin typeface="Consolas" panose="020B0609020204030204" pitchFamily="49" charset="0"/>
+              </a:rPr>
+              <a:t>scopeName</a:t>
+            </a:r>
+            <a:r>
+              <a:rPr lang="en-US" sz="1200" dirty="0">
+                <a:solidFill>
+                  <a:srgbClr val="D4D4D4"/>
+                </a:solidFill>
+                <a:latin typeface="Consolas" panose="020B0609020204030204" pitchFamily="49" charset="0"/>
+              </a:rPr>
+              <a:t>)</a:t>
+            </a:r>
+          </a:p>
+          <a:p>
+            <a:r>
+              <a:rPr lang="en-US" sz="1200" dirty="0">
+                <a:solidFill>
+                  <a:srgbClr val="D4D4D4"/>
+                </a:solidFill>
+                <a:latin typeface="Consolas" panose="020B0609020204030204" pitchFamily="49" charset="0"/>
+              </a:rPr>
+              <a:t>            =&gt; </a:t>
+            </a:r>
+            <a:r>
+              <a:rPr lang="en-US" sz="1200" dirty="0" err="1">
+                <a:solidFill>
+                  <a:srgbClr val="9CDCFE"/>
+                </a:solidFill>
+                <a:latin typeface="Consolas" panose="020B0609020204030204" pitchFamily="49" charset="0"/>
+              </a:rPr>
+              <a:t>user</a:t>
+            </a:r>
+            <a:r>
+              <a:rPr lang="en-US" sz="1200" dirty="0" err="1">
+                <a:solidFill>
+                  <a:srgbClr val="D4D4D4"/>
+                </a:solidFill>
+                <a:latin typeface="Consolas" panose="020B0609020204030204" pitchFamily="49" charset="0"/>
+              </a:rPr>
+              <a:t>.</a:t>
+            </a:r>
+            <a:r>
+              <a:rPr lang="en-US" sz="1200" dirty="0" err="1">
+                <a:solidFill>
+                  <a:srgbClr val="DCDCAA"/>
+                </a:solidFill>
+                <a:latin typeface="Consolas" panose="020B0609020204030204" pitchFamily="49" charset="0"/>
+              </a:rPr>
+              <a:t>FindFirst</a:t>
+            </a:r>
+            <a:r>
+              <a:rPr lang="en-US" sz="1200" dirty="0">
+                <a:solidFill>
+                  <a:srgbClr val="D4D4D4"/>
+                </a:solidFill>
+                <a:latin typeface="Consolas" panose="020B0609020204030204" pitchFamily="49" charset="0"/>
+              </a:rPr>
+              <a:t>(</a:t>
+            </a:r>
+            <a:r>
+              <a:rPr lang="en-US" sz="1200" dirty="0" err="1">
+                <a:solidFill>
+                  <a:srgbClr val="9CDCFE"/>
+                </a:solidFill>
+                <a:latin typeface="Consolas" panose="020B0609020204030204" pitchFamily="49" charset="0"/>
+              </a:rPr>
+              <a:t>Scopes</a:t>
+            </a:r>
+            <a:r>
+              <a:rPr lang="en-US" sz="1200" dirty="0" err="1">
+                <a:solidFill>
+                  <a:srgbClr val="D4D4D4"/>
+                </a:solidFill>
+                <a:latin typeface="Consolas" panose="020B0609020204030204" pitchFamily="49" charset="0"/>
+              </a:rPr>
+              <a:t>.</a:t>
+            </a:r>
+            <a:r>
+              <a:rPr lang="en-US" sz="1200" dirty="0" err="1">
+                <a:solidFill>
+                  <a:srgbClr val="9CDCFE"/>
+                </a:solidFill>
+                <a:latin typeface="Consolas" panose="020B0609020204030204" pitchFamily="49" charset="0"/>
+              </a:rPr>
+              <a:t>ScopeClaimType</a:t>
+            </a:r>
+            <a:r>
+              <a:rPr lang="en-US" sz="1200" dirty="0">
+                <a:solidFill>
+                  <a:srgbClr val="D4D4D4"/>
+                </a:solidFill>
+                <a:latin typeface="Consolas" panose="020B0609020204030204" pitchFamily="49" charset="0"/>
+              </a:rPr>
+              <a:t>)?.</a:t>
+            </a:r>
+            <a:r>
+              <a:rPr lang="en-US" sz="1200" dirty="0" err="1">
+                <a:solidFill>
+                  <a:srgbClr val="9CDCFE"/>
+                </a:solidFill>
+                <a:latin typeface="Consolas" panose="020B0609020204030204" pitchFamily="49" charset="0"/>
+              </a:rPr>
+              <a:t>Value</a:t>
+            </a:r>
+            <a:r>
+              <a:rPr lang="en-US" sz="1200" dirty="0" err="1">
+                <a:solidFill>
+                  <a:srgbClr val="D4D4D4"/>
+                </a:solidFill>
+                <a:latin typeface="Consolas" panose="020B0609020204030204" pitchFamily="49" charset="0"/>
+              </a:rPr>
+              <a:t>.</a:t>
+            </a:r>
+            <a:r>
+              <a:rPr lang="en-US" sz="1200" dirty="0" err="1">
+                <a:solidFill>
+                  <a:srgbClr val="DCDCAA"/>
+                </a:solidFill>
+                <a:latin typeface="Consolas" panose="020B0609020204030204" pitchFamily="49" charset="0"/>
+              </a:rPr>
+              <a:t>Split</a:t>
+            </a:r>
+            <a:r>
+              <a:rPr lang="en-US" sz="1200" dirty="0">
+                <a:solidFill>
+                  <a:srgbClr val="D4D4D4"/>
+                </a:solidFill>
+                <a:latin typeface="Consolas" panose="020B0609020204030204" pitchFamily="49" charset="0"/>
+              </a:rPr>
+              <a:t>(</a:t>
+            </a:r>
+            <a:r>
+              <a:rPr lang="en-US" sz="1200" dirty="0">
+                <a:solidFill>
+                  <a:srgbClr val="CE9178"/>
+                </a:solidFill>
+                <a:latin typeface="Consolas" panose="020B0609020204030204" pitchFamily="49" charset="0"/>
+              </a:rPr>
+              <a:t>' '</a:t>
+            </a:r>
+            <a:r>
+              <a:rPr lang="en-US" sz="1200" dirty="0">
+                <a:solidFill>
+                  <a:srgbClr val="D4D4D4"/>
+                </a:solidFill>
+                <a:latin typeface="Consolas" panose="020B0609020204030204" pitchFamily="49" charset="0"/>
+              </a:rPr>
+              <a:t>)</a:t>
+            </a:r>
+          </a:p>
+          <a:p>
+            <a:r>
+              <a:rPr lang="en-US" sz="1200" dirty="0">
+                <a:solidFill>
+                  <a:srgbClr val="D4D4D4"/>
+                </a:solidFill>
+                <a:latin typeface="Consolas" panose="020B0609020204030204" pitchFamily="49" charset="0"/>
+              </a:rPr>
+              <a:t>                .</a:t>
+            </a:r>
+            <a:r>
+              <a:rPr lang="en-US" sz="1200" dirty="0">
+                <a:solidFill>
+                  <a:srgbClr val="DCDCAA"/>
+                </a:solidFill>
+                <a:latin typeface="Consolas" panose="020B0609020204030204" pitchFamily="49" charset="0"/>
+              </a:rPr>
+              <a:t>Contains</a:t>
+            </a:r>
+            <a:r>
+              <a:rPr lang="en-US" sz="1200" dirty="0">
+                <a:solidFill>
+                  <a:srgbClr val="D4D4D4"/>
+                </a:solidFill>
+                <a:latin typeface="Consolas" panose="020B0609020204030204" pitchFamily="49" charset="0"/>
+              </a:rPr>
+              <a:t>(</a:t>
+            </a:r>
+            <a:r>
+              <a:rPr lang="en-US" sz="1200" dirty="0" err="1">
+                <a:solidFill>
+                  <a:srgbClr val="9CDCFE"/>
+                </a:solidFill>
+                <a:latin typeface="Consolas" panose="020B0609020204030204" pitchFamily="49" charset="0"/>
+              </a:rPr>
+              <a:t>Scopes</a:t>
+            </a:r>
+            <a:r>
+              <a:rPr lang="en-US" sz="1200" dirty="0" err="1">
+                <a:solidFill>
+                  <a:srgbClr val="D4D4D4"/>
+                </a:solidFill>
+                <a:latin typeface="Consolas" panose="020B0609020204030204" pitchFamily="49" charset="0"/>
+              </a:rPr>
+              <a:t>.</a:t>
+            </a:r>
+            <a:r>
+              <a:rPr lang="en-US" sz="1200" dirty="0" err="1">
+                <a:solidFill>
+                  <a:srgbClr val="9CDCFE"/>
+                </a:solidFill>
+                <a:latin typeface="Consolas" panose="020B0609020204030204" pitchFamily="49" charset="0"/>
+              </a:rPr>
+              <a:t>ReadAccess</a:t>
+            </a:r>
+            <a:r>
+              <a:rPr lang="en-US" sz="1200" dirty="0">
+                <a:solidFill>
+                  <a:srgbClr val="D4D4D4"/>
+                </a:solidFill>
+                <a:latin typeface="Consolas" panose="020B0609020204030204" pitchFamily="49" charset="0"/>
+              </a:rPr>
+              <a:t>) ?? </a:t>
+            </a:r>
+            <a:r>
+              <a:rPr lang="en-US" sz="1200" dirty="0">
+                <a:solidFill>
+                  <a:srgbClr val="569CD6"/>
+                </a:solidFill>
+                <a:latin typeface="Consolas" panose="020B0609020204030204" pitchFamily="49" charset="0"/>
+              </a:rPr>
+              <a:t>false</a:t>
+            </a:r>
+            <a:r>
+              <a:rPr lang="en-US" sz="1200" dirty="0">
+                <a:solidFill>
+                  <a:srgbClr val="D4D4D4"/>
+                </a:solidFill>
+                <a:latin typeface="Consolas" panose="020B0609020204030204" pitchFamily="49" charset="0"/>
+              </a:rPr>
+              <a:t>;</a:t>
+            </a:r>
+          </a:p>
+          <a:p>
+            <a:r>
+              <a:rPr lang="en-US" sz="1200" dirty="0">
+                <a:solidFill>
+                  <a:srgbClr val="D4D4D4"/>
+                </a:solidFill>
+                <a:latin typeface="Consolas" panose="020B0609020204030204" pitchFamily="49" charset="0"/>
+              </a:rPr>
+              <a:t>    }</a:t>
+            </a:r>
+          </a:p>
+          <a:p>
+            <a:r>
+              <a:rPr lang="en-US" sz="1200" dirty="0">
+                <a:solidFill>
+                  <a:srgbClr val="D4D4D4"/>
+                </a:solidFill>
+                <a:latin typeface="Consolas" panose="020B0609020204030204" pitchFamily="49" charset="0"/>
+              </a:rPr>
+              <a:t>}</a:t>
+            </a:r>
+          </a:p>
+        </p:txBody>
+      </p:sp>
+    </p:spTree>
+    <p:extLst>
+      <p:ext uri="{BB962C8B-B14F-4D97-AF65-F5344CB8AC3E}">
+        <p14:creationId xmlns:p14="http://schemas.microsoft.com/office/powerpoint/2010/main" val="2376096222"/>
+      </p:ext>
+    </p:extLst>
+  </p:cSld>
+  <p:clrMapOvr>
+    <a:masterClrMapping/>
+  </p:clrMapOvr>
+  <p:transition>
+    <p:wipe/>
+  </p:transition>
+</p:sld>
+</file>
+
+<file path=ppt/slides/slide65.xml><?xml version="1.0" encoding="utf-8"?>
+<p:sld xmlns:a="http://schemas.openxmlformats.org/drawingml/2006/main" xmlns:r="http://schemas.openxmlformats.org/officeDocument/2006/relationships" xmlns:p="http://schemas.openxmlformats.org/presentationml/2006/main">
+  <p:cSld>
+    <p:spTree>
+      <p:nvGrpSpPr>
+        <p:cNvPr id="1" name=""/>
+        <p:cNvGrpSpPr/>
+        <p:nvPr/>
+      </p:nvGrpSpPr>
+      <p:grpSpPr>
+        <a:xfrm>
+          <a:off x="0" y="0"/>
+          <a:ext cx="0" cy="0"/>
+          <a:chOff x="0" y="0"/>
+          <a:chExt cx="0" cy="0"/>
+        </a:xfrm>
+      </p:grpSpPr>
+      <p:sp>
+        <p:nvSpPr>
+          <p:cNvPr id="2" name="Title 1">
+            <a:extLst>
+              <a:ext uri="{FF2B5EF4-FFF2-40B4-BE49-F238E27FC236}">
+                <a16:creationId xmlns:a16="http://schemas.microsoft.com/office/drawing/2014/main" id="{F37B2E91-C112-4AE8-A06D-8722A321C534}"/>
+              </a:ext>
+            </a:extLst>
+          </p:cNvPr>
+          <p:cNvSpPr>
+            <a:spLocks noGrp="1"/>
+          </p:cNvSpPr>
+          <p:nvPr>
+            <p:ph type="title"/>
+          </p:nvPr>
+        </p:nvSpPr>
+        <p:spPr/>
+        <p:txBody>
+          <a:bodyPr/>
+          <a:lstStyle/>
+          <a:p>
+            <a:r>
+              <a:rPr lang="en-US" dirty="0"/>
+              <a:t>Add Authorization policies</a:t>
+            </a:r>
+          </a:p>
+        </p:txBody>
+      </p:sp>
+      <p:sp>
+        <p:nvSpPr>
+          <p:cNvPr id="3" name="Content Placeholder 2">
+            <a:extLst>
+              <a:ext uri="{FF2B5EF4-FFF2-40B4-BE49-F238E27FC236}">
+                <a16:creationId xmlns:a16="http://schemas.microsoft.com/office/drawing/2014/main" id="{C21D89E5-85DD-4949-BFD3-1A75B0982FA5}"/>
+              </a:ext>
+            </a:extLst>
+          </p:cNvPr>
+          <p:cNvSpPr>
+            <a:spLocks noGrp="1"/>
+          </p:cNvSpPr>
+          <p:nvPr>
+            <p:ph idx="1"/>
+          </p:nvPr>
+        </p:nvSpPr>
+        <p:spPr/>
+        <p:txBody>
+          <a:bodyPr/>
+          <a:lstStyle/>
+          <a:p>
+            <a:pPr marL="285750" indent="-285750">
+              <a:buFont typeface="Arial" panose="020B0604020202020204" pitchFamily="34" charset="0"/>
+              <a:buChar char="•"/>
+            </a:pPr>
+            <a:r>
+              <a:rPr lang="en-US" dirty="0"/>
+              <a:t>Add the policies to dependency injection</a:t>
+            </a:r>
+          </a:p>
+          <a:p>
+            <a:pPr marL="285750" indent="-285750">
+              <a:buFont typeface="Arial" panose="020B0604020202020204" pitchFamily="34" charset="0"/>
+              <a:buChar char="•"/>
+            </a:pPr>
+            <a:endParaRPr lang="en-US" dirty="0"/>
+          </a:p>
+          <a:p>
+            <a:pPr marL="285750" indent="-285750">
+              <a:buFont typeface="Arial" panose="020B0604020202020204" pitchFamily="34" charset="0"/>
+              <a:buChar char="•"/>
+            </a:pPr>
+            <a:endParaRPr lang="en-US" dirty="0"/>
+          </a:p>
+          <a:p>
+            <a:pPr marL="285750" indent="-285750">
+              <a:buFont typeface="Arial" panose="020B0604020202020204" pitchFamily="34" charset="0"/>
+              <a:buChar char="•"/>
+            </a:pPr>
+            <a:endParaRPr lang="en-US" dirty="0"/>
+          </a:p>
+          <a:p>
+            <a:pPr marL="285750" indent="-285750">
+              <a:buFont typeface="Arial" panose="020B0604020202020204" pitchFamily="34" charset="0"/>
+              <a:buChar char="•"/>
+            </a:pPr>
+            <a:endParaRPr lang="en-US" dirty="0"/>
+          </a:p>
+          <a:p>
+            <a:pPr marL="285750" indent="-285750">
+              <a:buFont typeface="Arial" panose="020B0604020202020204" pitchFamily="34" charset="0"/>
+              <a:buChar char="•"/>
+            </a:pPr>
+            <a:r>
+              <a:rPr lang="en-US" dirty="0"/>
+              <a:t>Add the authorization middleware</a:t>
+            </a:r>
+          </a:p>
+          <a:p>
+            <a:pPr marL="285750" indent="-285750">
+              <a:buFont typeface="Arial" panose="020B0604020202020204" pitchFamily="34" charset="0"/>
+              <a:buChar char="•"/>
+            </a:pPr>
+            <a:endParaRPr lang="en-US" dirty="0"/>
+          </a:p>
+          <a:p>
+            <a:pPr marL="285750" indent="-285750">
+              <a:buFont typeface="Arial" panose="020B0604020202020204" pitchFamily="34" charset="0"/>
+              <a:buChar char="•"/>
+            </a:pPr>
+            <a:r>
+              <a:rPr lang="en-US" dirty="0"/>
+              <a:t>Now we apply the policy where we want using the </a:t>
+            </a:r>
+            <a:r>
+              <a:rPr lang="en-US" dirty="0">
+                <a:solidFill>
+                  <a:srgbClr val="4EC9B0"/>
+                </a:solidFill>
+                <a:latin typeface="Consolas" panose="020B0609020204030204" pitchFamily="49" charset="0"/>
+              </a:rPr>
+              <a:t>Authorize</a:t>
+            </a:r>
+            <a:r>
+              <a:rPr lang="en-US" dirty="0">
+                <a:latin typeface="+mn-lt"/>
+              </a:rPr>
+              <a:t> attribute</a:t>
+            </a:r>
+          </a:p>
+          <a:p>
+            <a:pPr marL="820738" lvl="2" indent="-285750"/>
+            <a:r>
+              <a:rPr lang="en-US" dirty="0"/>
+              <a:t>The attribute can be applied to the controller and overridden on any method</a:t>
+            </a:r>
+          </a:p>
+          <a:p>
+            <a:pPr marL="285750" indent="-285750"/>
+            <a:endParaRPr lang="en-US" dirty="0"/>
+          </a:p>
+        </p:txBody>
+      </p:sp>
+      <p:sp>
+        <p:nvSpPr>
+          <p:cNvPr id="4" name="TextBox 3">
+            <a:extLst>
+              <a:ext uri="{FF2B5EF4-FFF2-40B4-BE49-F238E27FC236}">
+                <a16:creationId xmlns:a16="http://schemas.microsoft.com/office/drawing/2014/main" id="{8C3EB057-6252-4A2E-A297-9C56F827D684}"/>
+              </a:ext>
+            </a:extLst>
+          </p:cNvPr>
+          <p:cNvSpPr txBox="1"/>
+          <p:nvPr/>
+        </p:nvSpPr>
+        <p:spPr>
+          <a:xfrm>
+            <a:off x="981222" y="1526345"/>
+            <a:ext cx="7181556" cy="1384995"/>
+          </a:xfrm>
+          <a:prstGeom prst="rect">
+            <a:avLst/>
+          </a:prstGeom>
+          <a:solidFill>
+            <a:srgbClr val="000000"/>
+          </a:solidFill>
+          <a:ln>
+            <a:solidFill>
+              <a:schemeClr val="accent2"/>
+            </a:solidFill>
+          </a:ln>
+        </p:spPr>
+        <p:txBody>
+          <a:bodyPr wrap="square" rtlCol="0">
+            <a:spAutoFit/>
+          </a:bodyPr>
+          <a:lstStyle/>
+          <a:p>
+            <a:r>
+              <a:rPr lang="en-US" sz="1200" dirty="0" err="1">
+                <a:solidFill>
+                  <a:srgbClr val="9CDCFE"/>
+                </a:solidFill>
+                <a:latin typeface="Consolas" panose="020B0609020204030204" pitchFamily="49" charset="0"/>
+              </a:rPr>
+              <a:t>services</a:t>
+            </a:r>
+            <a:r>
+              <a:rPr lang="en-US" sz="1200" dirty="0" err="1">
+                <a:solidFill>
+                  <a:srgbClr val="D4D4D4"/>
+                </a:solidFill>
+                <a:latin typeface="Consolas" panose="020B0609020204030204" pitchFamily="49" charset="0"/>
+              </a:rPr>
+              <a:t>.</a:t>
+            </a:r>
+            <a:r>
+              <a:rPr lang="en-US" sz="1200" dirty="0" err="1">
+                <a:solidFill>
+                  <a:srgbClr val="DCDCAA"/>
+                </a:solidFill>
+                <a:latin typeface="Consolas" panose="020B0609020204030204" pitchFamily="49" charset="0"/>
+              </a:rPr>
+              <a:t>AddAuthorization</a:t>
+            </a:r>
+            <a:r>
+              <a:rPr lang="en-US" sz="1200" dirty="0">
+                <a:solidFill>
+                  <a:srgbClr val="D4D4D4"/>
+                </a:solidFill>
+                <a:latin typeface="Consolas" panose="020B0609020204030204" pitchFamily="49" charset="0"/>
+              </a:rPr>
+              <a:t>(</a:t>
+            </a:r>
+            <a:r>
+              <a:rPr lang="en-US" sz="1200" dirty="0">
+                <a:solidFill>
+                  <a:srgbClr val="9CDCFE"/>
+                </a:solidFill>
+                <a:latin typeface="Consolas" panose="020B0609020204030204" pitchFamily="49" charset="0"/>
+              </a:rPr>
+              <a:t>o</a:t>
+            </a:r>
+            <a:r>
+              <a:rPr lang="en-US" sz="1200" dirty="0">
+                <a:solidFill>
+                  <a:srgbClr val="D4D4D4"/>
+                </a:solidFill>
+                <a:latin typeface="Consolas" panose="020B0609020204030204" pitchFamily="49" charset="0"/>
+              </a:rPr>
+              <a:t> =&gt;</a:t>
+            </a:r>
+          </a:p>
+          <a:p>
+            <a:r>
+              <a:rPr lang="en-US" sz="1200" dirty="0">
+                <a:solidFill>
+                  <a:srgbClr val="D4D4D4"/>
+                </a:solidFill>
+                <a:latin typeface="Consolas" panose="020B0609020204030204" pitchFamily="49" charset="0"/>
+              </a:rPr>
+              <a:t>{</a:t>
+            </a:r>
+          </a:p>
+          <a:p>
+            <a:r>
+              <a:rPr lang="en-US" sz="1200" dirty="0">
+                <a:solidFill>
+                  <a:srgbClr val="D4D4D4"/>
+                </a:solidFill>
+                <a:latin typeface="Consolas" panose="020B0609020204030204" pitchFamily="49" charset="0"/>
+              </a:rPr>
+              <a:t>     </a:t>
+            </a:r>
+            <a:r>
+              <a:rPr lang="en-US" sz="1200" dirty="0" err="1">
+                <a:solidFill>
+                  <a:srgbClr val="9CDCFE"/>
+                </a:solidFill>
+                <a:latin typeface="Consolas" panose="020B0609020204030204" pitchFamily="49" charset="0"/>
+              </a:rPr>
+              <a:t>o</a:t>
+            </a:r>
+            <a:r>
+              <a:rPr lang="en-US" sz="1200" dirty="0" err="1">
+                <a:solidFill>
+                  <a:srgbClr val="D4D4D4"/>
+                </a:solidFill>
+                <a:latin typeface="Consolas" panose="020B0609020204030204" pitchFamily="49" charset="0"/>
+              </a:rPr>
+              <a:t>.</a:t>
+            </a:r>
+            <a:r>
+              <a:rPr lang="en-US" sz="1200" dirty="0" err="1">
+                <a:solidFill>
+                  <a:srgbClr val="DCDCAA"/>
+                </a:solidFill>
+                <a:latin typeface="Consolas" panose="020B0609020204030204" pitchFamily="49" charset="0"/>
+              </a:rPr>
+              <a:t>AddPolicy</a:t>
+            </a:r>
+            <a:r>
+              <a:rPr lang="en-US" sz="1200" dirty="0">
+                <a:solidFill>
+                  <a:srgbClr val="D4D4D4"/>
+                </a:solidFill>
+                <a:latin typeface="Consolas" panose="020B0609020204030204" pitchFamily="49" charset="0"/>
+              </a:rPr>
+              <a:t>(</a:t>
+            </a:r>
+            <a:r>
+              <a:rPr lang="en-US" sz="1200" dirty="0" err="1">
+                <a:solidFill>
+                  <a:srgbClr val="9CDCFE"/>
+                </a:solidFill>
+                <a:latin typeface="Consolas" panose="020B0609020204030204" pitchFamily="49" charset="0"/>
+              </a:rPr>
+              <a:t>Scopes</a:t>
+            </a:r>
+            <a:r>
+              <a:rPr lang="en-US" sz="1200" dirty="0" err="1">
+                <a:solidFill>
+                  <a:srgbClr val="D4D4D4"/>
+                </a:solidFill>
+                <a:latin typeface="Consolas" panose="020B0609020204030204" pitchFamily="49" charset="0"/>
+              </a:rPr>
+              <a:t>.</a:t>
+            </a:r>
+            <a:r>
+              <a:rPr lang="en-US" sz="1200" dirty="0" err="1">
+                <a:solidFill>
+                  <a:srgbClr val="9CDCFE"/>
+                </a:solidFill>
+                <a:latin typeface="Consolas" panose="020B0609020204030204" pitchFamily="49" charset="0"/>
+              </a:rPr>
+              <a:t>ReadAccess</a:t>
+            </a:r>
+            <a:r>
+              <a:rPr lang="en-US" sz="1200" dirty="0">
+                <a:solidFill>
+                  <a:srgbClr val="D4D4D4"/>
+                </a:solidFill>
+                <a:latin typeface="Consolas" panose="020B0609020204030204" pitchFamily="49" charset="0"/>
+              </a:rPr>
+              <a:t>, </a:t>
+            </a:r>
+            <a:r>
+              <a:rPr lang="en-US" sz="1200" dirty="0">
+                <a:solidFill>
+                  <a:srgbClr val="9CDCFE"/>
+                </a:solidFill>
+                <a:latin typeface="Consolas" panose="020B0609020204030204" pitchFamily="49" charset="0"/>
+              </a:rPr>
+              <a:t>builder</a:t>
+            </a:r>
+            <a:r>
+              <a:rPr lang="en-US" sz="1200" dirty="0">
+                <a:solidFill>
+                  <a:srgbClr val="D4D4D4"/>
+                </a:solidFill>
+                <a:latin typeface="Consolas" panose="020B0609020204030204" pitchFamily="49" charset="0"/>
+              </a:rPr>
+              <a:t> =&gt; </a:t>
+            </a:r>
+            <a:r>
+              <a:rPr lang="en-US" sz="1200" dirty="0" err="1">
+                <a:solidFill>
+                  <a:srgbClr val="9CDCFE"/>
+                </a:solidFill>
+                <a:latin typeface="Consolas" panose="020B0609020204030204" pitchFamily="49" charset="0"/>
+              </a:rPr>
+              <a:t>builder</a:t>
+            </a:r>
+            <a:r>
+              <a:rPr lang="en-US" sz="1200" dirty="0" err="1">
+                <a:solidFill>
+                  <a:srgbClr val="D4D4D4"/>
+                </a:solidFill>
+                <a:latin typeface="Consolas" panose="020B0609020204030204" pitchFamily="49" charset="0"/>
+              </a:rPr>
+              <a:t>.</a:t>
+            </a:r>
+            <a:r>
+              <a:rPr lang="en-US" sz="1200" dirty="0" err="1">
+                <a:solidFill>
+                  <a:srgbClr val="DCDCAA"/>
+                </a:solidFill>
+                <a:latin typeface="Consolas" panose="020B0609020204030204" pitchFamily="49" charset="0"/>
+              </a:rPr>
+              <a:t>RequireAssertion</a:t>
+            </a:r>
+            <a:r>
+              <a:rPr lang="en-US" sz="1200" dirty="0">
+                <a:solidFill>
+                  <a:srgbClr val="D4D4D4"/>
+                </a:solidFill>
+                <a:latin typeface="Consolas" panose="020B0609020204030204" pitchFamily="49" charset="0"/>
+              </a:rPr>
+              <a:t>(</a:t>
+            </a:r>
+            <a:r>
+              <a:rPr lang="en-US" sz="1200" dirty="0">
+                <a:solidFill>
+                  <a:srgbClr val="9CDCFE"/>
+                </a:solidFill>
+                <a:latin typeface="Consolas" panose="020B0609020204030204" pitchFamily="49" charset="0"/>
+              </a:rPr>
+              <a:t>context</a:t>
+            </a:r>
+            <a:r>
+              <a:rPr lang="en-US" sz="1200" dirty="0">
+                <a:solidFill>
+                  <a:srgbClr val="D4D4D4"/>
+                </a:solidFill>
+                <a:latin typeface="Consolas" panose="020B0609020204030204" pitchFamily="49" charset="0"/>
+              </a:rPr>
+              <a:t> =&gt;</a:t>
+            </a:r>
+          </a:p>
+          <a:p>
+            <a:r>
+              <a:rPr lang="en-US" sz="1200" dirty="0">
+                <a:solidFill>
+                  <a:srgbClr val="D4D4D4"/>
+                </a:solidFill>
+                <a:latin typeface="Consolas" panose="020B0609020204030204" pitchFamily="49" charset="0"/>
+              </a:rPr>
+              <a:t>         </a:t>
+            </a:r>
+            <a:r>
+              <a:rPr lang="en-US" sz="1200" dirty="0" err="1">
+                <a:solidFill>
+                  <a:srgbClr val="9CDCFE"/>
+                </a:solidFill>
+                <a:latin typeface="Consolas" panose="020B0609020204030204" pitchFamily="49" charset="0"/>
+              </a:rPr>
+              <a:t>context</a:t>
+            </a:r>
+            <a:r>
+              <a:rPr lang="en-US" sz="1200" dirty="0" err="1">
+                <a:solidFill>
+                  <a:srgbClr val="D4D4D4"/>
+                </a:solidFill>
+                <a:latin typeface="Consolas" panose="020B0609020204030204" pitchFamily="49" charset="0"/>
+              </a:rPr>
+              <a:t>.</a:t>
+            </a:r>
+            <a:r>
+              <a:rPr lang="en-US" sz="1200" dirty="0" err="1">
+                <a:solidFill>
+                  <a:srgbClr val="9CDCFE"/>
+                </a:solidFill>
+                <a:latin typeface="Consolas" panose="020B0609020204030204" pitchFamily="49" charset="0"/>
+              </a:rPr>
+              <a:t>User</a:t>
+            </a:r>
+            <a:r>
+              <a:rPr lang="en-US" sz="1200" dirty="0" err="1">
+                <a:solidFill>
+                  <a:srgbClr val="D4D4D4"/>
+                </a:solidFill>
+                <a:latin typeface="Consolas" panose="020B0609020204030204" pitchFamily="49" charset="0"/>
+              </a:rPr>
+              <a:t>.</a:t>
+            </a:r>
+            <a:r>
+              <a:rPr lang="en-US" sz="1200" dirty="0" err="1">
+                <a:solidFill>
+                  <a:srgbClr val="DCDCAA"/>
+                </a:solidFill>
+                <a:latin typeface="Consolas" panose="020B0609020204030204" pitchFamily="49" charset="0"/>
+              </a:rPr>
+              <a:t>HasScope</a:t>
+            </a:r>
+            <a:r>
+              <a:rPr lang="en-US" sz="1200" dirty="0">
+                <a:solidFill>
+                  <a:srgbClr val="D4D4D4"/>
+                </a:solidFill>
+                <a:latin typeface="Consolas" panose="020B0609020204030204" pitchFamily="49" charset="0"/>
+              </a:rPr>
+              <a:t>(</a:t>
+            </a:r>
+            <a:r>
+              <a:rPr lang="en-US" sz="1200" dirty="0" err="1">
+                <a:solidFill>
+                  <a:srgbClr val="9CDCFE"/>
+                </a:solidFill>
+                <a:latin typeface="Consolas" panose="020B0609020204030204" pitchFamily="49" charset="0"/>
+              </a:rPr>
+              <a:t>Scopes</a:t>
+            </a:r>
+            <a:r>
+              <a:rPr lang="en-US" sz="1200" dirty="0" err="1">
+                <a:solidFill>
+                  <a:srgbClr val="D4D4D4"/>
+                </a:solidFill>
+                <a:latin typeface="Consolas" panose="020B0609020204030204" pitchFamily="49" charset="0"/>
+              </a:rPr>
+              <a:t>.</a:t>
+            </a:r>
+            <a:r>
+              <a:rPr lang="en-US" sz="1200" dirty="0" err="1">
+                <a:solidFill>
+                  <a:srgbClr val="9CDCFE"/>
+                </a:solidFill>
+                <a:latin typeface="Consolas" panose="020B0609020204030204" pitchFamily="49" charset="0"/>
+              </a:rPr>
+              <a:t>ReadAccess</a:t>
+            </a:r>
+            <a:r>
+              <a:rPr lang="en-US" sz="1200" dirty="0">
+                <a:solidFill>
+                  <a:srgbClr val="D4D4D4"/>
+                </a:solidFill>
+                <a:latin typeface="Consolas" panose="020B0609020204030204" pitchFamily="49" charset="0"/>
+              </a:rPr>
+              <a:t>)));</a:t>
+            </a:r>
+          </a:p>
+          <a:p>
+            <a:r>
+              <a:rPr lang="en-US" sz="1200" dirty="0">
+                <a:solidFill>
+                  <a:srgbClr val="D4D4D4"/>
+                </a:solidFill>
+                <a:latin typeface="Consolas" panose="020B0609020204030204" pitchFamily="49" charset="0"/>
+              </a:rPr>
+              <a:t>     </a:t>
+            </a:r>
+            <a:r>
+              <a:rPr lang="en-US" sz="1200" dirty="0" err="1">
+                <a:solidFill>
+                  <a:srgbClr val="9CDCFE"/>
+                </a:solidFill>
+                <a:latin typeface="Consolas" panose="020B0609020204030204" pitchFamily="49" charset="0"/>
+              </a:rPr>
+              <a:t>o</a:t>
+            </a:r>
+            <a:r>
+              <a:rPr lang="en-US" sz="1200" dirty="0" err="1">
+                <a:solidFill>
+                  <a:srgbClr val="D4D4D4"/>
+                </a:solidFill>
+                <a:latin typeface="Consolas" panose="020B0609020204030204" pitchFamily="49" charset="0"/>
+              </a:rPr>
+              <a:t>.</a:t>
+            </a:r>
+            <a:r>
+              <a:rPr lang="en-US" sz="1200" dirty="0" err="1">
+                <a:solidFill>
+                  <a:srgbClr val="DCDCAA"/>
+                </a:solidFill>
+                <a:latin typeface="Consolas" panose="020B0609020204030204" pitchFamily="49" charset="0"/>
+              </a:rPr>
+              <a:t>AddPolicy</a:t>
+            </a:r>
+            <a:r>
+              <a:rPr lang="en-US" sz="1200" dirty="0">
+                <a:solidFill>
+                  <a:srgbClr val="D4D4D4"/>
+                </a:solidFill>
+                <a:latin typeface="Consolas" panose="020B0609020204030204" pitchFamily="49" charset="0"/>
+              </a:rPr>
+              <a:t>(</a:t>
+            </a:r>
+            <a:r>
+              <a:rPr lang="en-US" sz="1200" dirty="0" err="1">
+                <a:solidFill>
+                  <a:srgbClr val="9CDCFE"/>
+                </a:solidFill>
+                <a:latin typeface="Consolas" panose="020B0609020204030204" pitchFamily="49" charset="0"/>
+              </a:rPr>
+              <a:t>Scopes</a:t>
+            </a:r>
+            <a:r>
+              <a:rPr lang="en-US" sz="1200" dirty="0" err="1">
+                <a:solidFill>
+                  <a:srgbClr val="D4D4D4"/>
+                </a:solidFill>
+                <a:latin typeface="Consolas" panose="020B0609020204030204" pitchFamily="49" charset="0"/>
+              </a:rPr>
+              <a:t>.</a:t>
+            </a:r>
+            <a:r>
+              <a:rPr lang="en-US" sz="1200" dirty="0" err="1">
+                <a:solidFill>
+                  <a:srgbClr val="9CDCFE"/>
+                </a:solidFill>
+                <a:latin typeface="Consolas" panose="020B0609020204030204" pitchFamily="49" charset="0"/>
+              </a:rPr>
+              <a:t>WriteAccess</a:t>
+            </a:r>
+            <a:r>
+              <a:rPr lang="en-US" sz="1200" dirty="0">
+                <a:solidFill>
+                  <a:srgbClr val="D4D4D4"/>
+                </a:solidFill>
+                <a:latin typeface="Consolas" panose="020B0609020204030204" pitchFamily="49" charset="0"/>
+              </a:rPr>
+              <a:t>, </a:t>
+            </a:r>
+            <a:r>
+              <a:rPr lang="en-US" sz="1200" dirty="0">
+                <a:solidFill>
+                  <a:srgbClr val="9CDCFE"/>
+                </a:solidFill>
+                <a:latin typeface="Consolas" panose="020B0609020204030204" pitchFamily="49" charset="0"/>
+              </a:rPr>
+              <a:t>builder</a:t>
+            </a:r>
+            <a:r>
+              <a:rPr lang="en-US" sz="1200" dirty="0">
+                <a:solidFill>
+                  <a:srgbClr val="D4D4D4"/>
+                </a:solidFill>
+                <a:latin typeface="Consolas" panose="020B0609020204030204" pitchFamily="49" charset="0"/>
+              </a:rPr>
+              <a:t> =&gt; </a:t>
+            </a:r>
+            <a:r>
+              <a:rPr lang="en-US" sz="1200" dirty="0" err="1">
+                <a:solidFill>
+                  <a:srgbClr val="9CDCFE"/>
+                </a:solidFill>
+                <a:latin typeface="Consolas" panose="020B0609020204030204" pitchFamily="49" charset="0"/>
+              </a:rPr>
+              <a:t>builder</a:t>
+            </a:r>
+            <a:r>
+              <a:rPr lang="en-US" sz="1200" dirty="0" err="1">
+                <a:solidFill>
+                  <a:srgbClr val="D4D4D4"/>
+                </a:solidFill>
+                <a:latin typeface="Consolas" panose="020B0609020204030204" pitchFamily="49" charset="0"/>
+              </a:rPr>
+              <a:t>.</a:t>
+            </a:r>
+            <a:r>
+              <a:rPr lang="en-US" sz="1200" dirty="0" err="1">
+                <a:solidFill>
+                  <a:srgbClr val="DCDCAA"/>
+                </a:solidFill>
+                <a:latin typeface="Consolas" panose="020B0609020204030204" pitchFamily="49" charset="0"/>
+              </a:rPr>
+              <a:t>RequireAssertion</a:t>
+            </a:r>
+            <a:r>
+              <a:rPr lang="en-US" sz="1200" dirty="0">
+                <a:solidFill>
+                  <a:srgbClr val="D4D4D4"/>
+                </a:solidFill>
+                <a:latin typeface="Consolas" panose="020B0609020204030204" pitchFamily="49" charset="0"/>
+              </a:rPr>
+              <a:t>(</a:t>
+            </a:r>
+            <a:r>
+              <a:rPr lang="en-US" sz="1200" dirty="0">
+                <a:solidFill>
+                  <a:srgbClr val="9CDCFE"/>
+                </a:solidFill>
+                <a:latin typeface="Consolas" panose="020B0609020204030204" pitchFamily="49" charset="0"/>
+              </a:rPr>
+              <a:t>context</a:t>
+            </a:r>
+            <a:r>
+              <a:rPr lang="en-US" sz="1200" dirty="0">
+                <a:solidFill>
+                  <a:srgbClr val="D4D4D4"/>
+                </a:solidFill>
+                <a:latin typeface="Consolas" panose="020B0609020204030204" pitchFamily="49" charset="0"/>
+              </a:rPr>
+              <a:t> =&gt;</a:t>
+            </a:r>
+          </a:p>
+          <a:p>
+            <a:r>
+              <a:rPr lang="en-US" sz="1200" dirty="0">
+                <a:solidFill>
+                  <a:srgbClr val="D4D4D4"/>
+                </a:solidFill>
+                <a:latin typeface="Consolas" panose="020B0609020204030204" pitchFamily="49" charset="0"/>
+              </a:rPr>
+              <a:t>         </a:t>
+            </a:r>
+            <a:r>
+              <a:rPr lang="en-US" sz="1200" dirty="0" err="1">
+                <a:solidFill>
+                  <a:srgbClr val="9CDCFE"/>
+                </a:solidFill>
+                <a:latin typeface="Consolas" panose="020B0609020204030204" pitchFamily="49" charset="0"/>
+              </a:rPr>
+              <a:t>context</a:t>
+            </a:r>
+            <a:r>
+              <a:rPr lang="en-US" sz="1200" dirty="0" err="1">
+                <a:solidFill>
+                  <a:srgbClr val="D4D4D4"/>
+                </a:solidFill>
+                <a:latin typeface="Consolas" panose="020B0609020204030204" pitchFamily="49" charset="0"/>
+              </a:rPr>
+              <a:t>.</a:t>
+            </a:r>
+            <a:r>
+              <a:rPr lang="en-US" sz="1200" dirty="0" err="1">
+                <a:solidFill>
+                  <a:srgbClr val="9CDCFE"/>
+                </a:solidFill>
+                <a:latin typeface="Consolas" panose="020B0609020204030204" pitchFamily="49" charset="0"/>
+              </a:rPr>
+              <a:t>User</a:t>
+            </a:r>
+            <a:r>
+              <a:rPr lang="en-US" sz="1200" dirty="0" err="1">
+                <a:solidFill>
+                  <a:srgbClr val="D4D4D4"/>
+                </a:solidFill>
+                <a:latin typeface="Consolas" panose="020B0609020204030204" pitchFamily="49" charset="0"/>
+              </a:rPr>
+              <a:t>.</a:t>
+            </a:r>
+            <a:r>
+              <a:rPr lang="en-US" sz="1200" dirty="0" err="1">
+                <a:solidFill>
+                  <a:srgbClr val="DCDCAA"/>
+                </a:solidFill>
+                <a:latin typeface="Consolas" panose="020B0609020204030204" pitchFamily="49" charset="0"/>
+              </a:rPr>
+              <a:t>HasScope</a:t>
+            </a:r>
+            <a:r>
+              <a:rPr lang="en-US" sz="1200" dirty="0">
+                <a:solidFill>
+                  <a:srgbClr val="D4D4D4"/>
+                </a:solidFill>
+                <a:latin typeface="Consolas" panose="020B0609020204030204" pitchFamily="49" charset="0"/>
+              </a:rPr>
+              <a:t>(</a:t>
+            </a:r>
+            <a:r>
+              <a:rPr lang="en-US" sz="1200" dirty="0" err="1">
+                <a:solidFill>
+                  <a:srgbClr val="9CDCFE"/>
+                </a:solidFill>
+                <a:latin typeface="Consolas" panose="020B0609020204030204" pitchFamily="49" charset="0"/>
+              </a:rPr>
+              <a:t>Scopes</a:t>
+            </a:r>
+            <a:r>
+              <a:rPr lang="en-US" sz="1200" dirty="0" err="1">
+                <a:solidFill>
+                  <a:srgbClr val="D4D4D4"/>
+                </a:solidFill>
+                <a:latin typeface="Consolas" panose="020B0609020204030204" pitchFamily="49" charset="0"/>
+              </a:rPr>
+              <a:t>.</a:t>
+            </a:r>
+            <a:r>
+              <a:rPr lang="en-US" sz="1200" dirty="0" err="1">
+                <a:solidFill>
+                  <a:srgbClr val="9CDCFE"/>
+                </a:solidFill>
+                <a:latin typeface="Consolas" panose="020B0609020204030204" pitchFamily="49" charset="0"/>
+              </a:rPr>
+              <a:t>WriteAccess</a:t>
+            </a:r>
+            <a:r>
+              <a:rPr lang="en-US" sz="1200" dirty="0">
+                <a:solidFill>
+                  <a:srgbClr val="D4D4D4"/>
+                </a:solidFill>
+                <a:latin typeface="Consolas" panose="020B0609020204030204" pitchFamily="49" charset="0"/>
+              </a:rPr>
+              <a:t>)));</a:t>
+            </a:r>
+          </a:p>
+          <a:p>
+            <a:r>
+              <a:rPr lang="en-US" sz="1200" dirty="0">
+                <a:solidFill>
+                  <a:srgbClr val="D4D4D4"/>
+                </a:solidFill>
+                <a:latin typeface="Consolas" panose="020B0609020204030204" pitchFamily="49" charset="0"/>
+              </a:rPr>
+              <a:t>});</a:t>
+            </a:r>
+          </a:p>
+        </p:txBody>
+      </p:sp>
+      <p:sp>
+        <p:nvSpPr>
+          <p:cNvPr id="5" name="TextBox 4">
+            <a:extLst>
+              <a:ext uri="{FF2B5EF4-FFF2-40B4-BE49-F238E27FC236}">
+                <a16:creationId xmlns:a16="http://schemas.microsoft.com/office/drawing/2014/main" id="{3E04D35E-2CD0-4360-9E26-FAAF4A6CA8CD}"/>
+              </a:ext>
+            </a:extLst>
+          </p:cNvPr>
+          <p:cNvSpPr txBox="1"/>
+          <p:nvPr/>
+        </p:nvSpPr>
+        <p:spPr>
+          <a:xfrm>
+            <a:off x="981222" y="3398947"/>
+            <a:ext cx="7181556" cy="276999"/>
+          </a:xfrm>
+          <a:prstGeom prst="rect">
+            <a:avLst/>
+          </a:prstGeom>
+          <a:solidFill>
+            <a:srgbClr val="000000"/>
+          </a:solidFill>
+          <a:ln>
+            <a:solidFill>
+              <a:schemeClr val="accent2"/>
+            </a:solidFill>
+          </a:ln>
+        </p:spPr>
+        <p:txBody>
+          <a:bodyPr wrap="square" rtlCol="0">
+            <a:spAutoFit/>
+          </a:bodyPr>
+          <a:lstStyle/>
+          <a:p>
+            <a:r>
+              <a:rPr lang="en-US" sz="1200" dirty="0" err="1">
+                <a:solidFill>
+                  <a:srgbClr val="9CDCFE"/>
+                </a:solidFill>
+                <a:latin typeface="Consolas" panose="020B0609020204030204" pitchFamily="49" charset="0"/>
+              </a:rPr>
+              <a:t>app</a:t>
+            </a:r>
+            <a:r>
+              <a:rPr lang="en-US" sz="1200" dirty="0" err="1">
+                <a:solidFill>
+                  <a:srgbClr val="D4D4D4"/>
+                </a:solidFill>
+                <a:latin typeface="Consolas" panose="020B0609020204030204" pitchFamily="49" charset="0"/>
+              </a:rPr>
+              <a:t>.</a:t>
+            </a:r>
+            <a:r>
+              <a:rPr lang="en-US" sz="1200" dirty="0" err="1">
+                <a:solidFill>
+                  <a:srgbClr val="DCDCAA"/>
+                </a:solidFill>
+                <a:latin typeface="Consolas" panose="020B0609020204030204" pitchFamily="49" charset="0"/>
+              </a:rPr>
+              <a:t>UseAuthorization</a:t>
+            </a:r>
+            <a:r>
+              <a:rPr lang="en-US" sz="1200" dirty="0">
+                <a:solidFill>
+                  <a:srgbClr val="D4D4D4"/>
+                </a:solidFill>
+                <a:latin typeface="Consolas" panose="020B0609020204030204" pitchFamily="49" charset="0"/>
+              </a:rPr>
+              <a:t>();</a:t>
+            </a:r>
+          </a:p>
+        </p:txBody>
+      </p:sp>
+      <p:sp>
+        <p:nvSpPr>
+          <p:cNvPr id="6" name="TextBox 5">
+            <a:extLst>
+              <a:ext uri="{FF2B5EF4-FFF2-40B4-BE49-F238E27FC236}">
+                <a16:creationId xmlns:a16="http://schemas.microsoft.com/office/drawing/2014/main" id="{FEF4D027-C835-48C1-96B3-16F830AD5933}"/>
+              </a:ext>
+            </a:extLst>
+          </p:cNvPr>
+          <p:cNvSpPr txBox="1"/>
+          <p:nvPr/>
+        </p:nvSpPr>
+        <p:spPr>
+          <a:xfrm>
+            <a:off x="981222" y="4400844"/>
+            <a:ext cx="7181556" cy="276999"/>
+          </a:xfrm>
+          <a:prstGeom prst="rect">
+            <a:avLst/>
+          </a:prstGeom>
+          <a:solidFill>
+            <a:srgbClr val="000000"/>
+          </a:solidFill>
+          <a:ln>
+            <a:solidFill>
+              <a:schemeClr val="accent2"/>
+            </a:solidFill>
+          </a:ln>
+        </p:spPr>
+        <p:txBody>
+          <a:bodyPr wrap="square" rtlCol="0">
+            <a:spAutoFit/>
+          </a:bodyPr>
+          <a:lstStyle/>
+          <a:p>
+            <a:r>
+              <a:rPr lang="en-US" sz="1200" dirty="0">
+                <a:solidFill>
+                  <a:srgbClr val="D4D4D4"/>
+                </a:solidFill>
+                <a:latin typeface="Consolas" panose="020B0609020204030204" pitchFamily="49" charset="0"/>
+              </a:rPr>
+              <a:t>[</a:t>
+            </a:r>
+            <a:r>
+              <a:rPr lang="en-US" sz="1200" dirty="0">
+                <a:solidFill>
+                  <a:srgbClr val="4EC9B0"/>
+                </a:solidFill>
+                <a:latin typeface="Consolas" panose="020B0609020204030204" pitchFamily="49" charset="0"/>
+              </a:rPr>
+              <a:t>Authorize</a:t>
+            </a:r>
+            <a:r>
+              <a:rPr lang="en-US" sz="1200" dirty="0">
+                <a:solidFill>
+                  <a:srgbClr val="D4D4D4"/>
+                </a:solidFill>
+                <a:latin typeface="Consolas" panose="020B0609020204030204" pitchFamily="49" charset="0"/>
+              </a:rPr>
+              <a:t>(</a:t>
+            </a:r>
+            <a:r>
+              <a:rPr lang="en-US" sz="1200" dirty="0" err="1">
+                <a:solidFill>
+                  <a:srgbClr val="9CDCFE"/>
+                </a:solidFill>
+                <a:latin typeface="Consolas" panose="020B0609020204030204" pitchFamily="49" charset="0"/>
+              </a:rPr>
+              <a:t>Scopes</a:t>
+            </a:r>
+            <a:r>
+              <a:rPr lang="en-US" sz="1200" dirty="0" err="1">
+                <a:solidFill>
+                  <a:srgbClr val="D4D4D4"/>
+                </a:solidFill>
+                <a:latin typeface="Consolas" panose="020B0609020204030204" pitchFamily="49" charset="0"/>
+              </a:rPr>
+              <a:t>.</a:t>
+            </a:r>
+            <a:r>
+              <a:rPr lang="en-US" sz="1200" dirty="0" err="1">
+                <a:solidFill>
+                  <a:srgbClr val="9CDCFE"/>
+                </a:solidFill>
+                <a:latin typeface="Consolas" panose="020B0609020204030204" pitchFamily="49" charset="0"/>
+              </a:rPr>
+              <a:t>ReadAccess</a:t>
+            </a:r>
+            <a:r>
+              <a:rPr lang="en-US" sz="1200" dirty="0">
+                <a:solidFill>
+                  <a:srgbClr val="D4D4D4"/>
+                </a:solidFill>
+                <a:latin typeface="Consolas" panose="020B0609020204030204" pitchFamily="49" charset="0"/>
+              </a:rPr>
+              <a:t>)]</a:t>
+            </a:r>
+          </a:p>
+        </p:txBody>
+      </p:sp>
+    </p:spTree>
+    <p:extLst>
+      <p:ext uri="{BB962C8B-B14F-4D97-AF65-F5344CB8AC3E}">
+        <p14:creationId xmlns:p14="http://schemas.microsoft.com/office/powerpoint/2010/main" val="3012618448"/>
+      </p:ext>
+    </p:extLst>
+  </p:cSld>
+  <p:clrMapOvr>
+    <a:masterClrMapping/>
+  </p:clrMapOvr>
+  <p:transition>
+    <p:wipe/>
+  </p:transition>
+</p:sld>
+</file>
+
+<file path=ppt/slides/slide66.xml><?xml version="1.0" encoding="utf-8"?>
+<p:sld xmlns:a="http://schemas.openxmlformats.org/drawingml/2006/main" xmlns:r="http://schemas.openxmlformats.org/officeDocument/2006/relationships" xmlns:p="http://schemas.openxmlformats.org/presentationml/2006/main">
+  <p:cSld>
+    <p:spTree>
+      <p:nvGrpSpPr>
+        <p:cNvPr id="1" name=""/>
+        <p:cNvGrpSpPr/>
+        <p:nvPr/>
+      </p:nvGrpSpPr>
+      <p:grpSpPr>
+        <a:xfrm>
+          <a:off x="0" y="0"/>
+          <a:ext cx="0" cy="0"/>
+          <a:chOff x="0" y="0"/>
+          <a:chExt cx="0" cy="0"/>
+        </a:xfrm>
+      </p:grpSpPr>
+      <p:sp>
+        <p:nvSpPr>
+          <p:cNvPr id="2" name="Title 1">
+            <a:extLst>
+              <a:ext uri="{FF2B5EF4-FFF2-40B4-BE49-F238E27FC236}">
+                <a16:creationId xmlns:a16="http://schemas.microsoft.com/office/drawing/2014/main" id="{D6A9F1AE-6182-4EE4-B49D-9BCB748714E8}"/>
+              </a:ext>
+            </a:extLst>
+          </p:cNvPr>
+          <p:cNvSpPr>
+            <a:spLocks noGrp="1"/>
+          </p:cNvSpPr>
+          <p:nvPr>
+            <p:ph type="title"/>
+          </p:nvPr>
+        </p:nvSpPr>
+        <p:spPr/>
+        <p:txBody>
+          <a:bodyPr/>
+          <a:lstStyle/>
+          <a:p>
+            <a:r>
+              <a:rPr lang="en-US" dirty="0"/>
+              <a:t>Authentication now works!</a:t>
+            </a:r>
+          </a:p>
+        </p:txBody>
+      </p:sp>
+      <p:sp>
+        <p:nvSpPr>
+          <p:cNvPr id="3" name="Content Placeholder 2">
+            <a:extLst>
+              <a:ext uri="{FF2B5EF4-FFF2-40B4-BE49-F238E27FC236}">
+                <a16:creationId xmlns:a16="http://schemas.microsoft.com/office/drawing/2014/main" id="{9132F73E-22AD-406C-B623-7AE723A81729}"/>
+              </a:ext>
+            </a:extLst>
+          </p:cNvPr>
+          <p:cNvSpPr>
+            <a:spLocks noGrp="1"/>
+          </p:cNvSpPr>
+          <p:nvPr>
+            <p:ph idx="1"/>
+          </p:nvPr>
+        </p:nvSpPr>
+        <p:spPr/>
+        <p:txBody>
+          <a:bodyPr/>
+          <a:lstStyle/>
+          <a:p>
+            <a:pPr marL="285750" indent="-285750">
+              <a:buFont typeface="Arial" panose="020B0604020202020204" pitchFamily="34" charset="0"/>
+              <a:buChar char="•"/>
+            </a:pPr>
+            <a:r>
+              <a:rPr lang="en-US" dirty="0"/>
+              <a:t>Great, any method we try now returns a 401!</a:t>
+            </a:r>
+          </a:p>
+          <a:p>
+            <a:pPr marL="820738" lvl="2" indent="-285750"/>
+            <a:r>
+              <a:rPr lang="en-US" dirty="0"/>
+              <a:t>… but now our Swagger UI is useless </a:t>
+            </a:r>
+            <a:r>
+              <a:rPr lang="en-US" dirty="0">
+                <a:sym typeface="Wingdings" panose="05000000000000000000" pitchFamily="2" charset="2"/>
+              </a:rPr>
+              <a:t></a:t>
+            </a:r>
+          </a:p>
+          <a:p>
+            <a:pPr marL="820738" lvl="2" indent="-285750"/>
+            <a:endParaRPr lang="en-US" dirty="0">
+              <a:sym typeface="Wingdings" panose="05000000000000000000" pitchFamily="2" charset="2"/>
+            </a:endParaRPr>
+          </a:p>
+          <a:p>
+            <a:pPr marL="285750" indent="-285750">
+              <a:buFont typeface="Arial" panose="020B0604020202020204" pitchFamily="34" charset="0"/>
+              <a:buChar char="•"/>
+            </a:pPr>
+            <a:r>
+              <a:rPr lang="en-US" dirty="0">
+                <a:sym typeface="Wingdings" panose="05000000000000000000" pitchFamily="2" charset="2"/>
+              </a:rPr>
+              <a:t>We still have to </a:t>
+            </a:r>
+          </a:p>
+          <a:p>
+            <a:pPr marL="820738" lvl="2" indent="-285750"/>
+            <a:r>
+              <a:rPr lang="en-US" dirty="0">
+                <a:sym typeface="Wingdings" panose="05000000000000000000" pitchFamily="2" charset="2"/>
+              </a:rPr>
+              <a:t>tell Swagger about our authentication requirements </a:t>
+            </a:r>
+          </a:p>
+          <a:p>
+            <a:pPr marL="820738" lvl="2" indent="-285750"/>
+            <a:r>
+              <a:rPr lang="en-US" dirty="0">
+                <a:sym typeface="Wingdings" panose="05000000000000000000" pitchFamily="2" charset="2"/>
+              </a:rPr>
+              <a:t>and tell Swagger UI where to get it’s tokens</a:t>
+            </a:r>
+          </a:p>
+          <a:p>
+            <a:pPr marL="820738" lvl="2" indent="-285750"/>
+            <a:r>
+              <a:rPr lang="en-US" dirty="0">
+                <a:sym typeface="Wingdings" panose="05000000000000000000" pitchFamily="2" charset="2"/>
+              </a:rPr>
+              <a:t>… easy </a:t>
+            </a:r>
+          </a:p>
+          <a:p>
+            <a:pPr marL="285750" indent="-285750">
+              <a:buFont typeface="Arial" panose="020B0604020202020204" pitchFamily="34" charset="0"/>
+              <a:buChar char="•"/>
+            </a:pPr>
+            <a:endParaRPr lang="en-US" dirty="0"/>
+          </a:p>
+        </p:txBody>
+      </p:sp>
+    </p:spTree>
+    <p:extLst>
+      <p:ext uri="{BB962C8B-B14F-4D97-AF65-F5344CB8AC3E}">
+        <p14:creationId xmlns:p14="http://schemas.microsoft.com/office/powerpoint/2010/main" val="14367344"/>
+      </p:ext>
+    </p:extLst>
+  </p:cSld>
+  <p:clrMapOvr>
+    <a:masterClrMapping/>
+  </p:clrMapOvr>
+  <p:transition>
+    <p:wipe/>
+  </p:transition>
+</p:sld>
+</file>
+
+<file path=ppt/slides/slide67.xml><?xml version="1.0" encoding="utf-8"?>
+<p:sld xmlns:a="http://schemas.openxmlformats.org/drawingml/2006/main" xmlns:r="http://schemas.openxmlformats.org/officeDocument/2006/relationships" xmlns:p="http://schemas.openxmlformats.org/presentationml/2006/main">
+  <p:cSld>
+    <p:spTree>
+      <p:nvGrpSpPr>
+        <p:cNvPr id="1" name=""/>
+        <p:cNvGrpSpPr/>
+        <p:nvPr/>
+      </p:nvGrpSpPr>
+      <p:grpSpPr>
+        <a:xfrm>
+          <a:off x="0" y="0"/>
+          <a:ext cx="0" cy="0"/>
+          <a:chOff x="0" y="0"/>
+          <a:chExt cx="0" cy="0"/>
+        </a:xfrm>
+      </p:grpSpPr>
+      <p:sp>
+        <p:nvSpPr>
+          <p:cNvPr id="2" name="Title 1">
+            <a:extLst>
+              <a:ext uri="{FF2B5EF4-FFF2-40B4-BE49-F238E27FC236}">
+                <a16:creationId xmlns:a16="http://schemas.microsoft.com/office/drawing/2014/main" id="{58999162-A53E-4C51-844F-2BACD8092171}"/>
+              </a:ext>
+            </a:extLst>
+          </p:cNvPr>
+          <p:cNvSpPr>
+            <a:spLocks noGrp="1"/>
+          </p:cNvSpPr>
+          <p:nvPr>
+            <p:ph type="title"/>
+          </p:nvPr>
+        </p:nvSpPr>
+        <p:spPr/>
+        <p:txBody>
+          <a:bodyPr/>
+          <a:lstStyle/>
+          <a:p>
+            <a:r>
+              <a:rPr lang="en-US" dirty="0"/>
+              <a:t>Adding scope requirements to Swagger</a:t>
+            </a:r>
+          </a:p>
+        </p:txBody>
+      </p:sp>
+      <p:sp>
+        <p:nvSpPr>
+          <p:cNvPr id="3" name="Content Placeholder 2">
+            <a:extLst>
+              <a:ext uri="{FF2B5EF4-FFF2-40B4-BE49-F238E27FC236}">
+                <a16:creationId xmlns:a16="http://schemas.microsoft.com/office/drawing/2014/main" id="{0082B2D9-BD48-4D8F-905C-226AB580A93D}"/>
+              </a:ext>
+            </a:extLst>
+          </p:cNvPr>
+          <p:cNvSpPr>
+            <a:spLocks noGrp="1"/>
+          </p:cNvSpPr>
+          <p:nvPr>
+            <p:ph idx="1"/>
+          </p:nvPr>
+        </p:nvSpPr>
+        <p:spPr/>
+        <p:txBody>
+          <a:bodyPr/>
+          <a:lstStyle/>
+          <a:p>
+            <a:pPr marL="285750" indent="-285750">
+              <a:buFont typeface="Arial" panose="020B0604020202020204" pitchFamily="34" charset="0"/>
+              <a:buChar char="•"/>
+            </a:pPr>
+            <a:r>
+              <a:rPr lang="en-US" dirty="0"/>
+              <a:t>For this we use an </a:t>
+            </a:r>
+            <a:r>
+              <a:rPr lang="en-US" dirty="0" err="1">
+                <a:solidFill>
+                  <a:srgbClr val="4EC9B0"/>
+                </a:solidFill>
+                <a:latin typeface="Consolas" panose="020B0609020204030204" pitchFamily="49" charset="0"/>
+              </a:rPr>
+              <a:t>IOperationFilter</a:t>
+            </a:r>
+            <a:endParaRPr lang="en-US" dirty="0">
+              <a:solidFill>
+                <a:srgbClr val="4EC9B0"/>
+              </a:solidFill>
+              <a:latin typeface="Consolas" panose="020B0609020204030204" pitchFamily="49" charset="0"/>
+            </a:endParaRPr>
+          </a:p>
+          <a:p>
+            <a:pPr marL="820738" lvl="2" indent="-285750"/>
+            <a:r>
+              <a:rPr lang="en-US" dirty="0">
+                <a:latin typeface="+mn-lt"/>
+              </a:rPr>
+              <a:t>Copy over the </a:t>
+            </a:r>
+            <a:r>
+              <a:rPr lang="en-US" dirty="0" err="1">
+                <a:solidFill>
+                  <a:srgbClr val="4EC9B0"/>
+                </a:solidFill>
+                <a:latin typeface="Consolas" panose="020B0609020204030204" pitchFamily="49" charset="0"/>
+              </a:rPr>
+              <a:t>SecurityRequirementsOperationFilter</a:t>
+            </a:r>
+            <a:r>
+              <a:rPr lang="en-US" dirty="0">
+                <a:latin typeface="+mn-lt"/>
+              </a:rPr>
+              <a:t> class from the “After” folder</a:t>
+            </a:r>
+          </a:p>
+          <a:p>
+            <a:pPr marL="285750" indent="-285750">
+              <a:buFont typeface="Arial" panose="020B0604020202020204" pitchFamily="34" charset="0"/>
+              <a:buChar char="•"/>
+            </a:pPr>
+            <a:r>
+              <a:rPr lang="en-US" dirty="0">
+                <a:latin typeface="+mn-lt"/>
+              </a:rPr>
+              <a:t>We then add the new filter to the </a:t>
+            </a:r>
+            <a:r>
+              <a:rPr lang="en-US" dirty="0" err="1">
+                <a:latin typeface="+mn-lt"/>
+              </a:rPr>
+              <a:t>SwaggerGen</a:t>
+            </a:r>
+            <a:r>
+              <a:rPr lang="en-US" dirty="0">
+                <a:latin typeface="+mn-lt"/>
+              </a:rPr>
+              <a:t> registration from earlier</a:t>
+            </a:r>
+          </a:p>
+          <a:p>
+            <a:pPr marL="285750" indent="-285750">
+              <a:buFont typeface="Arial" panose="020B0604020202020204" pitchFamily="34" charset="0"/>
+              <a:buChar char="•"/>
+            </a:pPr>
+            <a:endParaRPr lang="en-US" dirty="0">
+              <a:latin typeface="+mn-lt"/>
+            </a:endParaRPr>
+          </a:p>
+          <a:p>
+            <a:pPr marL="285750" indent="-285750">
+              <a:buFont typeface="Arial" panose="020B0604020202020204" pitchFamily="34" charset="0"/>
+              <a:buChar char="•"/>
+            </a:pPr>
+            <a:endParaRPr lang="en-US" dirty="0"/>
+          </a:p>
+        </p:txBody>
+      </p:sp>
+      <p:sp>
+        <p:nvSpPr>
+          <p:cNvPr id="4" name="TextBox 3">
+            <a:extLst>
+              <a:ext uri="{FF2B5EF4-FFF2-40B4-BE49-F238E27FC236}">
+                <a16:creationId xmlns:a16="http://schemas.microsoft.com/office/drawing/2014/main" id="{2A36EC65-2F99-49F3-9E15-74C10CCBB1EC}"/>
+              </a:ext>
+            </a:extLst>
+          </p:cNvPr>
+          <p:cNvSpPr txBox="1"/>
+          <p:nvPr/>
+        </p:nvSpPr>
+        <p:spPr>
+          <a:xfrm>
+            <a:off x="784274" y="2493498"/>
+            <a:ext cx="7575452" cy="1384995"/>
+          </a:xfrm>
+          <a:prstGeom prst="rect">
+            <a:avLst/>
+          </a:prstGeom>
+          <a:solidFill>
+            <a:srgbClr val="000000"/>
+          </a:solidFill>
+          <a:ln>
+            <a:solidFill>
+              <a:schemeClr val="accent2"/>
+            </a:solidFill>
+          </a:ln>
+        </p:spPr>
+        <p:txBody>
+          <a:bodyPr wrap="square" rtlCol="0">
+            <a:spAutoFit/>
+          </a:bodyPr>
+          <a:lstStyle/>
+          <a:p>
+            <a:r>
+              <a:rPr lang="en-US" sz="1400" dirty="0" err="1">
+                <a:solidFill>
+                  <a:srgbClr val="9CDCFE"/>
+                </a:solidFill>
+                <a:latin typeface="Consolas" panose="020B0609020204030204" pitchFamily="49" charset="0"/>
+              </a:rPr>
+              <a:t>services</a:t>
+            </a:r>
+            <a:r>
+              <a:rPr lang="en-US" sz="1400" dirty="0" err="1">
+                <a:solidFill>
+                  <a:srgbClr val="D4D4D4"/>
+                </a:solidFill>
+                <a:latin typeface="Consolas" panose="020B0609020204030204" pitchFamily="49" charset="0"/>
+              </a:rPr>
+              <a:t>.</a:t>
+            </a:r>
+            <a:r>
+              <a:rPr lang="en-US" sz="1400" dirty="0" err="1">
+                <a:solidFill>
+                  <a:srgbClr val="DCDCAA"/>
+                </a:solidFill>
+                <a:latin typeface="Consolas" panose="020B0609020204030204" pitchFamily="49" charset="0"/>
+              </a:rPr>
+              <a:t>AddSwaggerGen</a:t>
+            </a:r>
+            <a:r>
+              <a:rPr lang="en-US" sz="1400" dirty="0">
+                <a:solidFill>
+                  <a:srgbClr val="D4D4D4"/>
+                </a:solidFill>
+                <a:latin typeface="Consolas" panose="020B0609020204030204" pitchFamily="49" charset="0"/>
+              </a:rPr>
+              <a:t>(</a:t>
+            </a:r>
+            <a:r>
+              <a:rPr lang="en-US" sz="1400" dirty="0">
+                <a:solidFill>
+                  <a:srgbClr val="9CDCFE"/>
+                </a:solidFill>
+                <a:latin typeface="Consolas" panose="020B0609020204030204" pitchFamily="49" charset="0"/>
+              </a:rPr>
+              <a:t>c</a:t>
+            </a:r>
+            <a:r>
+              <a:rPr lang="en-US" sz="1400" dirty="0">
+                <a:solidFill>
+                  <a:srgbClr val="D4D4D4"/>
+                </a:solidFill>
+                <a:latin typeface="Consolas" panose="020B0609020204030204" pitchFamily="49" charset="0"/>
+              </a:rPr>
+              <a:t> =&gt; </a:t>
+            </a:r>
+          </a:p>
+          <a:p>
+            <a:r>
+              <a:rPr lang="en-US" sz="1400" dirty="0">
+                <a:solidFill>
+                  <a:srgbClr val="D4D4D4"/>
+                </a:solidFill>
+                <a:latin typeface="Consolas" panose="020B0609020204030204" pitchFamily="49" charset="0"/>
+              </a:rPr>
+              <a:t>{</a:t>
+            </a:r>
+          </a:p>
+          <a:p>
+            <a:r>
+              <a:rPr lang="en-US" sz="1400" dirty="0">
+                <a:solidFill>
+                  <a:srgbClr val="9CDCFE"/>
+                </a:solidFill>
+                <a:latin typeface="Consolas" panose="020B0609020204030204" pitchFamily="49" charset="0"/>
+              </a:rPr>
+              <a:t>    </a:t>
+            </a:r>
+            <a:r>
+              <a:rPr lang="en-US" sz="1400" dirty="0" err="1">
+                <a:solidFill>
+                  <a:srgbClr val="9CDCFE"/>
+                </a:solidFill>
+                <a:latin typeface="Consolas" panose="020B0609020204030204" pitchFamily="49" charset="0"/>
+              </a:rPr>
+              <a:t>c</a:t>
+            </a:r>
+            <a:r>
+              <a:rPr lang="en-US" sz="1400" dirty="0" err="1">
+                <a:solidFill>
+                  <a:srgbClr val="D4D4D4"/>
+                </a:solidFill>
+                <a:latin typeface="Consolas" panose="020B0609020204030204" pitchFamily="49" charset="0"/>
+              </a:rPr>
+              <a:t>.</a:t>
+            </a:r>
+            <a:r>
+              <a:rPr lang="en-US" sz="1400" dirty="0" err="1">
+                <a:solidFill>
+                  <a:srgbClr val="DCDCAA"/>
+                </a:solidFill>
+                <a:latin typeface="Consolas" panose="020B0609020204030204" pitchFamily="49" charset="0"/>
+              </a:rPr>
+              <a:t>SwaggerDoc</a:t>
+            </a:r>
+            <a:r>
+              <a:rPr lang="en-US" sz="1400" dirty="0">
+                <a:solidFill>
+                  <a:srgbClr val="D4D4D4"/>
+                </a:solidFill>
+                <a:latin typeface="Consolas" panose="020B0609020204030204" pitchFamily="49" charset="0"/>
+              </a:rPr>
+              <a:t>(</a:t>
+            </a:r>
+            <a:r>
+              <a:rPr lang="en-US" sz="1400" dirty="0">
+                <a:solidFill>
+                  <a:srgbClr val="CE9178"/>
+                </a:solidFill>
+                <a:latin typeface="Consolas" panose="020B0609020204030204" pitchFamily="49" charset="0"/>
+              </a:rPr>
+              <a:t>"v1.0"</a:t>
+            </a:r>
+            <a:r>
+              <a:rPr lang="en-US" sz="1400" dirty="0">
+                <a:solidFill>
+                  <a:srgbClr val="D4D4D4"/>
+                </a:solidFill>
+                <a:latin typeface="Consolas" panose="020B0609020204030204" pitchFamily="49" charset="0"/>
+              </a:rPr>
+              <a:t>, </a:t>
+            </a:r>
+            <a:r>
+              <a:rPr lang="en-US" sz="1400" dirty="0">
+                <a:solidFill>
+                  <a:srgbClr val="569CD6"/>
+                </a:solidFill>
+                <a:latin typeface="Consolas" panose="020B0609020204030204" pitchFamily="49" charset="0"/>
+              </a:rPr>
+              <a:t>new</a:t>
+            </a:r>
+            <a:r>
+              <a:rPr lang="en-US" sz="1400" dirty="0">
+                <a:solidFill>
+                  <a:srgbClr val="D4D4D4"/>
+                </a:solidFill>
+                <a:latin typeface="Consolas" panose="020B0609020204030204" pitchFamily="49" charset="0"/>
+              </a:rPr>
+              <a:t> </a:t>
+            </a:r>
+            <a:r>
+              <a:rPr lang="en-US" sz="1400" dirty="0" err="1">
+                <a:solidFill>
+                  <a:srgbClr val="4EC9B0"/>
+                </a:solidFill>
+                <a:latin typeface="Consolas" panose="020B0609020204030204" pitchFamily="49" charset="0"/>
+              </a:rPr>
+              <a:t>OpenApiInfo</a:t>
+            </a:r>
+            <a:r>
+              <a:rPr lang="en-US" sz="1400" dirty="0">
+                <a:solidFill>
+                  <a:srgbClr val="D4D4D4"/>
+                </a:solidFill>
+                <a:latin typeface="Consolas" panose="020B0609020204030204" pitchFamily="49" charset="0"/>
+              </a:rPr>
+              <a:t> { </a:t>
+            </a:r>
+            <a:r>
+              <a:rPr lang="en-US" sz="1400" dirty="0">
+                <a:solidFill>
+                  <a:srgbClr val="9CDCFE"/>
+                </a:solidFill>
+                <a:latin typeface="Consolas" panose="020B0609020204030204" pitchFamily="49" charset="0"/>
+              </a:rPr>
+              <a:t>Title</a:t>
+            </a:r>
+            <a:r>
+              <a:rPr lang="en-US" sz="1400" dirty="0">
+                <a:solidFill>
+                  <a:srgbClr val="D4D4D4"/>
+                </a:solidFill>
+                <a:latin typeface="Consolas" panose="020B0609020204030204" pitchFamily="49" charset="0"/>
+              </a:rPr>
+              <a:t> =</a:t>
+            </a:r>
+          </a:p>
+          <a:p>
+            <a:r>
+              <a:rPr lang="en-US" sz="1400" dirty="0">
+                <a:solidFill>
+                  <a:srgbClr val="D4D4D4"/>
+                </a:solidFill>
+                <a:latin typeface="Consolas" panose="020B0609020204030204" pitchFamily="49" charset="0"/>
+              </a:rPr>
+              <a:t>        </a:t>
+            </a:r>
+            <a:r>
+              <a:rPr lang="en-US" sz="1400" dirty="0">
+                <a:solidFill>
+                  <a:srgbClr val="CE9178"/>
+                </a:solidFill>
+                <a:latin typeface="Consolas" panose="020B0609020204030204" pitchFamily="49" charset="0"/>
+              </a:rPr>
+              <a:t>"</a:t>
+            </a:r>
+            <a:r>
+              <a:rPr lang="en-US" sz="1400" dirty="0" err="1">
+                <a:solidFill>
+                  <a:srgbClr val="CE9178"/>
+                </a:solidFill>
+                <a:latin typeface="Consolas" panose="020B0609020204030204" pitchFamily="49" charset="0"/>
+              </a:rPr>
+              <a:t>DevCruise</a:t>
+            </a:r>
+            <a:r>
+              <a:rPr lang="en-US" sz="1400" dirty="0">
+                <a:solidFill>
+                  <a:srgbClr val="CE9178"/>
+                </a:solidFill>
+                <a:latin typeface="Consolas" panose="020B0609020204030204" pitchFamily="49" charset="0"/>
+              </a:rPr>
+              <a:t> API Documentation"</a:t>
+            </a:r>
+            <a:r>
+              <a:rPr lang="en-US" sz="1400" dirty="0">
+                <a:solidFill>
+                  <a:srgbClr val="D4D4D4"/>
+                </a:solidFill>
+                <a:latin typeface="Consolas" panose="020B0609020204030204" pitchFamily="49" charset="0"/>
+              </a:rPr>
+              <a:t>, </a:t>
+            </a:r>
+            <a:r>
+              <a:rPr lang="en-US" sz="1400" dirty="0">
+                <a:solidFill>
+                  <a:srgbClr val="9CDCFE"/>
+                </a:solidFill>
+                <a:latin typeface="Consolas" panose="020B0609020204030204" pitchFamily="49" charset="0"/>
+              </a:rPr>
+              <a:t>Version</a:t>
+            </a:r>
+            <a:r>
+              <a:rPr lang="en-US" sz="1400" dirty="0">
+                <a:solidFill>
+                  <a:srgbClr val="D4D4D4"/>
+                </a:solidFill>
+                <a:latin typeface="Consolas" panose="020B0609020204030204" pitchFamily="49" charset="0"/>
+              </a:rPr>
+              <a:t> = </a:t>
+            </a:r>
+            <a:r>
+              <a:rPr lang="en-US" sz="1400" dirty="0">
+                <a:solidFill>
+                  <a:srgbClr val="CE9178"/>
+                </a:solidFill>
+                <a:latin typeface="Consolas" panose="020B0609020204030204" pitchFamily="49" charset="0"/>
+              </a:rPr>
+              <a:t>"1.0"</a:t>
+            </a:r>
+            <a:r>
+              <a:rPr lang="en-US" sz="1400" dirty="0">
+                <a:solidFill>
+                  <a:srgbClr val="D4D4D4"/>
+                </a:solidFill>
+                <a:latin typeface="Consolas" panose="020B0609020204030204" pitchFamily="49" charset="0"/>
+              </a:rPr>
+              <a:t> });</a:t>
+            </a:r>
+          </a:p>
+          <a:p>
+            <a:r>
+              <a:rPr lang="en-US" sz="1400" dirty="0">
+                <a:solidFill>
+                  <a:srgbClr val="D4D4D4"/>
+                </a:solidFill>
+                <a:latin typeface="Consolas" panose="020B0609020204030204" pitchFamily="49" charset="0"/>
+              </a:rPr>
+              <a:t>    </a:t>
+            </a:r>
+            <a:r>
+              <a:rPr lang="en-US" sz="1400" dirty="0" err="1">
+                <a:solidFill>
+                  <a:srgbClr val="9CDCFE"/>
+                </a:solidFill>
+                <a:latin typeface="Consolas" panose="020B0609020204030204" pitchFamily="49" charset="0"/>
+              </a:rPr>
+              <a:t>c</a:t>
+            </a:r>
+            <a:r>
+              <a:rPr lang="en-US" sz="1400" dirty="0" err="1">
+                <a:solidFill>
+                  <a:srgbClr val="D4D4D4"/>
+                </a:solidFill>
+                <a:latin typeface="Consolas" panose="020B0609020204030204" pitchFamily="49" charset="0"/>
+              </a:rPr>
+              <a:t>.</a:t>
+            </a:r>
+            <a:r>
+              <a:rPr lang="en-US" sz="1400" dirty="0" err="1">
+                <a:solidFill>
+                  <a:srgbClr val="DCDCAA"/>
+                </a:solidFill>
+                <a:latin typeface="Consolas" panose="020B0609020204030204" pitchFamily="49" charset="0"/>
+              </a:rPr>
+              <a:t>OperationFilter</a:t>
+            </a:r>
+            <a:r>
+              <a:rPr lang="en-US" sz="1400" dirty="0">
+                <a:solidFill>
+                  <a:srgbClr val="D4D4D4"/>
+                </a:solidFill>
+                <a:latin typeface="Consolas" panose="020B0609020204030204" pitchFamily="49" charset="0"/>
+              </a:rPr>
+              <a:t>&lt;</a:t>
+            </a:r>
+            <a:r>
+              <a:rPr lang="en-US" sz="1400" dirty="0" err="1">
+                <a:solidFill>
+                  <a:srgbClr val="4EC9B0"/>
+                </a:solidFill>
+                <a:latin typeface="Consolas" panose="020B0609020204030204" pitchFamily="49" charset="0"/>
+              </a:rPr>
+              <a:t>SecurityRequirementsOperationFilter</a:t>
+            </a:r>
+            <a:r>
+              <a:rPr lang="en-US" sz="1400" dirty="0">
+                <a:solidFill>
+                  <a:srgbClr val="D4D4D4"/>
+                </a:solidFill>
+                <a:latin typeface="Consolas" panose="020B0609020204030204" pitchFamily="49" charset="0"/>
+              </a:rPr>
+              <a:t>&gt;();</a:t>
+            </a:r>
+          </a:p>
+          <a:p>
+            <a:r>
+              <a:rPr lang="en-US" sz="1400" dirty="0">
+                <a:solidFill>
+                  <a:srgbClr val="D4D4D4"/>
+                </a:solidFill>
+                <a:latin typeface="Consolas" panose="020B0609020204030204" pitchFamily="49" charset="0"/>
+              </a:rPr>
+              <a:t>});</a:t>
+            </a:r>
+          </a:p>
+        </p:txBody>
+      </p:sp>
+    </p:spTree>
+    <p:extLst>
+      <p:ext uri="{BB962C8B-B14F-4D97-AF65-F5344CB8AC3E}">
+        <p14:creationId xmlns:p14="http://schemas.microsoft.com/office/powerpoint/2010/main" val="2764675360"/>
+      </p:ext>
+    </p:extLst>
+  </p:cSld>
+  <p:clrMapOvr>
+    <a:masterClrMapping/>
+  </p:clrMapOvr>
+  <p:transition>
+    <p:wipe/>
+  </p:transition>
+</p:sld>
+</file>
+
+<file path=ppt/slides/slide68.xml><?xml version="1.0" encoding="utf-8"?>
+<p:sld xmlns:a="http://schemas.openxmlformats.org/drawingml/2006/main" xmlns:r="http://schemas.openxmlformats.org/officeDocument/2006/relationships" xmlns:p="http://schemas.openxmlformats.org/presentationml/2006/main">
+  <p:cSld>
+    <p:spTree>
+      <p:nvGrpSpPr>
+        <p:cNvPr id="1" name=""/>
+        <p:cNvGrpSpPr/>
+        <p:nvPr/>
+      </p:nvGrpSpPr>
+      <p:grpSpPr>
+        <a:xfrm>
+          <a:off x="0" y="0"/>
+          <a:ext cx="0" cy="0"/>
+          <a:chOff x="0" y="0"/>
+          <a:chExt cx="0" cy="0"/>
+        </a:xfrm>
+      </p:grpSpPr>
+      <p:sp>
+        <p:nvSpPr>
+          <p:cNvPr id="2" name="Title 1">
+            <a:extLst>
+              <a:ext uri="{FF2B5EF4-FFF2-40B4-BE49-F238E27FC236}">
+                <a16:creationId xmlns:a16="http://schemas.microsoft.com/office/drawing/2014/main" id="{D9D27BCC-2D64-4765-AAF5-0B8193952407}"/>
+              </a:ext>
+            </a:extLst>
+          </p:cNvPr>
+          <p:cNvSpPr>
+            <a:spLocks noGrp="1"/>
+          </p:cNvSpPr>
+          <p:nvPr>
+            <p:ph type="title"/>
+          </p:nvPr>
+        </p:nvSpPr>
+        <p:spPr/>
+        <p:txBody>
+          <a:bodyPr/>
+          <a:lstStyle/>
+          <a:p>
+            <a:r>
+              <a:rPr lang="en-US" dirty="0"/>
+              <a:t>Adding scope requirements to Swagger</a:t>
+            </a:r>
+          </a:p>
+        </p:txBody>
+      </p:sp>
+      <p:sp>
+        <p:nvSpPr>
+          <p:cNvPr id="3" name="Content Placeholder 2">
+            <a:extLst>
+              <a:ext uri="{FF2B5EF4-FFF2-40B4-BE49-F238E27FC236}">
+                <a16:creationId xmlns:a16="http://schemas.microsoft.com/office/drawing/2014/main" id="{7CABB4E9-EB0E-4A69-9470-53CC9F1F6632}"/>
+              </a:ext>
+            </a:extLst>
+          </p:cNvPr>
+          <p:cNvSpPr>
+            <a:spLocks noGrp="1"/>
+          </p:cNvSpPr>
+          <p:nvPr>
+            <p:ph idx="1"/>
+          </p:nvPr>
+        </p:nvSpPr>
+        <p:spPr/>
+        <p:txBody>
+          <a:bodyPr/>
+          <a:lstStyle/>
+          <a:p>
+            <a:pPr marL="285750" indent="-285750">
+              <a:buFont typeface="Arial" panose="020B0604020202020204" pitchFamily="34" charset="0"/>
+              <a:buChar char="•"/>
+            </a:pPr>
+            <a:r>
+              <a:rPr lang="en-US" dirty="0"/>
+              <a:t>Last we add the full declaration of our security to the Swagger document so clients know what the need to do to authenticate</a:t>
+            </a:r>
+          </a:p>
+        </p:txBody>
+      </p:sp>
+      <p:sp>
+        <p:nvSpPr>
+          <p:cNvPr id="4" name="TextBox 3">
+            <a:extLst>
+              <a:ext uri="{FF2B5EF4-FFF2-40B4-BE49-F238E27FC236}">
+                <a16:creationId xmlns:a16="http://schemas.microsoft.com/office/drawing/2014/main" id="{994F9114-60E7-4B6C-B4C0-3FDEE5D581B9}"/>
+              </a:ext>
+            </a:extLst>
+          </p:cNvPr>
+          <p:cNvSpPr txBox="1"/>
+          <p:nvPr/>
+        </p:nvSpPr>
+        <p:spPr>
+          <a:xfrm>
+            <a:off x="305922" y="1784846"/>
+            <a:ext cx="8532155" cy="3231654"/>
+          </a:xfrm>
+          <a:prstGeom prst="rect">
+            <a:avLst/>
+          </a:prstGeom>
+          <a:solidFill>
+            <a:srgbClr val="000000"/>
+          </a:solidFill>
+          <a:ln>
+            <a:solidFill>
+              <a:schemeClr val="accent2"/>
+            </a:solidFill>
+          </a:ln>
+        </p:spPr>
+        <p:txBody>
+          <a:bodyPr wrap="square" rtlCol="0">
+            <a:spAutoFit/>
+          </a:bodyPr>
+          <a:lstStyle/>
+          <a:p>
+            <a:r>
+              <a:rPr lang="en-US" sz="1200" dirty="0" err="1">
+                <a:solidFill>
+                  <a:srgbClr val="9CDCFE"/>
+                </a:solidFill>
+                <a:latin typeface="Consolas" panose="020B0609020204030204" pitchFamily="49" charset="0"/>
+              </a:rPr>
+              <a:t>c</a:t>
+            </a:r>
+            <a:r>
+              <a:rPr lang="en-US" sz="1200" dirty="0" err="1">
+                <a:solidFill>
+                  <a:srgbClr val="D4D4D4"/>
+                </a:solidFill>
+                <a:latin typeface="Consolas" panose="020B0609020204030204" pitchFamily="49" charset="0"/>
+              </a:rPr>
+              <a:t>.</a:t>
+            </a:r>
+            <a:r>
+              <a:rPr lang="en-US" sz="1200" dirty="0" err="1">
+                <a:solidFill>
+                  <a:srgbClr val="DCDCAA"/>
+                </a:solidFill>
+                <a:latin typeface="Consolas" panose="020B0609020204030204" pitchFamily="49" charset="0"/>
+              </a:rPr>
+              <a:t>AddSecurityDefinition</a:t>
+            </a:r>
+            <a:r>
+              <a:rPr lang="en-US" sz="1200" dirty="0">
+                <a:solidFill>
+                  <a:srgbClr val="D4D4D4"/>
+                </a:solidFill>
+                <a:latin typeface="Consolas" panose="020B0609020204030204" pitchFamily="49" charset="0"/>
+              </a:rPr>
+              <a:t>(</a:t>
+            </a:r>
+            <a:r>
+              <a:rPr lang="en-US" sz="1200" dirty="0">
+                <a:solidFill>
+                  <a:srgbClr val="CE9178"/>
+                </a:solidFill>
+                <a:latin typeface="Consolas" panose="020B0609020204030204" pitchFamily="49" charset="0"/>
+              </a:rPr>
+              <a:t>"oauth2"</a:t>
+            </a:r>
+            <a:r>
+              <a:rPr lang="en-US" sz="1200" dirty="0">
+                <a:solidFill>
+                  <a:srgbClr val="D4D4D4"/>
+                </a:solidFill>
+                <a:latin typeface="Consolas" panose="020B0609020204030204" pitchFamily="49" charset="0"/>
+              </a:rPr>
+              <a:t>, </a:t>
+            </a:r>
+            <a:r>
+              <a:rPr lang="en-US" sz="1200" dirty="0">
+                <a:solidFill>
+                  <a:srgbClr val="569CD6"/>
+                </a:solidFill>
+                <a:latin typeface="Consolas" panose="020B0609020204030204" pitchFamily="49" charset="0"/>
+              </a:rPr>
+              <a:t>new</a:t>
+            </a:r>
+            <a:r>
+              <a:rPr lang="en-US" sz="1200" dirty="0">
+                <a:solidFill>
+                  <a:srgbClr val="D4D4D4"/>
+                </a:solidFill>
+                <a:latin typeface="Consolas" panose="020B0609020204030204" pitchFamily="49" charset="0"/>
+              </a:rPr>
+              <a:t> </a:t>
+            </a:r>
+            <a:r>
+              <a:rPr lang="en-US" sz="1200" dirty="0" err="1">
+                <a:solidFill>
+                  <a:srgbClr val="4EC9B0"/>
+                </a:solidFill>
+                <a:latin typeface="Consolas" panose="020B0609020204030204" pitchFamily="49" charset="0"/>
+              </a:rPr>
+              <a:t>OpenApiSecurityScheme</a:t>
+            </a:r>
+            <a:endParaRPr lang="en-US" sz="1200" dirty="0">
+              <a:solidFill>
+                <a:srgbClr val="D4D4D4"/>
+              </a:solidFill>
+              <a:latin typeface="Consolas" panose="020B0609020204030204" pitchFamily="49" charset="0"/>
+            </a:endParaRPr>
+          </a:p>
+          <a:p>
+            <a:r>
+              <a:rPr lang="en-US" sz="1200" dirty="0">
+                <a:solidFill>
+                  <a:srgbClr val="D4D4D4"/>
+                </a:solidFill>
+                <a:latin typeface="Consolas" panose="020B0609020204030204" pitchFamily="49" charset="0"/>
+              </a:rPr>
+              <a:t>{</a:t>
+            </a:r>
+          </a:p>
+          <a:p>
+            <a:r>
+              <a:rPr lang="en-US" sz="1200" dirty="0">
+                <a:solidFill>
+                  <a:srgbClr val="D4D4D4"/>
+                </a:solidFill>
+                <a:latin typeface="Consolas" panose="020B0609020204030204" pitchFamily="49" charset="0"/>
+              </a:rPr>
+              <a:t>    </a:t>
+            </a:r>
+            <a:r>
+              <a:rPr lang="en-US" sz="1200" dirty="0">
+                <a:solidFill>
+                  <a:srgbClr val="9CDCFE"/>
+                </a:solidFill>
+                <a:latin typeface="Consolas" panose="020B0609020204030204" pitchFamily="49" charset="0"/>
+              </a:rPr>
+              <a:t>Type</a:t>
+            </a:r>
+            <a:r>
+              <a:rPr lang="en-US" sz="1200" dirty="0">
+                <a:solidFill>
+                  <a:srgbClr val="D4D4D4"/>
+                </a:solidFill>
+                <a:latin typeface="Consolas" panose="020B0609020204030204" pitchFamily="49" charset="0"/>
+              </a:rPr>
+              <a:t> = </a:t>
+            </a:r>
+            <a:r>
+              <a:rPr lang="en-US" sz="1200" dirty="0">
+                <a:solidFill>
+                  <a:srgbClr val="9CDCFE"/>
+                </a:solidFill>
+                <a:latin typeface="Consolas" panose="020B0609020204030204" pitchFamily="49" charset="0"/>
+              </a:rPr>
+              <a:t>SecuritySchemeType</a:t>
+            </a:r>
+            <a:r>
+              <a:rPr lang="en-US" sz="1200" dirty="0">
+                <a:solidFill>
+                  <a:srgbClr val="D4D4D4"/>
+                </a:solidFill>
+                <a:latin typeface="Consolas" panose="020B0609020204030204" pitchFamily="49" charset="0"/>
+              </a:rPr>
+              <a:t>.</a:t>
+            </a:r>
+            <a:r>
+              <a:rPr lang="en-US" sz="1200" dirty="0">
+                <a:solidFill>
+                  <a:srgbClr val="9CDCFE"/>
+                </a:solidFill>
+                <a:latin typeface="Consolas" panose="020B0609020204030204" pitchFamily="49" charset="0"/>
+              </a:rPr>
+              <a:t>OAuth2</a:t>
+            </a:r>
+            <a:r>
+              <a:rPr lang="en-US" sz="1200" dirty="0">
+                <a:solidFill>
+                  <a:srgbClr val="D4D4D4"/>
+                </a:solidFill>
+                <a:latin typeface="Consolas" panose="020B0609020204030204" pitchFamily="49" charset="0"/>
+              </a:rPr>
+              <a:t>,</a:t>
+            </a:r>
+          </a:p>
+          <a:p>
+            <a:r>
+              <a:rPr lang="en-US" sz="1200" dirty="0">
+                <a:solidFill>
+                  <a:srgbClr val="D4D4D4"/>
+                </a:solidFill>
+                <a:latin typeface="Consolas" panose="020B0609020204030204" pitchFamily="49" charset="0"/>
+              </a:rPr>
+              <a:t>    </a:t>
+            </a:r>
+            <a:r>
+              <a:rPr lang="en-US" sz="1200" dirty="0">
+                <a:solidFill>
+                  <a:srgbClr val="9CDCFE"/>
+                </a:solidFill>
+                <a:latin typeface="Consolas" panose="020B0609020204030204" pitchFamily="49" charset="0"/>
+              </a:rPr>
+              <a:t>Flows</a:t>
+            </a:r>
+            <a:r>
+              <a:rPr lang="en-US" sz="1200" dirty="0">
+                <a:solidFill>
+                  <a:srgbClr val="D4D4D4"/>
+                </a:solidFill>
+                <a:latin typeface="Consolas" panose="020B0609020204030204" pitchFamily="49" charset="0"/>
+              </a:rPr>
+              <a:t> = </a:t>
+            </a:r>
+            <a:r>
+              <a:rPr lang="en-US" sz="1200" dirty="0">
+                <a:solidFill>
+                  <a:srgbClr val="569CD6"/>
+                </a:solidFill>
+                <a:latin typeface="Consolas" panose="020B0609020204030204" pitchFamily="49" charset="0"/>
+              </a:rPr>
+              <a:t>new</a:t>
+            </a:r>
+            <a:r>
+              <a:rPr lang="en-US" sz="1200" dirty="0">
+                <a:solidFill>
+                  <a:srgbClr val="D4D4D4"/>
+                </a:solidFill>
+                <a:latin typeface="Consolas" panose="020B0609020204030204" pitchFamily="49" charset="0"/>
+              </a:rPr>
+              <a:t> </a:t>
+            </a:r>
+            <a:r>
+              <a:rPr lang="en-US" sz="1200" dirty="0" err="1">
+                <a:solidFill>
+                  <a:srgbClr val="4EC9B0"/>
+                </a:solidFill>
+                <a:latin typeface="Consolas" panose="020B0609020204030204" pitchFamily="49" charset="0"/>
+              </a:rPr>
+              <a:t>OpenApiOAuthFlows</a:t>
+            </a:r>
+            <a:endParaRPr lang="en-US" sz="1200" dirty="0">
+              <a:solidFill>
+                <a:srgbClr val="D4D4D4"/>
+              </a:solidFill>
+              <a:latin typeface="Consolas" panose="020B0609020204030204" pitchFamily="49" charset="0"/>
+            </a:endParaRPr>
+          </a:p>
+          <a:p>
+            <a:r>
+              <a:rPr lang="en-US" sz="1200" dirty="0">
+                <a:solidFill>
+                  <a:srgbClr val="D4D4D4"/>
+                </a:solidFill>
+                <a:latin typeface="Consolas" panose="020B0609020204030204" pitchFamily="49" charset="0"/>
+              </a:rPr>
+              <a:t>    {</a:t>
+            </a:r>
+          </a:p>
+          <a:p>
+            <a:r>
+              <a:rPr lang="en-US" sz="1200" dirty="0">
+                <a:solidFill>
+                  <a:srgbClr val="D4D4D4"/>
+                </a:solidFill>
+                <a:latin typeface="Consolas" panose="020B0609020204030204" pitchFamily="49" charset="0"/>
+              </a:rPr>
+              <a:t>        </a:t>
+            </a:r>
+            <a:r>
+              <a:rPr lang="en-US" sz="1200" dirty="0">
+                <a:solidFill>
+                  <a:srgbClr val="9CDCFE"/>
+                </a:solidFill>
+                <a:latin typeface="Consolas" panose="020B0609020204030204" pitchFamily="49" charset="0"/>
+              </a:rPr>
+              <a:t>Implicit</a:t>
+            </a:r>
+            <a:r>
+              <a:rPr lang="en-US" sz="1200" dirty="0">
+                <a:solidFill>
+                  <a:srgbClr val="D4D4D4"/>
+                </a:solidFill>
+                <a:latin typeface="Consolas" panose="020B0609020204030204" pitchFamily="49" charset="0"/>
+              </a:rPr>
+              <a:t> = </a:t>
+            </a:r>
+            <a:r>
+              <a:rPr lang="en-US" sz="1200" dirty="0">
+                <a:solidFill>
+                  <a:srgbClr val="569CD6"/>
+                </a:solidFill>
+                <a:latin typeface="Consolas" panose="020B0609020204030204" pitchFamily="49" charset="0"/>
+              </a:rPr>
+              <a:t>new</a:t>
+            </a:r>
+            <a:r>
+              <a:rPr lang="en-US" sz="1200" dirty="0">
+                <a:solidFill>
+                  <a:srgbClr val="D4D4D4"/>
+                </a:solidFill>
+                <a:latin typeface="Consolas" panose="020B0609020204030204" pitchFamily="49" charset="0"/>
+              </a:rPr>
+              <a:t> </a:t>
+            </a:r>
+            <a:r>
+              <a:rPr lang="en-US" sz="1200" dirty="0" err="1">
+                <a:solidFill>
+                  <a:srgbClr val="4EC9B0"/>
+                </a:solidFill>
+                <a:latin typeface="Consolas" panose="020B0609020204030204" pitchFamily="49" charset="0"/>
+              </a:rPr>
+              <a:t>OpenApiOAuthFlow</a:t>
+            </a:r>
+            <a:endParaRPr lang="en-US" sz="1200" dirty="0">
+              <a:solidFill>
+                <a:srgbClr val="D4D4D4"/>
+              </a:solidFill>
+              <a:latin typeface="Consolas" panose="020B0609020204030204" pitchFamily="49" charset="0"/>
+            </a:endParaRPr>
+          </a:p>
+          <a:p>
+            <a:r>
+              <a:rPr lang="en-US" sz="1200" dirty="0">
+                <a:solidFill>
+                  <a:srgbClr val="D4D4D4"/>
+                </a:solidFill>
+                <a:latin typeface="Consolas" panose="020B0609020204030204" pitchFamily="49" charset="0"/>
+              </a:rPr>
+              <a:t>        {</a:t>
+            </a:r>
+          </a:p>
+          <a:p>
+            <a:r>
+              <a:rPr lang="en-US" sz="1200" dirty="0">
+                <a:solidFill>
+                  <a:srgbClr val="D4D4D4"/>
+                </a:solidFill>
+                <a:latin typeface="Consolas" panose="020B0609020204030204" pitchFamily="49" charset="0"/>
+              </a:rPr>
+              <a:t>            </a:t>
+            </a:r>
+            <a:r>
+              <a:rPr lang="en-US" sz="1200" dirty="0" err="1">
+                <a:solidFill>
+                  <a:srgbClr val="9CDCFE"/>
+                </a:solidFill>
+                <a:latin typeface="Consolas" panose="020B0609020204030204" pitchFamily="49" charset="0"/>
+              </a:rPr>
+              <a:t>AuthorizationUrl</a:t>
+            </a:r>
+            <a:r>
+              <a:rPr lang="en-US" sz="1200" dirty="0">
+                <a:solidFill>
+                  <a:srgbClr val="D4D4D4"/>
+                </a:solidFill>
+                <a:latin typeface="Consolas" panose="020B0609020204030204" pitchFamily="49" charset="0"/>
+              </a:rPr>
+              <a:t> = </a:t>
+            </a:r>
+            <a:r>
+              <a:rPr lang="en-US" sz="1200" dirty="0">
+                <a:solidFill>
+                  <a:srgbClr val="569CD6"/>
+                </a:solidFill>
+                <a:latin typeface="Consolas" panose="020B0609020204030204" pitchFamily="49" charset="0"/>
+              </a:rPr>
+              <a:t>new</a:t>
+            </a:r>
+            <a:r>
+              <a:rPr lang="en-US" sz="1200" dirty="0">
+                <a:solidFill>
+                  <a:srgbClr val="D4D4D4"/>
+                </a:solidFill>
+                <a:latin typeface="Consolas" panose="020B0609020204030204" pitchFamily="49" charset="0"/>
+              </a:rPr>
+              <a:t> </a:t>
+            </a:r>
+            <a:r>
+              <a:rPr lang="en-US" sz="1200" dirty="0">
+                <a:solidFill>
+                  <a:srgbClr val="4EC9B0"/>
+                </a:solidFill>
+                <a:latin typeface="Consolas" panose="020B0609020204030204" pitchFamily="49" charset="0"/>
+              </a:rPr>
+              <a:t>Uri</a:t>
+            </a:r>
+            <a:r>
+              <a:rPr lang="en-US" sz="1200" dirty="0">
+                <a:solidFill>
+                  <a:srgbClr val="D4D4D4"/>
+                </a:solidFill>
+                <a:latin typeface="Consolas" panose="020B0609020204030204" pitchFamily="49" charset="0"/>
+              </a:rPr>
+              <a:t>(</a:t>
+            </a:r>
+          </a:p>
+          <a:p>
+            <a:r>
+              <a:rPr lang="en-US" sz="1200" dirty="0">
+                <a:solidFill>
+                  <a:srgbClr val="D4D4D4"/>
+                </a:solidFill>
+                <a:latin typeface="Consolas" panose="020B0609020204030204" pitchFamily="49" charset="0"/>
+              </a:rPr>
+              <a:t>  </a:t>
+            </a:r>
+            <a:r>
+              <a:rPr lang="en-US" sz="1200" dirty="0">
+                <a:solidFill>
+                  <a:srgbClr val="CE9178"/>
+                </a:solidFill>
+                <a:latin typeface="Consolas" panose="020B0609020204030204" pitchFamily="49" charset="0"/>
+              </a:rPr>
+              <a:t>"https://login.microsoftonline.com/0b53d2c1-bc55-4ab3-a161-927d289257f2/oauth2/v2.0/authorize"</a:t>
+            </a:r>
+            <a:r>
+              <a:rPr lang="en-US" sz="1200" dirty="0">
+                <a:solidFill>
+                  <a:srgbClr val="D4D4D4"/>
+                </a:solidFill>
+                <a:latin typeface="Consolas" panose="020B0609020204030204" pitchFamily="49" charset="0"/>
+              </a:rPr>
+              <a:t>),</a:t>
+            </a:r>
+          </a:p>
+          <a:p>
+            <a:r>
+              <a:rPr lang="en-US" sz="1200" dirty="0">
+                <a:solidFill>
+                  <a:srgbClr val="D4D4D4"/>
+                </a:solidFill>
+                <a:latin typeface="Consolas" panose="020B0609020204030204" pitchFamily="49" charset="0"/>
+              </a:rPr>
+              <a:t>            </a:t>
+            </a:r>
+            <a:r>
+              <a:rPr lang="en-US" sz="1200" dirty="0">
+                <a:solidFill>
+                  <a:srgbClr val="9CDCFE"/>
+                </a:solidFill>
+                <a:latin typeface="Consolas" panose="020B0609020204030204" pitchFamily="49" charset="0"/>
+              </a:rPr>
+              <a:t>Scopes</a:t>
+            </a:r>
+            <a:r>
+              <a:rPr lang="en-US" sz="1200" dirty="0">
+                <a:solidFill>
+                  <a:srgbClr val="D4D4D4"/>
+                </a:solidFill>
+                <a:latin typeface="Consolas" panose="020B0609020204030204" pitchFamily="49" charset="0"/>
+              </a:rPr>
+              <a:t> = </a:t>
+            </a:r>
+            <a:r>
+              <a:rPr lang="en-US" sz="1200" dirty="0">
+                <a:solidFill>
+                  <a:srgbClr val="569CD6"/>
+                </a:solidFill>
+                <a:latin typeface="Consolas" panose="020B0609020204030204" pitchFamily="49" charset="0"/>
+              </a:rPr>
+              <a:t>new</a:t>
+            </a:r>
+            <a:r>
+              <a:rPr lang="en-US" sz="1200" dirty="0">
+                <a:solidFill>
+                  <a:srgbClr val="D4D4D4"/>
+                </a:solidFill>
+                <a:latin typeface="Consolas" panose="020B0609020204030204" pitchFamily="49" charset="0"/>
+              </a:rPr>
+              <a:t> </a:t>
+            </a:r>
+            <a:r>
+              <a:rPr lang="en-US" sz="1200" dirty="0">
+                <a:solidFill>
+                  <a:srgbClr val="4EC9B0"/>
+                </a:solidFill>
+                <a:latin typeface="Consolas" panose="020B0609020204030204" pitchFamily="49" charset="0"/>
+              </a:rPr>
+              <a:t>Dictionary</a:t>
+            </a:r>
+            <a:r>
+              <a:rPr lang="en-US" sz="1200" dirty="0">
+                <a:solidFill>
+                  <a:srgbClr val="D4D4D4"/>
+                </a:solidFill>
+                <a:latin typeface="Consolas" panose="020B0609020204030204" pitchFamily="49" charset="0"/>
+              </a:rPr>
+              <a:t>&lt;</a:t>
+            </a:r>
+            <a:r>
+              <a:rPr lang="en-US" sz="1200" dirty="0">
+                <a:solidFill>
+                  <a:srgbClr val="569CD6"/>
+                </a:solidFill>
+                <a:latin typeface="Consolas" panose="020B0609020204030204" pitchFamily="49" charset="0"/>
+              </a:rPr>
+              <a:t>string</a:t>
+            </a:r>
+            <a:r>
+              <a:rPr lang="en-US" sz="1200" dirty="0">
+                <a:solidFill>
+                  <a:srgbClr val="D4D4D4"/>
+                </a:solidFill>
+                <a:latin typeface="Consolas" panose="020B0609020204030204" pitchFamily="49" charset="0"/>
+              </a:rPr>
+              <a:t>, </a:t>
+            </a:r>
+            <a:r>
+              <a:rPr lang="en-US" sz="1200" dirty="0">
+                <a:solidFill>
+                  <a:srgbClr val="569CD6"/>
+                </a:solidFill>
+                <a:latin typeface="Consolas" panose="020B0609020204030204" pitchFamily="49" charset="0"/>
+              </a:rPr>
+              <a:t>string</a:t>
+            </a:r>
+            <a:r>
+              <a:rPr lang="en-US" sz="1200" dirty="0">
+                <a:solidFill>
+                  <a:srgbClr val="D4D4D4"/>
+                </a:solidFill>
+                <a:latin typeface="Consolas" panose="020B0609020204030204" pitchFamily="49" charset="0"/>
+              </a:rPr>
+              <a:t>&gt;</a:t>
+            </a:r>
+          </a:p>
+          <a:p>
+            <a:r>
+              <a:rPr lang="en-US" sz="1200" dirty="0">
+                <a:solidFill>
+                  <a:srgbClr val="D4D4D4"/>
+                </a:solidFill>
+                <a:latin typeface="Consolas" panose="020B0609020204030204" pitchFamily="49" charset="0"/>
+              </a:rPr>
+              <a:t>            {</a:t>
+            </a:r>
+          </a:p>
+          <a:p>
+            <a:r>
+              <a:rPr lang="en-US" sz="1200" dirty="0">
+                <a:solidFill>
+                  <a:srgbClr val="D4D4D4"/>
+                </a:solidFill>
+                <a:latin typeface="Consolas" panose="020B0609020204030204" pitchFamily="49" charset="0"/>
+              </a:rPr>
+              <a:t>                { </a:t>
+            </a:r>
+            <a:r>
+              <a:rPr lang="en-US" sz="1200" dirty="0" err="1">
+                <a:solidFill>
+                  <a:srgbClr val="9CDCFE"/>
+                </a:solidFill>
+                <a:latin typeface="Consolas" panose="020B0609020204030204" pitchFamily="49" charset="0"/>
+              </a:rPr>
+              <a:t>Scopes</a:t>
+            </a:r>
+            <a:r>
+              <a:rPr lang="en-US" sz="1200" dirty="0" err="1">
+                <a:solidFill>
+                  <a:srgbClr val="D4D4D4"/>
+                </a:solidFill>
+                <a:latin typeface="Consolas" panose="020B0609020204030204" pitchFamily="49" charset="0"/>
+              </a:rPr>
+              <a:t>.</a:t>
+            </a:r>
+            <a:r>
+              <a:rPr lang="en-US" sz="1200" dirty="0" err="1">
+                <a:solidFill>
+                  <a:srgbClr val="9CDCFE"/>
+                </a:solidFill>
+                <a:latin typeface="Consolas" panose="020B0609020204030204" pitchFamily="49" charset="0"/>
+              </a:rPr>
+              <a:t>AadReadAccess</a:t>
+            </a:r>
+            <a:r>
+              <a:rPr lang="en-US" sz="1200" dirty="0">
+                <a:solidFill>
+                  <a:srgbClr val="D4D4D4"/>
+                </a:solidFill>
+                <a:latin typeface="Consolas" panose="020B0609020204030204" pitchFamily="49" charset="0"/>
+              </a:rPr>
+              <a:t>, </a:t>
+            </a:r>
+            <a:r>
+              <a:rPr lang="en-US" sz="1200" dirty="0">
+                <a:solidFill>
+                  <a:srgbClr val="CE9178"/>
+                </a:solidFill>
+                <a:latin typeface="Consolas" panose="020B0609020204030204" pitchFamily="49" charset="0"/>
+              </a:rPr>
+              <a:t>"Access read operations"</a:t>
+            </a:r>
+            <a:r>
+              <a:rPr lang="en-US" sz="1200" dirty="0">
+                <a:solidFill>
+                  <a:srgbClr val="D4D4D4"/>
+                </a:solidFill>
+                <a:latin typeface="Consolas" panose="020B0609020204030204" pitchFamily="49" charset="0"/>
+              </a:rPr>
+              <a:t> },</a:t>
+            </a:r>
+          </a:p>
+          <a:p>
+            <a:r>
+              <a:rPr lang="en-US" sz="1200" dirty="0">
+                <a:solidFill>
+                  <a:srgbClr val="D4D4D4"/>
+                </a:solidFill>
+                <a:latin typeface="Consolas" panose="020B0609020204030204" pitchFamily="49" charset="0"/>
+              </a:rPr>
+              <a:t>                { </a:t>
+            </a:r>
+            <a:r>
+              <a:rPr lang="en-US" sz="1200" dirty="0" err="1">
+                <a:solidFill>
+                  <a:srgbClr val="9CDCFE"/>
+                </a:solidFill>
+                <a:latin typeface="Consolas" panose="020B0609020204030204" pitchFamily="49" charset="0"/>
+              </a:rPr>
+              <a:t>Scopes</a:t>
+            </a:r>
+            <a:r>
+              <a:rPr lang="en-US" sz="1200" dirty="0" err="1">
+                <a:solidFill>
+                  <a:srgbClr val="D4D4D4"/>
+                </a:solidFill>
+                <a:latin typeface="Consolas" panose="020B0609020204030204" pitchFamily="49" charset="0"/>
+              </a:rPr>
+              <a:t>.</a:t>
+            </a:r>
+            <a:r>
+              <a:rPr lang="en-US" sz="1200" dirty="0" err="1">
+                <a:solidFill>
+                  <a:srgbClr val="9CDCFE"/>
+                </a:solidFill>
+                <a:latin typeface="Consolas" panose="020B0609020204030204" pitchFamily="49" charset="0"/>
+              </a:rPr>
+              <a:t>AadWriteAccess</a:t>
+            </a:r>
+            <a:r>
+              <a:rPr lang="en-US" sz="1200" dirty="0">
+                <a:solidFill>
+                  <a:srgbClr val="D4D4D4"/>
+                </a:solidFill>
+                <a:latin typeface="Consolas" panose="020B0609020204030204" pitchFamily="49" charset="0"/>
+              </a:rPr>
+              <a:t>, </a:t>
+            </a:r>
+            <a:r>
+              <a:rPr lang="en-US" sz="1200" dirty="0">
+                <a:solidFill>
+                  <a:srgbClr val="CE9178"/>
+                </a:solidFill>
+                <a:latin typeface="Consolas" panose="020B0609020204030204" pitchFamily="49" charset="0"/>
+              </a:rPr>
+              <a:t>"Access write operations"</a:t>
+            </a:r>
+            <a:r>
+              <a:rPr lang="en-US" sz="1200" dirty="0">
+                <a:solidFill>
+                  <a:srgbClr val="D4D4D4"/>
+                </a:solidFill>
+                <a:latin typeface="Consolas" panose="020B0609020204030204" pitchFamily="49" charset="0"/>
+              </a:rPr>
+              <a:t> }</a:t>
+            </a:r>
+          </a:p>
+          <a:p>
+            <a:r>
+              <a:rPr lang="en-US" sz="1200" dirty="0">
+                <a:solidFill>
+                  <a:srgbClr val="D4D4D4"/>
+                </a:solidFill>
+                <a:latin typeface="Consolas" panose="020B0609020204030204" pitchFamily="49" charset="0"/>
+              </a:rPr>
+              <a:t>            }</a:t>
+            </a:r>
+          </a:p>
+          <a:p>
+            <a:r>
+              <a:rPr lang="en-US" sz="1200" dirty="0">
+                <a:solidFill>
+                  <a:srgbClr val="D4D4D4"/>
+                </a:solidFill>
+                <a:latin typeface="Consolas" panose="020B0609020204030204" pitchFamily="49" charset="0"/>
+              </a:rPr>
+              <a:t>        }</a:t>
+            </a:r>
+          </a:p>
+          <a:p>
+            <a:r>
+              <a:rPr lang="en-US" sz="1200" dirty="0">
+                <a:solidFill>
+                  <a:srgbClr val="D4D4D4"/>
+                </a:solidFill>
+                <a:latin typeface="Consolas" panose="020B0609020204030204" pitchFamily="49" charset="0"/>
+              </a:rPr>
+              <a:t>    }</a:t>
+            </a:r>
+          </a:p>
+          <a:p>
+            <a:r>
+              <a:rPr lang="en-US" sz="1200" dirty="0">
+                <a:solidFill>
+                  <a:srgbClr val="D4D4D4"/>
+                </a:solidFill>
+                <a:latin typeface="Consolas" panose="020B0609020204030204" pitchFamily="49" charset="0"/>
+              </a:rPr>
+              <a:t>});</a:t>
+            </a:r>
+          </a:p>
+        </p:txBody>
+      </p:sp>
+    </p:spTree>
+    <p:extLst>
+      <p:ext uri="{BB962C8B-B14F-4D97-AF65-F5344CB8AC3E}">
+        <p14:creationId xmlns:p14="http://schemas.microsoft.com/office/powerpoint/2010/main" val="1815478546"/>
+      </p:ext>
+    </p:extLst>
+  </p:cSld>
+  <p:clrMapOvr>
+    <a:masterClrMapping/>
+  </p:clrMapOvr>
+  <p:transition>
+    <p:wipe/>
+  </p:transition>
+</p:sld>
+</file>
+
+<file path=ppt/slides/slide69.xml><?xml version="1.0" encoding="utf-8"?>
+<p:sld xmlns:a="http://schemas.openxmlformats.org/drawingml/2006/main" xmlns:r="http://schemas.openxmlformats.org/officeDocument/2006/relationships" xmlns:p="http://schemas.openxmlformats.org/presentationml/2006/main">
+  <p:cSld>
+    <p:spTree>
+      <p:nvGrpSpPr>
+        <p:cNvPr id="1" name=""/>
+        <p:cNvGrpSpPr/>
+        <p:nvPr/>
+      </p:nvGrpSpPr>
+      <p:grpSpPr>
+        <a:xfrm>
+          <a:off x="0" y="0"/>
+          <a:ext cx="0" cy="0"/>
+          <a:chOff x="0" y="0"/>
+          <a:chExt cx="0" cy="0"/>
+        </a:xfrm>
+      </p:grpSpPr>
+      <p:sp>
+        <p:nvSpPr>
+          <p:cNvPr id="2" name="Title 1">
+            <a:extLst>
+              <a:ext uri="{FF2B5EF4-FFF2-40B4-BE49-F238E27FC236}">
+                <a16:creationId xmlns:a16="http://schemas.microsoft.com/office/drawing/2014/main" id="{EE5963E4-CFBE-4389-A8AD-2A452630F7EA}"/>
+              </a:ext>
+            </a:extLst>
+          </p:cNvPr>
+          <p:cNvSpPr>
+            <a:spLocks noGrp="1"/>
+          </p:cNvSpPr>
+          <p:nvPr>
+            <p:ph type="title"/>
+          </p:nvPr>
+        </p:nvSpPr>
+        <p:spPr/>
+        <p:txBody>
+          <a:bodyPr/>
+          <a:lstStyle/>
+          <a:p>
+            <a:r>
+              <a:rPr lang="en-US" dirty="0"/>
+              <a:t>Just one last piece missing</a:t>
+            </a:r>
+          </a:p>
+        </p:txBody>
+      </p:sp>
+      <p:sp>
+        <p:nvSpPr>
+          <p:cNvPr id="3" name="Content Placeholder 2">
+            <a:extLst>
+              <a:ext uri="{FF2B5EF4-FFF2-40B4-BE49-F238E27FC236}">
+                <a16:creationId xmlns:a16="http://schemas.microsoft.com/office/drawing/2014/main" id="{4C6C13A0-5D80-4A29-B654-8E9DC3865EF5}"/>
+              </a:ext>
+            </a:extLst>
+          </p:cNvPr>
+          <p:cNvSpPr>
+            <a:spLocks noGrp="1"/>
+          </p:cNvSpPr>
+          <p:nvPr>
+            <p:ph idx="1"/>
+          </p:nvPr>
+        </p:nvSpPr>
+        <p:spPr/>
+        <p:txBody>
+          <a:bodyPr/>
+          <a:lstStyle/>
+          <a:p>
+            <a:pPr marL="285750" indent="-285750">
+              <a:buFont typeface="Arial" panose="020B0604020202020204" pitchFamily="34" charset="0"/>
+              <a:buChar char="•"/>
+            </a:pPr>
+            <a:r>
+              <a:rPr lang="en-US" dirty="0"/>
+              <a:t>The Swagger document is now complete</a:t>
+            </a:r>
+          </a:p>
+          <a:p>
+            <a:pPr marL="820738" lvl="2" indent="-285750"/>
+            <a:r>
+              <a:rPr lang="en-US" dirty="0"/>
+              <a:t>There is a </a:t>
+            </a:r>
+            <a:r>
+              <a:rPr lang="en-US" dirty="0" err="1"/>
+              <a:t>securitySchemes</a:t>
+            </a:r>
+            <a:r>
+              <a:rPr lang="en-US" dirty="0"/>
+              <a:t> element at the bottom</a:t>
+            </a:r>
+          </a:p>
+          <a:p>
+            <a:pPr marL="820738" lvl="2" indent="-285750"/>
+            <a:r>
+              <a:rPr lang="en-US" dirty="0"/>
+              <a:t>Every method has a security element</a:t>
+            </a:r>
+          </a:p>
+          <a:p>
+            <a:pPr marL="820738" lvl="2" indent="-285750"/>
+            <a:r>
+              <a:rPr lang="en-US" dirty="0"/>
+              <a:t>Every method declares 401 and 403 results</a:t>
+            </a:r>
+          </a:p>
+          <a:p>
+            <a:pPr marL="285750" indent="-285750">
+              <a:buFont typeface="Arial" panose="020B0604020202020204" pitchFamily="34" charset="0"/>
+              <a:buChar char="•"/>
+            </a:pPr>
+            <a:r>
+              <a:rPr lang="en-US" dirty="0"/>
+              <a:t>Now Swagger UI needs to know it’s ClientID for Azure AD to authenticate</a:t>
+            </a:r>
+          </a:p>
+          <a:p>
+            <a:pPr marL="285750" indent="-285750">
+              <a:buFont typeface="Arial" panose="020B0604020202020204" pitchFamily="34" charset="0"/>
+              <a:buChar char="•"/>
+            </a:pPr>
+            <a:endParaRPr lang="en-US" dirty="0"/>
+          </a:p>
+          <a:p>
+            <a:pPr marL="285750" indent="-285750">
+              <a:buFont typeface="Arial" panose="020B0604020202020204" pitchFamily="34" charset="0"/>
+              <a:buChar char="•"/>
+            </a:pPr>
+            <a:endParaRPr lang="en-US" dirty="0"/>
+          </a:p>
+          <a:p>
+            <a:pPr marL="285750" indent="-285750">
+              <a:buFont typeface="Arial" panose="020B0604020202020204" pitchFamily="34" charset="0"/>
+              <a:buChar char="•"/>
+            </a:pPr>
+            <a:endParaRPr lang="en-US" dirty="0"/>
+          </a:p>
+        </p:txBody>
+      </p:sp>
+      <p:sp>
+        <p:nvSpPr>
+          <p:cNvPr id="6" name="TextBox 5">
+            <a:extLst>
+              <a:ext uri="{FF2B5EF4-FFF2-40B4-BE49-F238E27FC236}">
+                <a16:creationId xmlns:a16="http://schemas.microsoft.com/office/drawing/2014/main" id="{10299FB5-1C66-46E0-ACAE-D6F18D4888D0}"/>
+              </a:ext>
+            </a:extLst>
+          </p:cNvPr>
+          <p:cNvSpPr txBox="1"/>
+          <p:nvPr/>
+        </p:nvSpPr>
+        <p:spPr>
+          <a:xfrm>
+            <a:off x="1341706" y="2835444"/>
+            <a:ext cx="6460588" cy="1015663"/>
+          </a:xfrm>
+          <a:prstGeom prst="rect">
+            <a:avLst/>
+          </a:prstGeom>
+          <a:solidFill>
+            <a:srgbClr val="000000"/>
+          </a:solidFill>
+          <a:ln>
+            <a:solidFill>
+              <a:schemeClr val="accent2"/>
+            </a:solidFill>
+          </a:ln>
+        </p:spPr>
+        <p:txBody>
+          <a:bodyPr wrap="square" rtlCol="0">
+            <a:spAutoFit/>
+          </a:bodyPr>
+          <a:lstStyle/>
+          <a:p>
+            <a:r>
+              <a:rPr lang="en-US" sz="1200" dirty="0" err="1">
+                <a:solidFill>
+                  <a:srgbClr val="9CDCFE"/>
+                </a:solidFill>
+                <a:latin typeface="Consolas" panose="020B0609020204030204" pitchFamily="49" charset="0"/>
+              </a:rPr>
+              <a:t>app</a:t>
+            </a:r>
+            <a:r>
+              <a:rPr lang="en-US" sz="1200" dirty="0" err="1">
+                <a:solidFill>
+                  <a:srgbClr val="D4D4D4"/>
+                </a:solidFill>
+                <a:latin typeface="Consolas" panose="020B0609020204030204" pitchFamily="49" charset="0"/>
+              </a:rPr>
+              <a:t>.</a:t>
+            </a:r>
+            <a:r>
+              <a:rPr lang="en-US" sz="1200" dirty="0" err="1">
+                <a:solidFill>
+                  <a:srgbClr val="DCDCAA"/>
+                </a:solidFill>
+                <a:latin typeface="Consolas" panose="020B0609020204030204" pitchFamily="49" charset="0"/>
+              </a:rPr>
+              <a:t>UseSwaggerUI</a:t>
+            </a:r>
+            <a:r>
+              <a:rPr lang="en-US" sz="1200" dirty="0">
+                <a:solidFill>
+                  <a:srgbClr val="D4D4D4"/>
+                </a:solidFill>
+                <a:latin typeface="Consolas" panose="020B0609020204030204" pitchFamily="49" charset="0"/>
+              </a:rPr>
+              <a:t>(</a:t>
+            </a:r>
+            <a:r>
+              <a:rPr lang="en-US" sz="1200" dirty="0">
+                <a:solidFill>
+                  <a:srgbClr val="9CDCFE"/>
+                </a:solidFill>
+                <a:latin typeface="Consolas" panose="020B0609020204030204" pitchFamily="49" charset="0"/>
+              </a:rPr>
+              <a:t>c</a:t>
+            </a:r>
+            <a:r>
+              <a:rPr lang="en-US" sz="1200" dirty="0">
+                <a:solidFill>
+                  <a:srgbClr val="D4D4D4"/>
+                </a:solidFill>
+                <a:latin typeface="Consolas" panose="020B0609020204030204" pitchFamily="49" charset="0"/>
+              </a:rPr>
+              <a:t> =&gt; </a:t>
+            </a:r>
+          </a:p>
+          <a:p>
+            <a:r>
+              <a:rPr lang="en-US" sz="1200" dirty="0">
+                <a:solidFill>
+                  <a:srgbClr val="D4D4D4"/>
+                </a:solidFill>
+                <a:latin typeface="Consolas" panose="020B0609020204030204" pitchFamily="49" charset="0"/>
+              </a:rPr>
+              <a:t>{</a:t>
+            </a:r>
+          </a:p>
+          <a:p>
+            <a:r>
+              <a:rPr lang="en-US" sz="1200" dirty="0">
+                <a:solidFill>
+                  <a:srgbClr val="D4D4D4"/>
+                </a:solidFill>
+                <a:latin typeface="Consolas" panose="020B0609020204030204" pitchFamily="49" charset="0"/>
+              </a:rPr>
+              <a:t>    </a:t>
+            </a:r>
+            <a:r>
+              <a:rPr lang="en-US" sz="1200" dirty="0" err="1">
+                <a:solidFill>
+                  <a:srgbClr val="9CDCFE"/>
+                </a:solidFill>
+                <a:latin typeface="Consolas" panose="020B0609020204030204" pitchFamily="49" charset="0"/>
+              </a:rPr>
+              <a:t>c</a:t>
+            </a:r>
+            <a:r>
+              <a:rPr lang="en-US" sz="1200" dirty="0" err="1">
+                <a:solidFill>
+                  <a:srgbClr val="D4D4D4"/>
+                </a:solidFill>
+                <a:latin typeface="Consolas" panose="020B0609020204030204" pitchFamily="49" charset="0"/>
+              </a:rPr>
+              <a:t>.</a:t>
+            </a:r>
+            <a:r>
+              <a:rPr lang="en-US" sz="1200" dirty="0" err="1">
+                <a:solidFill>
+                  <a:srgbClr val="DCDCAA"/>
+                </a:solidFill>
+                <a:latin typeface="Consolas" panose="020B0609020204030204" pitchFamily="49" charset="0"/>
+              </a:rPr>
+              <a:t>SwaggerEndpoint</a:t>
+            </a:r>
+            <a:r>
+              <a:rPr lang="en-US" sz="1200" dirty="0">
+                <a:solidFill>
+                  <a:srgbClr val="D4D4D4"/>
+                </a:solidFill>
+                <a:latin typeface="Consolas" panose="020B0609020204030204" pitchFamily="49" charset="0"/>
+              </a:rPr>
+              <a:t>(</a:t>
+            </a:r>
+            <a:r>
+              <a:rPr lang="en-US" sz="1200" dirty="0">
+                <a:solidFill>
+                  <a:srgbClr val="CE9178"/>
+                </a:solidFill>
+                <a:latin typeface="Consolas" panose="020B0609020204030204" pitchFamily="49" charset="0"/>
+              </a:rPr>
+              <a:t>"/swagger/v1.0/</a:t>
+            </a:r>
+            <a:r>
+              <a:rPr lang="en-US" sz="1200" dirty="0" err="1">
+                <a:solidFill>
+                  <a:srgbClr val="CE9178"/>
+                </a:solidFill>
+                <a:latin typeface="Consolas" panose="020B0609020204030204" pitchFamily="49" charset="0"/>
+              </a:rPr>
+              <a:t>swagger.json</a:t>
+            </a:r>
+            <a:r>
+              <a:rPr lang="en-US" sz="1200" dirty="0">
+                <a:solidFill>
+                  <a:srgbClr val="CE9178"/>
+                </a:solidFill>
+                <a:latin typeface="Consolas" panose="020B0609020204030204" pitchFamily="49" charset="0"/>
+              </a:rPr>
+              <a:t>"</a:t>
+            </a:r>
+            <a:r>
+              <a:rPr lang="en-US" sz="1200" dirty="0">
+                <a:solidFill>
+                  <a:srgbClr val="D4D4D4"/>
+                </a:solidFill>
+                <a:latin typeface="Consolas" panose="020B0609020204030204" pitchFamily="49" charset="0"/>
+              </a:rPr>
+              <a:t>, </a:t>
+            </a:r>
+            <a:r>
+              <a:rPr lang="en-US" sz="1200" dirty="0">
+                <a:solidFill>
+                  <a:srgbClr val="CE9178"/>
+                </a:solidFill>
+                <a:latin typeface="Consolas" panose="020B0609020204030204" pitchFamily="49" charset="0"/>
+              </a:rPr>
+              <a:t>"</a:t>
+            </a:r>
+            <a:r>
+              <a:rPr lang="en-US" sz="1200" dirty="0" err="1">
+                <a:solidFill>
+                  <a:srgbClr val="CE9178"/>
+                </a:solidFill>
+                <a:latin typeface="Consolas" panose="020B0609020204030204" pitchFamily="49" charset="0"/>
+              </a:rPr>
+              <a:t>DevCruise</a:t>
+            </a:r>
+            <a:r>
+              <a:rPr lang="en-US" sz="1200" dirty="0">
+                <a:solidFill>
+                  <a:srgbClr val="CE9178"/>
+                </a:solidFill>
+                <a:latin typeface="Consolas" panose="020B0609020204030204" pitchFamily="49" charset="0"/>
+              </a:rPr>
+              <a:t> API v1.0"</a:t>
+            </a:r>
+            <a:r>
+              <a:rPr lang="en-US" sz="1200" dirty="0">
+                <a:solidFill>
+                  <a:srgbClr val="D4D4D4"/>
+                </a:solidFill>
+                <a:latin typeface="Consolas" panose="020B0609020204030204" pitchFamily="49" charset="0"/>
+              </a:rPr>
+              <a:t>);</a:t>
+            </a:r>
+          </a:p>
+          <a:p>
+            <a:r>
+              <a:rPr lang="en-US" sz="1200" dirty="0">
+                <a:solidFill>
+                  <a:srgbClr val="9CDCFE"/>
+                </a:solidFill>
+                <a:latin typeface="Consolas" panose="020B0609020204030204" pitchFamily="49" charset="0"/>
+              </a:rPr>
+              <a:t>    </a:t>
+            </a:r>
+            <a:r>
+              <a:rPr lang="en-US" sz="1200" dirty="0" err="1">
+                <a:solidFill>
+                  <a:srgbClr val="9CDCFE"/>
+                </a:solidFill>
+                <a:latin typeface="Consolas" panose="020B0609020204030204" pitchFamily="49" charset="0"/>
+              </a:rPr>
+              <a:t>c</a:t>
+            </a:r>
+            <a:r>
+              <a:rPr lang="en-US" sz="1200" dirty="0" err="1">
+                <a:solidFill>
+                  <a:srgbClr val="D4D4D4"/>
+                </a:solidFill>
+                <a:latin typeface="Consolas" panose="020B0609020204030204" pitchFamily="49" charset="0"/>
+              </a:rPr>
+              <a:t>.</a:t>
+            </a:r>
+            <a:r>
+              <a:rPr lang="en-US" sz="1200" dirty="0" err="1">
+                <a:solidFill>
+                  <a:srgbClr val="DCDCAA"/>
+                </a:solidFill>
+                <a:latin typeface="Consolas" panose="020B0609020204030204" pitchFamily="49" charset="0"/>
+              </a:rPr>
+              <a:t>OAuthClientId</a:t>
+            </a:r>
+            <a:r>
+              <a:rPr lang="en-US" sz="1200" dirty="0">
+                <a:solidFill>
+                  <a:srgbClr val="D4D4D4"/>
+                </a:solidFill>
+                <a:latin typeface="Consolas" panose="020B0609020204030204" pitchFamily="49" charset="0"/>
+              </a:rPr>
+              <a:t>(</a:t>
+            </a:r>
+            <a:r>
+              <a:rPr lang="en-US" sz="1200" dirty="0">
+                <a:solidFill>
+                  <a:srgbClr val="CE9178"/>
+                </a:solidFill>
+                <a:latin typeface="Consolas" panose="020B0609020204030204" pitchFamily="49" charset="0"/>
+              </a:rPr>
+              <a:t>"4be39034-c55a-4ab3-bd3a-38fa0664bb53"</a:t>
+            </a:r>
+            <a:r>
+              <a:rPr lang="en-US" sz="1200" dirty="0">
+                <a:solidFill>
+                  <a:srgbClr val="D4D4D4"/>
+                </a:solidFill>
+                <a:latin typeface="Consolas" panose="020B0609020204030204" pitchFamily="49" charset="0"/>
+              </a:rPr>
+              <a:t>);</a:t>
+            </a:r>
+          </a:p>
+          <a:p>
+            <a:r>
+              <a:rPr lang="en-US" sz="1200" dirty="0">
+                <a:solidFill>
+                  <a:srgbClr val="D4D4D4"/>
+                </a:solidFill>
+                <a:latin typeface="Consolas" panose="020B0609020204030204" pitchFamily="49" charset="0"/>
+              </a:rPr>
+              <a:t>});</a:t>
+            </a:r>
+            <a:endParaRPr lang="en-US" sz="1200" dirty="0"/>
+          </a:p>
+        </p:txBody>
+      </p:sp>
+    </p:spTree>
+    <p:extLst>
+      <p:ext uri="{BB962C8B-B14F-4D97-AF65-F5344CB8AC3E}">
+        <p14:creationId xmlns:p14="http://schemas.microsoft.com/office/powerpoint/2010/main" val="4123976706"/>
       </p:ext>
     </p:extLst>
   </p:cSld>
@@ -45689,6 +50953,287 @@
 </p:sld>
 </file>
 
+<file path=ppt/slides/slide70.xml><?xml version="1.0" encoding="utf-8"?>
+<p:sld xmlns:a="http://schemas.openxmlformats.org/drawingml/2006/main" xmlns:r="http://schemas.openxmlformats.org/officeDocument/2006/relationships" xmlns:p="http://schemas.openxmlformats.org/presentationml/2006/main">
+  <p:cSld>
+    <p:spTree>
+      <p:nvGrpSpPr>
+        <p:cNvPr id="1" name=""/>
+        <p:cNvGrpSpPr/>
+        <p:nvPr/>
+      </p:nvGrpSpPr>
+      <p:grpSpPr>
+        <a:xfrm>
+          <a:off x="0" y="0"/>
+          <a:ext cx="0" cy="0"/>
+          <a:chOff x="0" y="0"/>
+          <a:chExt cx="0" cy="0"/>
+        </a:xfrm>
+      </p:grpSpPr>
+      <p:sp>
+        <p:nvSpPr>
+          <p:cNvPr id="3" name="Content Placeholder 2">
+            <a:extLst>
+              <a:ext uri="{FF2B5EF4-FFF2-40B4-BE49-F238E27FC236}">
+                <a16:creationId xmlns:a16="http://schemas.microsoft.com/office/drawing/2014/main" id="{22284AB8-F830-444B-A447-FD9944459CF3}"/>
+              </a:ext>
+            </a:extLst>
+          </p:cNvPr>
+          <p:cNvSpPr>
+            <a:spLocks noGrp="1"/>
+          </p:cNvSpPr>
+          <p:nvPr>
+            <p:ph idx="1"/>
+          </p:nvPr>
+        </p:nvSpPr>
+        <p:spPr>
+          <a:xfrm>
+            <a:off x="297520" y="432582"/>
+            <a:ext cx="8532155" cy="4295521"/>
+          </a:xfrm>
+        </p:spPr>
+        <p:txBody>
+          <a:bodyPr anchor="ctr"/>
+          <a:lstStyle/>
+          <a:p>
+            <a:pPr algn="ctr"/>
+            <a:r>
+              <a:rPr lang="en-US" sz="3200" dirty="0"/>
+              <a:t>Want to know what all of this stuff means?</a:t>
+            </a:r>
+          </a:p>
+          <a:p>
+            <a:pPr algn="ctr"/>
+            <a:r>
+              <a:rPr lang="en-US" sz="3200" dirty="0"/>
+              <a:t>See you this afternoon at 18:55!</a:t>
+            </a:r>
+          </a:p>
+        </p:txBody>
+      </p:sp>
+    </p:spTree>
+    <p:extLst>
+      <p:ext uri="{BB962C8B-B14F-4D97-AF65-F5344CB8AC3E}">
+        <p14:creationId xmlns:p14="http://schemas.microsoft.com/office/powerpoint/2010/main" val="2570498076"/>
+      </p:ext>
+    </p:extLst>
+  </p:cSld>
+  <p:clrMapOvr>
+    <a:masterClrMapping/>
+  </p:clrMapOvr>
+  <p:transition>
+    <p:wipe/>
+  </p:transition>
+</p:sld>
+</file>
+
+<file path=ppt/slides/slide71.xml><?xml version="1.0" encoding="utf-8"?>
+<p:sld xmlns:a="http://schemas.openxmlformats.org/drawingml/2006/main" xmlns:r="http://schemas.openxmlformats.org/officeDocument/2006/relationships" xmlns:p="http://schemas.openxmlformats.org/presentationml/2006/main">
+  <p:cSld>
+    <p:spTree>
+      <p:nvGrpSpPr>
+        <p:cNvPr id="1" name=""/>
+        <p:cNvGrpSpPr/>
+        <p:nvPr/>
+      </p:nvGrpSpPr>
+      <p:grpSpPr>
+        <a:xfrm>
+          <a:off x="0" y="0"/>
+          <a:ext cx="0" cy="0"/>
+          <a:chOff x="0" y="0"/>
+          <a:chExt cx="0" cy="0"/>
+        </a:xfrm>
+      </p:grpSpPr>
+      <p:sp>
+        <p:nvSpPr>
+          <p:cNvPr id="4" name="Text Placeholder 3">
+            <a:extLst>
+              <a:ext uri="{FF2B5EF4-FFF2-40B4-BE49-F238E27FC236}">
+                <a16:creationId xmlns:a16="http://schemas.microsoft.com/office/drawing/2014/main" id="{3BB36DF0-0DA1-4ED5-A9F3-F720EE154E7C}"/>
+              </a:ext>
+            </a:extLst>
+          </p:cNvPr>
+          <p:cNvSpPr>
+            <a:spLocks noGrp="1"/>
+          </p:cNvSpPr>
+          <p:nvPr>
+            <p:ph type="body" sz="quarter" idx="10"/>
+          </p:nvPr>
+        </p:nvSpPr>
+        <p:spPr/>
+        <p:txBody>
+          <a:bodyPr/>
+          <a:lstStyle/>
+          <a:p>
+            <a:endParaRPr lang="en-US"/>
+          </a:p>
+        </p:txBody>
+      </p:sp>
+      <p:sp>
+        <p:nvSpPr>
+          <p:cNvPr id="5" name="Text Placeholder 4">
+            <a:extLst>
+              <a:ext uri="{FF2B5EF4-FFF2-40B4-BE49-F238E27FC236}">
+                <a16:creationId xmlns:a16="http://schemas.microsoft.com/office/drawing/2014/main" id="{72DA1FAE-1194-467F-B221-293B26B7CB11}"/>
+              </a:ext>
+            </a:extLst>
+          </p:cNvPr>
+          <p:cNvSpPr>
+            <a:spLocks noGrp="1"/>
+          </p:cNvSpPr>
+          <p:nvPr>
+            <p:ph type="body" sz="quarter" idx="11"/>
+          </p:nvPr>
+        </p:nvSpPr>
+        <p:spPr/>
+        <p:txBody>
+          <a:bodyPr/>
+          <a:lstStyle/>
+          <a:p>
+            <a:endParaRPr lang="en-US"/>
+          </a:p>
+        </p:txBody>
+      </p:sp>
+      <p:pic>
+        <p:nvPicPr>
+          <p:cNvPr id="2050" name="Picture 2">
+            <a:extLst>
+              <a:ext uri="{FF2B5EF4-FFF2-40B4-BE49-F238E27FC236}">
+                <a16:creationId xmlns:a16="http://schemas.microsoft.com/office/drawing/2014/main" id="{14B669B3-F4B1-4FC1-ADF5-25EF3657C729}"/>
+              </a:ext>
+            </a:extLst>
+          </p:cNvPr>
+          <p:cNvPicPr>
+            <a:picLocks noGrp="1" noChangeAspect="1" noChangeArrowheads="1"/>
+          </p:cNvPicPr>
+          <p:nvPr>
+            <p:ph type="pic" sz="quarter" idx="14"/>
+          </p:nvPr>
+        </p:nvPicPr>
+        <p:blipFill>
+          <a:blip r:embed="rId3" cstate="email">
+            <a:extLst>
+              <a:ext uri="{28A0092B-C50C-407E-A947-70E740481C1C}">
+                <a14:useLocalDpi xmlns:a14="http://schemas.microsoft.com/office/drawing/2010/main" val="0"/>
+              </a:ext>
+            </a:extLst>
+          </a:blip>
+          <a:srcRect t="31" b="31"/>
+          <a:stretch>
+            <a:fillRect/>
+          </a:stretch>
+        </p:blipFill>
+        <p:spPr bwMode="auto">
+          <a:xfrm>
+            <a:off x="0" y="0"/>
+            <a:ext cx="9144000" cy="5143500"/>
+          </a:xfrm>
+          <a:prstGeom prst="rect">
+            <a:avLst/>
+          </a:prstGeom>
+          <a:noFill/>
+          <a:extLst>
+            <a:ext uri="{909E8E84-426E-40DD-AFC4-6F175D3DCCD1}">
+              <a14:hiddenFill xmlns:a14="http://schemas.microsoft.com/office/drawing/2010/main">
+                <a:solidFill>
+                  <a:srgbClr val="FFFFFF"/>
+                </a:solidFill>
+              </a14:hiddenFill>
+            </a:ext>
+          </a:extLst>
+        </p:spPr>
+      </p:pic>
+    </p:spTree>
+    <p:extLst>
+      <p:ext uri="{BB962C8B-B14F-4D97-AF65-F5344CB8AC3E}">
+        <p14:creationId xmlns:p14="http://schemas.microsoft.com/office/powerpoint/2010/main" val="248308464"/>
+      </p:ext>
+    </p:extLst>
+  </p:cSld>
+  <p:clrMapOvr>
+    <a:masterClrMapping/>
+  </p:clrMapOvr>
+  <mc:AlternateContent xmlns:mc="http://schemas.openxmlformats.org/markup-compatibility/2006">
+    <mc:Choice xmlns:p14="http://schemas.microsoft.com/office/powerpoint/2010/main" Requires="p14">
+      <p:transition spd="slow" p14:dur="800">
+        <p:circle/>
+      </p:transition>
+    </mc:Choice>
+    <mc:Fallback>
+      <p:transition spd="slow">
+        <p:circle/>
+      </p:transition>
+    </mc:Fallback>
+  </mc:AlternateContent>
+</p:sld>
+</file>
+
+<file path=ppt/slides/slide72.xml><?xml version="1.0" encoding="utf-8"?>
+<p:sld xmlns:a="http://schemas.openxmlformats.org/drawingml/2006/main" xmlns:r="http://schemas.openxmlformats.org/officeDocument/2006/relationships" xmlns:p="http://schemas.openxmlformats.org/presentationml/2006/main">
+  <p:cSld>
+    <p:spTree>
+      <p:nvGrpSpPr>
+        <p:cNvPr id="1" name=""/>
+        <p:cNvGrpSpPr/>
+        <p:nvPr/>
+      </p:nvGrpSpPr>
+      <p:grpSpPr>
+        <a:xfrm>
+          <a:off x="0" y="0"/>
+          <a:ext cx="0" cy="0"/>
+          <a:chOff x="0" y="0"/>
+          <a:chExt cx="0" cy="0"/>
+        </a:xfrm>
+      </p:grpSpPr>
+      <p:sp>
+        <p:nvSpPr>
+          <p:cNvPr id="5" name="Text Placeholder 4">
+            <a:extLst>
+              <a:ext uri="{FF2B5EF4-FFF2-40B4-BE49-F238E27FC236}">
+                <a16:creationId xmlns:a16="http://schemas.microsoft.com/office/drawing/2014/main" id="{F47E74F2-34C9-4557-B774-1753488CFF78}"/>
+              </a:ext>
+            </a:extLst>
+          </p:cNvPr>
+          <p:cNvSpPr>
+            <a:spLocks noGrp="1"/>
+          </p:cNvSpPr>
+          <p:nvPr>
+            <p:ph type="body" sz="quarter" idx="11"/>
+          </p:nvPr>
+        </p:nvSpPr>
+        <p:spPr>
+          <a:xfrm>
+            <a:off x="977156" y="2734240"/>
+            <a:ext cx="7662019" cy="1850149"/>
+          </a:xfrm>
+        </p:spPr>
+        <p:txBody>
+          <a:bodyPr/>
+          <a:lstStyle/>
+          <a:p>
+            <a:r>
+              <a:rPr lang="en-US" dirty="0"/>
+              <a:t>Now have fun exploring ASP.NET Core for yourself!</a:t>
+            </a:r>
+          </a:p>
+        </p:txBody>
+      </p:sp>
+    </p:spTree>
+    <p:extLst>
+      <p:ext uri="{BB962C8B-B14F-4D97-AF65-F5344CB8AC3E}">
+        <p14:creationId xmlns:p14="http://schemas.microsoft.com/office/powerpoint/2010/main" val="1095526622"/>
+      </p:ext>
+    </p:extLst>
+  </p:cSld>
+  <p:clrMapOvr>
+    <a:masterClrMapping/>
+  </p:clrMapOvr>
+  <p:transition>
+    <p:wipe/>
+  </p:transition>
+</p:sld>
+</file>
+
 <file path=ppt/slides/slide8.xml><?xml version="1.0" encoding="utf-8"?>
 <p:sld xmlns:a="http://schemas.openxmlformats.org/drawingml/2006/main" xmlns:r="http://schemas.openxmlformats.org/officeDocument/2006/relationships" xmlns:p="http://schemas.openxmlformats.org/presentationml/2006/main">
   <p:cSld>
@@ -45842,6 +51387,9 @@
   <p:clrMapOvr>
     <a:masterClrMapping/>
   </p:clrMapOvr>
+  <p:transition>
+    <p:wipe/>
+  </p:transition>
 </p:sld>
 </file>
 
@@ -46009,6 +51557,9 @@
   <p:clrMapOvr>
     <a:masterClrMapping/>
   </p:clrMapOvr>
+  <p:transition>
+    <p:wipe/>
+  </p:transition>
 </p:sld>
 </file>
 
@@ -46924,16 +52475,16 @@
 <file path=customXml/itemProps2.xml><?xml version="1.0" encoding="utf-8"?>
 <ds:datastoreItem xmlns:ds="http://schemas.openxmlformats.org/officeDocument/2006/customXml" ds:itemID="{EDDEB37B-1B98-440A-A5C5-9240F9E373FB}">
   <ds:schemaRefs>
-    <ds:schemaRef ds:uri="9c644b71-f2b7-4af3-8fc7-b12615162907"/>
     <ds:schemaRef ds:uri="http://purl.org/dc/elements/1.1/"/>
     <ds:schemaRef ds:uri="http://schemas.microsoft.com/office/2006/metadata/properties"/>
     <ds:schemaRef ds:uri="54f3cedd-548f-4720-83cb-d6c05b93ad22"/>
     <ds:schemaRef ds:uri="http://purl.org/dc/terms/"/>
     <ds:schemaRef ds:uri="http://schemas.openxmlformats.org/package/2006/metadata/core-properties"/>
+    <ds:schemaRef ds:uri="http://purl.org/dc/dcmitype/"/>
+    <ds:schemaRef ds:uri="9c644b71-f2b7-4af3-8fc7-b12615162907"/>
     <ds:schemaRef ds:uri="http://schemas.microsoft.com/office/2006/documentManagement/types"/>
     <ds:schemaRef ds:uri="http://schemas.microsoft.com/office/infopath/2007/PartnerControls"/>
     <ds:schemaRef ds:uri="http://www.w3.org/XML/1998/namespace"/>
-    <ds:schemaRef ds:uri="http://purl.org/dc/dcmitype/"/>
   </ds:schemaRefs>
 </ds:datastoreItem>
 </file>
